--- a/m326.pptx
+++ b/m326.pptx
@@ -9,6 +9,8 @@
     <p:sldId id="257" r:id="rId3"/>
     <p:sldId id="258" r:id="rId4"/>
     <p:sldId id="259" r:id="rId5"/>
+    <p:sldId id="260" r:id="rId6"/>
+    <p:sldId id="261" r:id="rId7"/>
   </p:sldIdLst>
   <p:sldSz cx="12192000" cy="6858000"/>
   <p:notesSz cx="6858000" cy="9144000"/>
@@ -318,7 +320,7 @@
           <a:p>
             <a:fld id="{2EC790A5-A061-4B31-AF6D-AC0DEB490C20}" type="slidenum">
               <a:rPr lang="de-CH" smtClean="0"/>
-              <a:t>‹Nr.›</a:t>
+              <a:t>‹#›</a:t>
             </a:fld>
             <a:endParaRPr lang="de-CH"/>
           </a:p>
@@ -518,7 +520,7 @@
           <a:p>
             <a:fld id="{2EC790A5-A061-4B31-AF6D-AC0DEB490C20}" type="slidenum">
               <a:rPr lang="de-CH" smtClean="0"/>
-              <a:t>‹Nr.›</a:t>
+              <a:t>‹#›</a:t>
             </a:fld>
             <a:endParaRPr lang="de-CH"/>
           </a:p>
@@ -728,7 +730,7 @@
           <a:p>
             <a:fld id="{2EC790A5-A061-4B31-AF6D-AC0DEB490C20}" type="slidenum">
               <a:rPr lang="de-CH" smtClean="0"/>
-              <a:t>‹Nr.›</a:t>
+              <a:t>‹#›</a:t>
             </a:fld>
             <a:endParaRPr lang="de-CH"/>
           </a:p>
@@ -928,7 +930,7 @@
           <a:p>
             <a:fld id="{2EC790A5-A061-4B31-AF6D-AC0DEB490C20}" type="slidenum">
               <a:rPr lang="de-CH" smtClean="0"/>
-              <a:t>‹Nr.›</a:t>
+              <a:t>‹#›</a:t>
             </a:fld>
             <a:endParaRPr lang="de-CH"/>
           </a:p>
@@ -1204,7 +1206,7 @@
           <a:p>
             <a:fld id="{2EC790A5-A061-4B31-AF6D-AC0DEB490C20}" type="slidenum">
               <a:rPr lang="de-CH" smtClean="0"/>
-              <a:t>‹Nr.›</a:t>
+              <a:t>‹#›</a:t>
             </a:fld>
             <a:endParaRPr lang="de-CH"/>
           </a:p>
@@ -1472,7 +1474,7 @@
           <a:p>
             <a:fld id="{2EC790A5-A061-4B31-AF6D-AC0DEB490C20}" type="slidenum">
               <a:rPr lang="de-CH" smtClean="0"/>
-              <a:t>‹Nr.›</a:t>
+              <a:t>‹#›</a:t>
             </a:fld>
             <a:endParaRPr lang="de-CH"/>
           </a:p>
@@ -1887,7 +1889,7 @@
           <a:p>
             <a:fld id="{2EC790A5-A061-4B31-AF6D-AC0DEB490C20}" type="slidenum">
               <a:rPr lang="de-CH" smtClean="0"/>
-              <a:t>‹Nr.›</a:t>
+              <a:t>‹#›</a:t>
             </a:fld>
             <a:endParaRPr lang="de-CH"/>
           </a:p>
@@ -2029,7 +2031,7 @@
           <a:p>
             <a:fld id="{2EC790A5-A061-4B31-AF6D-AC0DEB490C20}" type="slidenum">
               <a:rPr lang="de-CH" smtClean="0"/>
-              <a:t>‹Nr.›</a:t>
+              <a:t>‹#›</a:t>
             </a:fld>
             <a:endParaRPr lang="de-CH"/>
           </a:p>
@@ -2142,7 +2144,7 @@
           <a:p>
             <a:fld id="{2EC790A5-A061-4B31-AF6D-AC0DEB490C20}" type="slidenum">
               <a:rPr lang="de-CH" smtClean="0"/>
-              <a:t>‹Nr.›</a:t>
+              <a:t>‹#›</a:t>
             </a:fld>
             <a:endParaRPr lang="de-CH"/>
           </a:p>
@@ -2455,7 +2457,7 @@
           <a:p>
             <a:fld id="{2EC790A5-A061-4B31-AF6D-AC0DEB490C20}" type="slidenum">
               <a:rPr lang="de-CH" smtClean="0"/>
-              <a:t>‹Nr.›</a:t>
+              <a:t>‹#›</a:t>
             </a:fld>
             <a:endParaRPr lang="de-CH"/>
           </a:p>
@@ -2744,7 +2746,7 @@
           <a:p>
             <a:fld id="{2EC790A5-A061-4B31-AF6D-AC0DEB490C20}" type="slidenum">
               <a:rPr lang="de-CH" smtClean="0"/>
-              <a:t>‹Nr.›</a:t>
+              <a:t>‹#›</a:t>
             </a:fld>
             <a:endParaRPr lang="de-CH"/>
           </a:p>
@@ -3023,7 +3025,7 @@
           <a:p>
             <a:fld id="{2EC790A5-A061-4B31-AF6D-AC0DEB490C20}" type="slidenum">
               <a:rPr lang="de-CH" smtClean="0"/>
-              <a:t>‹Nr.›</a:t>
+              <a:t>‹#›</a:t>
             </a:fld>
             <a:endParaRPr lang="de-CH"/>
           </a:p>
@@ -3497,9 +3499,10 @@
           <a:p>
             <a:pPr lvl="1"/>
             <a:r>
-              <a:rPr lang="de-CH" dirty="0"/>
-              <a:t> Grundbau</a:t>
-            </a:r>
+              <a:rPr lang="de-CH"/>
+              <a:t>Grundbau</a:t>
+            </a:r>
+            <a:endParaRPr lang="de-CH" dirty="0"/>
           </a:p>
           <a:p>
             <a:pPr lvl="1"/>
@@ -3511,10 +3514,9 @@
           <a:p>
             <a:pPr lvl="1"/>
             <a:r>
-              <a:rPr lang="de-CH"/>
+              <a:rPr lang="de-CH" dirty="0"/>
               <a:t>Verwendung</a:t>
             </a:r>
-            <a:endParaRPr lang="de-CH" dirty="0"/>
           </a:p>
           <a:p>
             <a:r>
@@ -3708,7 +3710,51 @@
           <a:bodyPr/>
           <a:lstStyle/>
           <a:p>
-            <a:endParaRPr lang="de-CH"/>
+            <a:r>
+              <a:rPr lang="de-CH" dirty="0"/>
+              <a:t>«Gang </a:t>
+            </a:r>
+            <a:r>
+              <a:rPr lang="de-CH" dirty="0" err="1"/>
+              <a:t>of</a:t>
+            </a:r>
+            <a:r>
+              <a:rPr lang="de-CH" dirty="0"/>
+              <a:t> </a:t>
+            </a:r>
+            <a:r>
+              <a:rPr lang="de-CH" dirty="0" err="1"/>
+              <a:t>Four</a:t>
+            </a:r>
+            <a:r>
+              <a:rPr lang="de-CH" dirty="0"/>
+              <a:t>» design </a:t>
+            </a:r>
+            <a:r>
+              <a:rPr lang="de-CH" dirty="0" err="1"/>
+              <a:t>pattern</a:t>
+            </a:r>
+            <a:endParaRPr lang="de-CH" dirty="0"/>
+          </a:p>
+          <a:p>
+            <a:r>
+              <a:rPr lang="de-CH" dirty="0"/>
+              <a:t>Sind dafür da Sachen bei Veränderungen zu aktualisieren</a:t>
+            </a:r>
+          </a:p>
+          <a:p>
+            <a:r>
+              <a:rPr lang="de-CH" dirty="0"/>
+              <a:t>Funktionieren wie </a:t>
+            </a:r>
+            <a:r>
+              <a:rPr lang="de-CH" dirty="0" err="1"/>
+              <a:t>events</a:t>
+            </a:r>
+            <a:endParaRPr lang="de-CH" dirty="0"/>
+          </a:p>
+          <a:p>
+            <a:endParaRPr lang="de-CH" dirty="0"/>
           </a:p>
         </p:txBody>
       </p:sp>
@@ -3716,6 +3762,270 @@
     <p:extLst>
       <p:ext uri="{BB962C8B-B14F-4D97-AF65-F5344CB8AC3E}">
         <p14:creationId xmlns:p14="http://schemas.microsoft.com/office/powerpoint/2010/main" val="1267182349"/>
+      </p:ext>
+    </p:extLst>
+  </p:cSld>
+  <p:clrMapOvr>
+    <a:masterClrMapping/>
+  </p:clrMapOvr>
+</p:sld>
+</file>
+
+<file path=ppt/slides/slide5.xml><?xml version="1.0" encoding="utf-8"?>
+<p:sld xmlns:a="http://schemas.openxmlformats.org/drawingml/2006/main" xmlns:r="http://schemas.openxmlformats.org/officeDocument/2006/relationships" xmlns:p="http://schemas.openxmlformats.org/presentationml/2006/main">
+  <p:cSld>
+    <p:spTree>
+      <p:nvGrpSpPr>
+        <p:cNvPr id="1" name=""/>
+        <p:cNvGrpSpPr/>
+        <p:nvPr/>
+      </p:nvGrpSpPr>
+      <p:grpSpPr>
+        <a:xfrm>
+          <a:off x="0" y="0"/>
+          <a:ext cx="0" cy="0"/>
+          <a:chOff x="0" y="0"/>
+          <a:chExt cx="0" cy="0"/>
+        </a:xfrm>
+      </p:grpSpPr>
+      <p:sp>
+        <p:nvSpPr>
+          <p:cNvPr id="2" name="Titel 1">
+            <a:extLst>
+              <a:ext uri="{FF2B5EF4-FFF2-40B4-BE49-F238E27FC236}">
+                <a16:creationId xmlns:a16="http://schemas.microsoft.com/office/drawing/2014/main" id="{F1F69858-08AD-41D6-97FD-44CC3DCCCBF5}"/>
+              </a:ext>
+            </a:extLst>
+          </p:cNvPr>
+          <p:cNvSpPr>
+            <a:spLocks noGrp="1"/>
+          </p:cNvSpPr>
+          <p:nvPr>
+            <p:ph type="title"/>
+          </p:nvPr>
+        </p:nvSpPr>
+        <p:spPr/>
+        <p:txBody>
+          <a:bodyPr/>
+          <a:lstStyle/>
+          <a:p>
+            <a:r>
+              <a:rPr lang="de-CH" dirty="0"/>
+              <a:t>Observer</a:t>
+            </a:r>
+          </a:p>
+        </p:txBody>
+      </p:sp>
+      <p:sp>
+        <p:nvSpPr>
+          <p:cNvPr id="3" name="Inhaltsplatzhalter 2">
+            <a:extLst>
+              <a:ext uri="{FF2B5EF4-FFF2-40B4-BE49-F238E27FC236}">
+                <a16:creationId xmlns:a16="http://schemas.microsoft.com/office/drawing/2014/main" id="{3C29D100-74A7-48AF-A232-2F836F669E3B}"/>
+              </a:ext>
+            </a:extLst>
+          </p:cNvPr>
+          <p:cNvSpPr>
+            <a:spLocks noGrp="1"/>
+          </p:cNvSpPr>
+          <p:nvPr>
+            <p:ph idx="1"/>
+          </p:nvPr>
+        </p:nvSpPr>
+        <p:spPr/>
+        <p:txBody>
+          <a:bodyPr/>
+          <a:lstStyle/>
+          <a:p>
+            <a:r>
+              <a:rPr lang="de-CH" dirty="0"/>
+              <a:t>Observer wird observable hinzugefügt</a:t>
+            </a:r>
+          </a:p>
+          <a:p>
+            <a:r>
+              <a:rPr lang="de-CH" dirty="0"/>
+              <a:t>Observable sendet an alle gelisteten Observer ein update</a:t>
+            </a:r>
+          </a:p>
+          <a:p>
+            <a:endParaRPr lang="de-CH" dirty="0"/>
+          </a:p>
+        </p:txBody>
+      </p:sp>
+      <p:pic>
+        <p:nvPicPr>
+          <p:cNvPr id="5" name="Picture 4">
+            <a:extLst>
+              <a:ext uri="{FF2B5EF4-FFF2-40B4-BE49-F238E27FC236}">
+                <a16:creationId xmlns:a16="http://schemas.microsoft.com/office/drawing/2014/main" id="{EFF2C6ED-1B4B-4E50-B62A-5AB672C1E702}"/>
+              </a:ext>
+            </a:extLst>
+          </p:cNvPr>
+          <p:cNvPicPr>
+            <a:picLocks noChangeAspect="1"/>
+          </p:cNvPicPr>
+          <p:nvPr/>
+        </p:nvPicPr>
+        <p:blipFill>
+          <a:blip r:embed="rId2">
+            <a:extLst>
+              <a:ext uri="{28A0092B-C50C-407E-A947-70E740481C1C}">
+                <a14:useLocalDpi xmlns:a14="http://schemas.microsoft.com/office/drawing/2010/main" val="0"/>
+              </a:ext>
+            </a:extLst>
+          </a:blip>
+          <a:stretch>
+            <a:fillRect/>
+          </a:stretch>
+        </p:blipFill>
+        <p:spPr>
+          <a:xfrm>
+            <a:off x="0" y="3378800"/>
+            <a:ext cx="12192000" cy="2798163"/>
+          </a:xfrm>
+          <a:prstGeom prst="rect">
+            <a:avLst/>
+          </a:prstGeom>
+        </p:spPr>
+      </p:pic>
+    </p:spTree>
+    <p:extLst>
+      <p:ext uri="{BB962C8B-B14F-4D97-AF65-F5344CB8AC3E}">
+        <p14:creationId xmlns:p14="http://schemas.microsoft.com/office/powerpoint/2010/main" val="1168182916"/>
+      </p:ext>
+    </p:extLst>
+  </p:cSld>
+  <p:clrMapOvr>
+    <a:masterClrMapping/>
+  </p:clrMapOvr>
+</p:sld>
+</file>
+
+<file path=ppt/slides/slide6.xml><?xml version="1.0" encoding="utf-8"?>
+<p:sld xmlns:a="http://schemas.openxmlformats.org/drawingml/2006/main" xmlns:r="http://schemas.openxmlformats.org/officeDocument/2006/relationships" xmlns:p="http://schemas.openxmlformats.org/presentationml/2006/main">
+  <p:cSld>
+    <p:spTree>
+      <p:nvGrpSpPr>
+        <p:cNvPr id="1" name=""/>
+        <p:cNvGrpSpPr/>
+        <p:nvPr/>
+      </p:nvGrpSpPr>
+      <p:grpSpPr>
+        <a:xfrm>
+          <a:off x="0" y="0"/>
+          <a:ext cx="0" cy="0"/>
+          <a:chOff x="0" y="0"/>
+          <a:chExt cx="0" cy="0"/>
+        </a:xfrm>
+      </p:grpSpPr>
+      <p:sp>
+        <p:nvSpPr>
+          <p:cNvPr id="2" name="Titel 1">
+            <a:extLst>
+              <a:ext uri="{FF2B5EF4-FFF2-40B4-BE49-F238E27FC236}">
+                <a16:creationId xmlns:a16="http://schemas.microsoft.com/office/drawing/2014/main" id="{F1F69858-08AD-41D6-97FD-44CC3DCCCBF5}"/>
+              </a:ext>
+            </a:extLst>
+          </p:cNvPr>
+          <p:cNvSpPr>
+            <a:spLocks noGrp="1"/>
+          </p:cNvSpPr>
+          <p:nvPr>
+            <p:ph type="title"/>
+          </p:nvPr>
+        </p:nvSpPr>
+        <p:spPr/>
+        <p:txBody>
+          <a:bodyPr/>
+          <a:lstStyle/>
+          <a:p>
+            <a:r>
+              <a:rPr lang="de-CH" dirty="0"/>
+              <a:t>Observer</a:t>
+            </a:r>
+          </a:p>
+        </p:txBody>
+      </p:sp>
+      <p:sp>
+        <p:nvSpPr>
+          <p:cNvPr id="3" name="Inhaltsplatzhalter 2">
+            <a:extLst>
+              <a:ext uri="{FF2B5EF4-FFF2-40B4-BE49-F238E27FC236}">
+                <a16:creationId xmlns:a16="http://schemas.microsoft.com/office/drawing/2014/main" id="{3C29D100-74A7-48AF-A232-2F836F669E3B}"/>
+              </a:ext>
+            </a:extLst>
+          </p:cNvPr>
+          <p:cNvSpPr>
+            <a:spLocks noGrp="1"/>
+          </p:cNvSpPr>
+          <p:nvPr>
+            <p:ph idx="1"/>
+          </p:nvPr>
+        </p:nvSpPr>
+        <p:spPr/>
+        <p:txBody>
+          <a:bodyPr/>
+          <a:lstStyle/>
+          <a:p>
+            <a:r>
+              <a:rPr lang="de-CH" dirty="0"/>
+              <a:t>Werden verwendet für:</a:t>
+            </a:r>
+          </a:p>
+          <a:p>
+            <a:pPr lvl="1"/>
+            <a:r>
+              <a:rPr lang="de-CH" dirty="0"/>
+              <a:t>Events</a:t>
+            </a:r>
+          </a:p>
+          <a:p>
+            <a:pPr lvl="1"/>
+            <a:r>
+              <a:rPr lang="de-CH" dirty="0"/>
+              <a:t>Aktualisieren von GUIs</a:t>
+            </a:r>
+          </a:p>
+          <a:p>
+            <a:pPr lvl="1"/>
+            <a:r>
+              <a:rPr lang="de-CH" dirty="0"/>
+              <a:t>Daten aktualisieren</a:t>
+            </a:r>
+          </a:p>
+          <a:p>
+            <a:pPr lvl="1"/>
+            <a:r>
+              <a:rPr lang="de-CH" dirty="0"/>
+              <a:t>Stark im </a:t>
+            </a:r>
+            <a:r>
+              <a:rPr lang="de-CH" dirty="0" err="1"/>
+              <a:t>ecs</a:t>
+            </a:r>
+            <a:r>
+              <a:rPr lang="de-CH" dirty="0"/>
+              <a:t> </a:t>
+            </a:r>
+            <a:r>
+              <a:rPr lang="de-CH" dirty="0" err="1"/>
+              <a:t>model</a:t>
+            </a:r>
+            <a:r>
+              <a:rPr lang="de-CH" dirty="0"/>
+              <a:t> verwendet</a:t>
+            </a:r>
+          </a:p>
+          <a:p>
+            <a:endParaRPr lang="de-CH" dirty="0"/>
+          </a:p>
+        </p:txBody>
+      </p:sp>
+    </p:spTree>
+    <p:extLst>
+      <p:ext uri="{BB962C8B-B14F-4D97-AF65-F5344CB8AC3E}">
+        <p14:creationId xmlns:p14="http://schemas.microsoft.com/office/powerpoint/2010/main" val="3064572931"/>
       </p:ext>
     </p:extLst>
   </p:cSld>

--- a/m326.pptx
+++ b/m326.pptx
@@ -2,23 +2,32 @@
 <file path=ppt/presentation.xml><?xml version="1.0" encoding="utf-8"?>
 <p:presentation xmlns:a="http://schemas.openxmlformats.org/drawingml/2006/main" xmlns:r="http://schemas.openxmlformats.org/officeDocument/2006/relationships" xmlns:p="http://schemas.openxmlformats.org/presentationml/2006/main" saveSubsetFonts="1">
   <p:sldMasterIdLst>
-    <p:sldMasterId id="2147483648" r:id="rId1"/>
+    <p:sldMasterId id="2147483714" r:id="rId1"/>
   </p:sldMasterIdLst>
   <p:sldIdLst>
     <p:sldId id="256" r:id="rId2"/>
     <p:sldId id="257" r:id="rId3"/>
     <p:sldId id="258" r:id="rId4"/>
-    <p:sldId id="259" r:id="rId5"/>
+    <p:sldId id="263" r:id="rId5"/>
     <p:sldId id="260" r:id="rId6"/>
     <p:sldId id="261" r:id="rId7"/>
+    <p:sldId id="262" r:id="rId8"/>
+    <p:sldId id="264" r:id="rId9"/>
+    <p:sldId id="265" r:id="rId10"/>
+    <p:sldId id="266" r:id="rId11"/>
+    <p:sldId id="267" r:id="rId12"/>
+    <p:sldId id="268" r:id="rId13"/>
+    <p:sldId id="270" r:id="rId14"/>
+    <p:sldId id="271" r:id="rId15"/>
+    <p:sldId id="269" r:id="rId16"/>
   </p:sldIdLst>
   <p:sldSz cx="12192000" cy="6858000"/>
   <p:notesSz cx="6858000" cy="9144000"/>
   <p:defaultTextStyle>
     <a:defPPr>
-      <a:defRPr lang="de-DE"/>
+      <a:defRPr lang="en-US"/>
     </a:defPPr>
-    <a:lvl1pPr marL="0" algn="l" defTabSz="914400" rtl="0" eaLnBrk="1" latinLnBrk="0" hangingPunct="1">
+    <a:lvl1pPr marL="0" algn="l" defTabSz="457200" rtl="0" eaLnBrk="1" latinLnBrk="0" hangingPunct="1">
       <a:defRPr sz="1800" kern="1200">
         <a:solidFill>
           <a:schemeClr val="tx1"/>
@@ -28,7 +37,7 @@
         <a:cs typeface="+mn-cs"/>
       </a:defRPr>
     </a:lvl1pPr>
-    <a:lvl2pPr marL="457200" algn="l" defTabSz="914400" rtl="0" eaLnBrk="1" latinLnBrk="0" hangingPunct="1">
+    <a:lvl2pPr marL="457200" algn="l" defTabSz="457200" rtl="0" eaLnBrk="1" latinLnBrk="0" hangingPunct="1">
       <a:defRPr sz="1800" kern="1200">
         <a:solidFill>
           <a:schemeClr val="tx1"/>
@@ -38,7 +47,7 @@
         <a:cs typeface="+mn-cs"/>
       </a:defRPr>
     </a:lvl2pPr>
-    <a:lvl3pPr marL="914400" algn="l" defTabSz="914400" rtl="0" eaLnBrk="1" latinLnBrk="0" hangingPunct="1">
+    <a:lvl3pPr marL="914400" algn="l" defTabSz="457200" rtl="0" eaLnBrk="1" latinLnBrk="0" hangingPunct="1">
       <a:defRPr sz="1800" kern="1200">
         <a:solidFill>
           <a:schemeClr val="tx1"/>
@@ -48,7 +57,7 @@
         <a:cs typeface="+mn-cs"/>
       </a:defRPr>
     </a:lvl3pPr>
-    <a:lvl4pPr marL="1371600" algn="l" defTabSz="914400" rtl="0" eaLnBrk="1" latinLnBrk="0" hangingPunct="1">
+    <a:lvl4pPr marL="1371600" algn="l" defTabSz="457200" rtl="0" eaLnBrk="1" latinLnBrk="0" hangingPunct="1">
       <a:defRPr sz="1800" kern="1200">
         <a:solidFill>
           <a:schemeClr val="tx1"/>
@@ -58,7 +67,7 @@
         <a:cs typeface="+mn-cs"/>
       </a:defRPr>
     </a:lvl4pPr>
-    <a:lvl5pPr marL="1828800" algn="l" defTabSz="914400" rtl="0" eaLnBrk="1" latinLnBrk="0" hangingPunct="1">
+    <a:lvl5pPr marL="1828800" algn="l" defTabSz="457200" rtl="0" eaLnBrk="1" latinLnBrk="0" hangingPunct="1">
       <a:defRPr sz="1800" kern="1200">
         <a:solidFill>
           <a:schemeClr val="tx1"/>
@@ -68,7 +77,7 @@
         <a:cs typeface="+mn-cs"/>
       </a:defRPr>
     </a:lvl5pPr>
-    <a:lvl6pPr marL="2286000" algn="l" defTabSz="914400" rtl="0" eaLnBrk="1" latinLnBrk="0" hangingPunct="1">
+    <a:lvl6pPr marL="2286000" algn="l" defTabSz="457200" rtl="0" eaLnBrk="1" latinLnBrk="0" hangingPunct="1">
       <a:defRPr sz="1800" kern="1200">
         <a:solidFill>
           <a:schemeClr val="tx1"/>
@@ -78,7 +87,7 @@
         <a:cs typeface="+mn-cs"/>
       </a:defRPr>
     </a:lvl6pPr>
-    <a:lvl7pPr marL="2743200" algn="l" defTabSz="914400" rtl="0" eaLnBrk="1" latinLnBrk="0" hangingPunct="1">
+    <a:lvl7pPr marL="2743200" algn="l" defTabSz="457200" rtl="0" eaLnBrk="1" latinLnBrk="0" hangingPunct="1">
       <a:defRPr sz="1800" kern="1200">
         <a:solidFill>
           <a:schemeClr val="tx1"/>
@@ -88,7 +97,7 @@
         <a:cs typeface="+mn-cs"/>
       </a:defRPr>
     </a:lvl7pPr>
-    <a:lvl8pPr marL="3200400" algn="l" defTabSz="914400" rtl="0" eaLnBrk="1" latinLnBrk="0" hangingPunct="1">
+    <a:lvl8pPr marL="3200400" algn="l" defTabSz="457200" rtl="0" eaLnBrk="1" latinLnBrk="0" hangingPunct="1">
       <a:defRPr sz="1800" kern="1200">
         <a:solidFill>
           <a:schemeClr val="tx1"/>
@@ -98,7 +107,7 @@
         <a:cs typeface="+mn-cs"/>
       </a:defRPr>
     </a:lvl8pPr>
-    <a:lvl9pPr marL="3657600" algn="l" defTabSz="914400" rtl="0" eaLnBrk="1" latinLnBrk="0" hangingPunct="1">
+    <a:lvl9pPr marL="3657600" algn="l" defTabSz="457200" rtl="0" eaLnBrk="1" latinLnBrk="0" hangingPunct="1">
       <a:defRPr sz="1800" kern="1200">
         <a:solidFill>
           <a:schemeClr val="tx1"/>
@@ -136,13 +145,7 @@
       </p:grpSpPr>
       <p:sp>
         <p:nvSpPr>
-          <p:cNvPr id="2" name="Titel 1">
-            <a:extLst>
-              <a:ext uri="{FF2B5EF4-FFF2-40B4-BE49-F238E27FC236}">
-                <a16:creationId xmlns:a16="http://schemas.microsoft.com/office/drawing/2014/main" id="{6AAD3E9E-57E4-4A8D-9534-D3F2CE6FF036}"/>
-              </a:ext>
-            </a:extLst>
-          </p:cNvPr>
+          <p:cNvPr id="2" name="Title 1"/>
           <p:cNvSpPr>
             <a:spLocks noGrp="1"/>
           </p:cNvSpPr>
@@ -152,15 +155,15 @@
         </p:nvSpPr>
         <p:spPr>
           <a:xfrm>
-            <a:off x="1524000" y="1122363"/>
-            <a:ext cx="9144000" cy="2387600"/>
+            <a:off x="1154955" y="1447800"/>
+            <a:ext cx="8825658" cy="3329581"/>
           </a:xfrm>
         </p:spPr>
         <p:txBody>
           <a:bodyPr anchor="b"/>
           <a:lstStyle>
-            <a:lvl1pPr algn="ctr">
-              <a:defRPr sz="6000"/>
+            <a:lvl1pPr>
+              <a:defRPr sz="7200"/>
             </a:lvl1pPr>
           </a:lstStyle>
           <a:p>
@@ -168,19 +171,13 @@
               <a:rPr lang="de-DE"/>
               <a:t>Mastertitelformat bearbeiten</a:t>
             </a:r>
-            <a:endParaRPr lang="de-CH"/>
-          </a:p>
-        </p:txBody>
-      </p:sp>
-      <p:sp>
-        <p:nvSpPr>
-          <p:cNvPr id="3" name="Untertitel 2">
-            <a:extLst>
-              <a:ext uri="{FF2B5EF4-FFF2-40B4-BE49-F238E27FC236}">
-                <a16:creationId xmlns:a16="http://schemas.microsoft.com/office/drawing/2014/main" id="{67C95DED-E18A-4CBD-8FEF-20A9B6FBBC1D}"/>
-              </a:ext>
-            </a:extLst>
-          </p:cNvPr>
+            <a:endParaRPr lang="en-US" dirty="0"/>
+          </a:p>
+        </p:txBody>
+      </p:sp>
+      <p:sp>
+        <p:nvSpPr>
+          <p:cNvPr id="3" name="Subtitle 2"/>
           <p:cNvSpPr>
             <a:spLocks noGrp="1"/>
           </p:cNvSpPr>
@@ -190,48 +187,103 @@
         </p:nvSpPr>
         <p:spPr>
           <a:xfrm>
-            <a:off x="1524000" y="3602038"/>
-            <a:ext cx="9144000" cy="1655762"/>
+            <a:off x="1154955" y="4777380"/>
+            <a:ext cx="8825658" cy="861420"/>
           </a:xfrm>
         </p:spPr>
         <p:txBody>
-          <a:bodyPr/>
+          <a:bodyPr anchor="t"/>
           <a:lstStyle>
-            <a:lvl1pPr marL="0" indent="0" algn="ctr">
-              <a:buNone/>
-              <a:defRPr sz="2400"/>
+            <a:lvl1pPr marL="0" indent="0" algn="l">
+              <a:buNone/>
+              <a:defRPr cap="all">
+                <a:solidFill>
+                  <a:schemeClr val="accent1">
+                    <a:lumMod val="60000"/>
+                    <a:lumOff val="40000"/>
+                  </a:schemeClr>
+                </a:solidFill>
+              </a:defRPr>
             </a:lvl1pPr>
             <a:lvl2pPr marL="457200" indent="0" algn="ctr">
               <a:buNone/>
-              <a:defRPr sz="2000"/>
+              <a:defRPr>
+                <a:solidFill>
+                  <a:schemeClr val="tx1">
+                    <a:tint val="75000"/>
+                  </a:schemeClr>
+                </a:solidFill>
+              </a:defRPr>
             </a:lvl2pPr>
             <a:lvl3pPr marL="914400" indent="0" algn="ctr">
               <a:buNone/>
-              <a:defRPr sz="1800"/>
+              <a:defRPr>
+                <a:solidFill>
+                  <a:schemeClr val="tx1">
+                    <a:tint val="75000"/>
+                  </a:schemeClr>
+                </a:solidFill>
+              </a:defRPr>
             </a:lvl3pPr>
             <a:lvl4pPr marL="1371600" indent="0" algn="ctr">
               <a:buNone/>
-              <a:defRPr sz="1600"/>
+              <a:defRPr>
+                <a:solidFill>
+                  <a:schemeClr val="tx1">
+                    <a:tint val="75000"/>
+                  </a:schemeClr>
+                </a:solidFill>
+              </a:defRPr>
             </a:lvl4pPr>
             <a:lvl5pPr marL="1828800" indent="0" algn="ctr">
               <a:buNone/>
-              <a:defRPr sz="1600"/>
+              <a:defRPr>
+                <a:solidFill>
+                  <a:schemeClr val="tx1">
+                    <a:tint val="75000"/>
+                  </a:schemeClr>
+                </a:solidFill>
+              </a:defRPr>
             </a:lvl5pPr>
             <a:lvl6pPr marL="2286000" indent="0" algn="ctr">
               <a:buNone/>
-              <a:defRPr sz="1600"/>
+              <a:defRPr>
+                <a:solidFill>
+                  <a:schemeClr val="tx1">
+                    <a:tint val="75000"/>
+                  </a:schemeClr>
+                </a:solidFill>
+              </a:defRPr>
             </a:lvl6pPr>
             <a:lvl7pPr marL="2743200" indent="0" algn="ctr">
               <a:buNone/>
-              <a:defRPr sz="1600"/>
+              <a:defRPr>
+                <a:solidFill>
+                  <a:schemeClr val="tx1">
+                    <a:tint val="75000"/>
+                  </a:schemeClr>
+                </a:solidFill>
+              </a:defRPr>
             </a:lvl7pPr>
             <a:lvl8pPr marL="3200400" indent="0" algn="ctr">
               <a:buNone/>
-              <a:defRPr sz="1600"/>
+              <a:defRPr>
+                <a:solidFill>
+                  <a:schemeClr val="tx1">
+                    <a:tint val="75000"/>
+                  </a:schemeClr>
+                </a:solidFill>
+              </a:defRPr>
             </a:lvl8pPr>
             <a:lvl9pPr marL="3657600" indent="0" algn="ctr">
               <a:buNone/>
-              <a:defRPr sz="1600"/>
+              <a:defRPr>
+                <a:solidFill>
+                  <a:schemeClr val="tx1">
+                    <a:tint val="75000"/>
+                  </a:schemeClr>
+                </a:solidFill>
+              </a:defRPr>
             </a:lvl9pPr>
           </a:lstStyle>
           <a:p>
@@ -239,19 +291,13 @@
               <a:rPr lang="de-DE"/>
               <a:t>Master-Untertitelformat bearbeiten</a:t>
             </a:r>
-            <a:endParaRPr lang="de-CH"/>
-          </a:p>
-        </p:txBody>
-      </p:sp>
-      <p:sp>
-        <p:nvSpPr>
-          <p:cNvPr id="4" name="Datumsplatzhalter 3">
-            <a:extLst>
-              <a:ext uri="{FF2B5EF4-FFF2-40B4-BE49-F238E27FC236}">
-                <a16:creationId xmlns:a16="http://schemas.microsoft.com/office/drawing/2014/main" id="{FAC29A55-4B26-41A0-8739-9A90B7F731F3}"/>
-              </a:ext>
-            </a:extLst>
-          </p:cNvPr>
+            <a:endParaRPr lang="en-US" dirty="0"/>
+          </a:p>
+        </p:txBody>
+      </p:sp>
+      <p:sp>
+        <p:nvSpPr>
+          <p:cNvPr id="4" name="Date Placeholder 3"/>
           <p:cNvSpPr>
             <a:spLocks noGrp="1"/>
           </p:cNvSpPr>
@@ -274,13 +320,7 @@
       </p:sp>
       <p:sp>
         <p:nvSpPr>
-          <p:cNvPr id="5" name="Fußzeilenplatzhalter 4">
-            <a:extLst>
-              <a:ext uri="{FF2B5EF4-FFF2-40B4-BE49-F238E27FC236}">
-                <a16:creationId xmlns:a16="http://schemas.microsoft.com/office/drawing/2014/main" id="{B7F363A4-6288-44AA-A31F-8D5FDBEC73FA}"/>
-              </a:ext>
-            </a:extLst>
-          </p:cNvPr>
+          <p:cNvPr id="5" name="Footer Placeholder 4"/>
           <p:cNvSpPr>
             <a:spLocks noGrp="1"/>
           </p:cNvSpPr>
@@ -299,13 +339,7 @@
       </p:sp>
       <p:sp>
         <p:nvSpPr>
-          <p:cNvPr id="6" name="Foliennummernplatzhalter 5">
-            <a:extLst>
-              <a:ext uri="{FF2B5EF4-FFF2-40B4-BE49-F238E27FC236}">
-                <a16:creationId xmlns:a16="http://schemas.microsoft.com/office/drawing/2014/main" id="{A40D3AF6-6A62-499B-8BC8-74DE40FEADCD}"/>
-              </a:ext>
-            </a:extLst>
-          </p:cNvPr>
+          <p:cNvPr id="6" name="Slide Number Placeholder 5"/>
           <p:cNvSpPr>
             <a:spLocks noGrp="1"/>
           </p:cNvSpPr>
@@ -320,7 +354,7 @@
           <a:p>
             <a:fld id="{2EC790A5-A061-4B31-AF6D-AC0DEB490C20}" type="slidenum">
               <a:rPr lang="de-CH" smtClean="0"/>
-              <a:t>‹#›</a:t>
+              <a:t>‹Nr.›</a:t>
             </a:fld>
             <a:endParaRPr lang="de-CH"/>
           </a:p>
@@ -329,7 +363,7 @@
     </p:spTree>
     <p:extLst>
       <p:ext uri="{BB962C8B-B14F-4D97-AF65-F5344CB8AC3E}">
-        <p14:creationId xmlns:p14="http://schemas.microsoft.com/office/powerpoint/2010/main" val="4023100653"/>
+        <p14:creationId xmlns:p14="http://schemas.microsoft.com/office/powerpoint/2010/main" val="3843138000"/>
       </p:ext>
     </p:extLst>
   </p:cSld>
@@ -340,6 +374,2539 @@
 </file>
 
 <file path=ppt/slideLayouts/slideLayout10.xml><?xml version="1.0" encoding="utf-8"?>
+<p:sldLayout xmlns:a="http://schemas.openxmlformats.org/drawingml/2006/main" xmlns:r="http://schemas.openxmlformats.org/officeDocument/2006/relationships" xmlns:p="http://schemas.openxmlformats.org/presentationml/2006/main" preserve="1">
+  <p:cSld name="Panoramabild mit Beschriftung">
+    <p:spTree>
+      <p:nvGrpSpPr>
+        <p:cNvPr id="1" name=""/>
+        <p:cNvGrpSpPr/>
+        <p:nvPr/>
+      </p:nvGrpSpPr>
+      <p:grpSpPr>
+        <a:xfrm>
+          <a:off x="0" y="0"/>
+          <a:ext cx="0" cy="0"/>
+          <a:chOff x="0" y="0"/>
+          <a:chExt cx="0" cy="0"/>
+        </a:xfrm>
+      </p:grpSpPr>
+      <p:sp>
+        <p:nvSpPr>
+          <p:cNvPr id="2" name="Title 1"/>
+          <p:cNvSpPr>
+            <a:spLocks noGrp="1"/>
+          </p:cNvSpPr>
+          <p:nvPr>
+            <p:ph type="title"/>
+          </p:nvPr>
+        </p:nvSpPr>
+        <p:spPr>
+          <a:xfrm>
+            <a:off x="1154956" y="4800587"/>
+            <a:ext cx="8825657" cy="566738"/>
+          </a:xfrm>
+        </p:spPr>
+        <p:txBody>
+          <a:bodyPr anchor="b">
+            <a:normAutofit/>
+          </a:bodyPr>
+          <a:lstStyle>
+            <a:lvl1pPr algn="l">
+              <a:defRPr sz="2400" b="0"/>
+            </a:lvl1pPr>
+          </a:lstStyle>
+          <a:p>
+            <a:r>
+              <a:rPr lang="de-DE"/>
+              <a:t>Mastertitelformat bearbeiten</a:t>
+            </a:r>
+            <a:endParaRPr lang="en-US" dirty="0"/>
+          </a:p>
+        </p:txBody>
+      </p:sp>
+      <p:sp>
+        <p:nvSpPr>
+          <p:cNvPr id="3" name="Picture Placeholder 2"/>
+          <p:cNvSpPr>
+            <a:spLocks noGrp="1" noChangeAspect="1"/>
+          </p:cNvSpPr>
+          <p:nvPr>
+            <p:ph type="pic" idx="1"/>
+          </p:nvPr>
+        </p:nvSpPr>
+        <p:spPr>
+          <a:xfrm>
+            <a:off x="1154955" y="685799"/>
+            <a:ext cx="8825658" cy="3640667"/>
+          </a:xfrm>
+          <a:prstGeom prst="roundRect">
+            <a:avLst>
+              <a:gd name="adj" fmla="val 1858"/>
+            </a:avLst>
+          </a:prstGeom>
+          <a:effectLst>
+            <a:outerShdw blurRad="50800" dist="50800" dir="5400000" algn="tl" rotWithShape="0">
+              <a:srgbClr val="000000">
+                <a:alpha val="43000"/>
+              </a:srgbClr>
+            </a:outerShdw>
+          </a:effectLst>
+        </p:spPr>
+        <p:txBody>
+          <a:bodyPr anchor="t">
+            <a:normAutofit/>
+          </a:bodyPr>
+          <a:lstStyle>
+            <a:lvl1pPr marL="0" indent="0" algn="ctr">
+              <a:buNone/>
+              <a:defRPr sz="1600"/>
+            </a:lvl1pPr>
+            <a:lvl2pPr marL="457200" indent="0">
+              <a:buNone/>
+              <a:defRPr sz="1600"/>
+            </a:lvl2pPr>
+            <a:lvl3pPr marL="914400" indent="0">
+              <a:buNone/>
+              <a:defRPr sz="1600"/>
+            </a:lvl3pPr>
+            <a:lvl4pPr marL="1371600" indent="0">
+              <a:buNone/>
+              <a:defRPr sz="1600"/>
+            </a:lvl4pPr>
+            <a:lvl5pPr marL="1828800" indent="0">
+              <a:buNone/>
+              <a:defRPr sz="1600"/>
+            </a:lvl5pPr>
+            <a:lvl6pPr marL="2286000" indent="0">
+              <a:buNone/>
+              <a:defRPr sz="1600"/>
+            </a:lvl6pPr>
+            <a:lvl7pPr marL="2743200" indent="0">
+              <a:buNone/>
+              <a:defRPr sz="1600"/>
+            </a:lvl7pPr>
+            <a:lvl8pPr marL="3200400" indent="0">
+              <a:buNone/>
+              <a:defRPr sz="1600"/>
+            </a:lvl8pPr>
+            <a:lvl9pPr marL="3657600" indent="0">
+              <a:buNone/>
+              <a:defRPr sz="1600"/>
+            </a:lvl9pPr>
+          </a:lstStyle>
+          <a:p>
+            <a:r>
+              <a:rPr lang="de-DE"/>
+              <a:t>Bild durch Klicken auf Symbol hinzufügen</a:t>
+            </a:r>
+            <a:endParaRPr lang="en-US" dirty="0"/>
+          </a:p>
+        </p:txBody>
+      </p:sp>
+      <p:sp>
+        <p:nvSpPr>
+          <p:cNvPr id="4" name="Text Placeholder 3"/>
+          <p:cNvSpPr>
+            <a:spLocks noGrp="1"/>
+          </p:cNvSpPr>
+          <p:nvPr>
+            <p:ph type="body" sz="half" idx="2"/>
+          </p:nvPr>
+        </p:nvSpPr>
+        <p:spPr>
+          <a:xfrm>
+            <a:off x="1154956" y="5367325"/>
+            <a:ext cx="8825656" cy="493712"/>
+          </a:xfrm>
+        </p:spPr>
+        <p:txBody>
+          <a:bodyPr>
+            <a:normAutofit/>
+          </a:bodyPr>
+          <a:lstStyle>
+            <a:lvl1pPr marL="0" indent="0">
+              <a:buNone/>
+              <a:defRPr sz="1200"/>
+            </a:lvl1pPr>
+            <a:lvl2pPr marL="457200" indent="0">
+              <a:buNone/>
+              <a:defRPr sz="1200"/>
+            </a:lvl2pPr>
+            <a:lvl3pPr marL="914400" indent="0">
+              <a:buNone/>
+              <a:defRPr sz="1000"/>
+            </a:lvl3pPr>
+            <a:lvl4pPr marL="1371600" indent="0">
+              <a:buNone/>
+              <a:defRPr sz="900"/>
+            </a:lvl4pPr>
+            <a:lvl5pPr marL="1828800" indent="0">
+              <a:buNone/>
+              <a:defRPr sz="900"/>
+            </a:lvl5pPr>
+            <a:lvl6pPr marL="2286000" indent="0">
+              <a:buNone/>
+              <a:defRPr sz="900"/>
+            </a:lvl6pPr>
+            <a:lvl7pPr marL="2743200" indent="0">
+              <a:buNone/>
+              <a:defRPr sz="900"/>
+            </a:lvl7pPr>
+            <a:lvl8pPr marL="3200400" indent="0">
+              <a:buNone/>
+              <a:defRPr sz="900"/>
+            </a:lvl8pPr>
+            <a:lvl9pPr marL="3657600" indent="0">
+              <a:buNone/>
+              <a:defRPr sz="900"/>
+            </a:lvl9pPr>
+          </a:lstStyle>
+          <a:p>
+            <a:pPr lvl="0"/>
+            <a:r>
+              <a:rPr lang="de-DE"/>
+              <a:t>Mastertextformat bearbeiten</a:t>
+            </a:r>
+          </a:p>
+        </p:txBody>
+      </p:sp>
+      <p:sp>
+        <p:nvSpPr>
+          <p:cNvPr id="5" name="Date Placeholder 4"/>
+          <p:cNvSpPr>
+            <a:spLocks noGrp="1"/>
+          </p:cNvSpPr>
+          <p:nvPr>
+            <p:ph type="dt" sz="half" idx="10"/>
+          </p:nvPr>
+        </p:nvSpPr>
+        <p:spPr/>
+        <p:txBody>
+          <a:bodyPr/>
+          <a:lstStyle/>
+          <a:p>
+            <a:fld id="{0520FE58-B2A7-4B29-A68D-A4F9CD003A4B}" type="datetimeFigureOut">
+              <a:rPr lang="de-CH" smtClean="0"/>
+              <a:t>29.03.2018</a:t>
+            </a:fld>
+            <a:endParaRPr lang="de-CH"/>
+          </a:p>
+        </p:txBody>
+      </p:sp>
+      <p:sp>
+        <p:nvSpPr>
+          <p:cNvPr id="6" name="Footer Placeholder 5"/>
+          <p:cNvSpPr>
+            <a:spLocks noGrp="1"/>
+          </p:cNvSpPr>
+          <p:nvPr>
+            <p:ph type="ftr" sz="quarter" idx="11"/>
+          </p:nvPr>
+        </p:nvSpPr>
+        <p:spPr/>
+        <p:txBody>
+          <a:bodyPr/>
+          <a:lstStyle/>
+          <a:p>
+            <a:endParaRPr lang="de-CH"/>
+          </a:p>
+        </p:txBody>
+      </p:sp>
+      <p:sp>
+        <p:nvSpPr>
+          <p:cNvPr id="7" name="Slide Number Placeholder 6"/>
+          <p:cNvSpPr>
+            <a:spLocks noGrp="1"/>
+          </p:cNvSpPr>
+          <p:nvPr>
+            <p:ph type="sldNum" sz="quarter" idx="12"/>
+          </p:nvPr>
+        </p:nvSpPr>
+        <p:spPr/>
+        <p:txBody>
+          <a:bodyPr/>
+          <a:lstStyle/>
+          <a:p>
+            <a:fld id="{2EC790A5-A061-4B31-AF6D-AC0DEB490C20}" type="slidenum">
+              <a:rPr lang="de-CH" smtClean="0"/>
+              <a:t>‹Nr.›</a:t>
+            </a:fld>
+            <a:endParaRPr lang="de-CH"/>
+          </a:p>
+        </p:txBody>
+      </p:sp>
+    </p:spTree>
+    <p:extLst>
+      <p:ext uri="{BB962C8B-B14F-4D97-AF65-F5344CB8AC3E}">
+        <p14:creationId xmlns:p14="http://schemas.microsoft.com/office/powerpoint/2010/main" val="1967628857"/>
+      </p:ext>
+    </p:extLst>
+  </p:cSld>
+  <p:clrMapOvr>
+    <a:masterClrMapping/>
+  </p:clrMapOvr>
+</p:sldLayout>
+</file>
+
+<file path=ppt/slideLayouts/slideLayout11.xml><?xml version="1.0" encoding="utf-8"?>
+<p:sldLayout xmlns:a="http://schemas.openxmlformats.org/drawingml/2006/main" xmlns:r="http://schemas.openxmlformats.org/officeDocument/2006/relationships" xmlns:p="http://schemas.openxmlformats.org/presentationml/2006/main" preserve="1">
+  <p:cSld name="Titel und Beschriftung">
+    <p:spTree>
+      <p:nvGrpSpPr>
+        <p:cNvPr id="1" name=""/>
+        <p:cNvGrpSpPr/>
+        <p:nvPr/>
+      </p:nvGrpSpPr>
+      <p:grpSpPr>
+        <a:xfrm>
+          <a:off x="0" y="0"/>
+          <a:ext cx="0" cy="0"/>
+          <a:chOff x="0" y="0"/>
+          <a:chExt cx="0" cy="0"/>
+        </a:xfrm>
+      </p:grpSpPr>
+      <p:sp>
+        <p:nvSpPr>
+          <p:cNvPr id="2" name="Title 1"/>
+          <p:cNvSpPr>
+            <a:spLocks noGrp="1"/>
+          </p:cNvSpPr>
+          <p:nvPr>
+            <p:ph type="title"/>
+          </p:nvPr>
+        </p:nvSpPr>
+        <p:spPr>
+          <a:xfrm>
+            <a:off x="1154954" y="1447800"/>
+            <a:ext cx="8825659" cy="1981200"/>
+          </a:xfrm>
+        </p:spPr>
+        <p:txBody>
+          <a:bodyPr/>
+          <a:lstStyle>
+            <a:lvl1pPr>
+              <a:defRPr sz="4800"/>
+            </a:lvl1pPr>
+          </a:lstStyle>
+          <a:p>
+            <a:r>
+              <a:rPr lang="de-DE"/>
+              <a:t>Mastertitelformat bearbeiten</a:t>
+            </a:r>
+            <a:endParaRPr lang="en-US" dirty="0"/>
+          </a:p>
+        </p:txBody>
+      </p:sp>
+      <p:sp>
+        <p:nvSpPr>
+          <p:cNvPr id="8" name="Text Placeholder 3"/>
+          <p:cNvSpPr>
+            <a:spLocks noGrp="1"/>
+          </p:cNvSpPr>
+          <p:nvPr>
+            <p:ph type="body" sz="half" idx="2"/>
+          </p:nvPr>
+        </p:nvSpPr>
+        <p:spPr>
+          <a:xfrm>
+            <a:off x="1154954" y="3657600"/>
+            <a:ext cx="8825659" cy="2362200"/>
+          </a:xfrm>
+        </p:spPr>
+        <p:txBody>
+          <a:bodyPr anchor="ctr">
+            <a:normAutofit/>
+          </a:bodyPr>
+          <a:lstStyle>
+            <a:lvl1pPr marL="0" indent="0">
+              <a:buNone/>
+              <a:defRPr sz="1800"/>
+            </a:lvl1pPr>
+            <a:lvl2pPr marL="457200" indent="0">
+              <a:buNone/>
+              <a:defRPr sz="1200"/>
+            </a:lvl2pPr>
+            <a:lvl3pPr marL="914400" indent="0">
+              <a:buNone/>
+              <a:defRPr sz="1000"/>
+            </a:lvl3pPr>
+            <a:lvl4pPr marL="1371600" indent="0">
+              <a:buNone/>
+              <a:defRPr sz="900"/>
+            </a:lvl4pPr>
+            <a:lvl5pPr marL="1828800" indent="0">
+              <a:buNone/>
+              <a:defRPr sz="900"/>
+            </a:lvl5pPr>
+            <a:lvl6pPr marL="2286000" indent="0">
+              <a:buNone/>
+              <a:defRPr sz="900"/>
+            </a:lvl6pPr>
+            <a:lvl7pPr marL="2743200" indent="0">
+              <a:buNone/>
+              <a:defRPr sz="900"/>
+            </a:lvl7pPr>
+            <a:lvl8pPr marL="3200400" indent="0">
+              <a:buNone/>
+              <a:defRPr sz="900"/>
+            </a:lvl8pPr>
+            <a:lvl9pPr marL="3657600" indent="0">
+              <a:buNone/>
+              <a:defRPr sz="900"/>
+            </a:lvl9pPr>
+          </a:lstStyle>
+          <a:p>
+            <a:pPr lvl="0"/>
+            <a:r>
+              <a:rPr lang="de-DE"/>
+              <a:t>Mastertextformat bearbeiten</a:t>
+            </a:r>
+          </a:p>
+        </p:txBody>
+      </p:sp>
+      <p:sp>
+        <p:nvSpPr>
+          <p:cNvPr id="4" name="Date Placeholder 3"/>
+          <p:cNvSpPr>
+            <a:spLocks noGrp="1"/>
+          </p:cNvSpPr>
+          <p:nvPr>
+            <p:ph type="dt" sz="half" idx="10"/>
+          </p:nvPr>
+        </p:nvSpPr>
+        <p:spPr/>
+        <p:txBody>
+          <a:bodyPr/>
+          <a:lstStyle/>
+          <a:p>
+            <a:fld id="{0520FE58-B2A7-4B29-A68D-A4F9CD003A4B}" type="datetimeFigureOut">
+              <a:rPr lang="de-CH" smtClean="0"/>
+              <a:t>29.03.2018</a:t>
+            </a:fld>
+            <a:endParaRPr lang="de-CH"/>
+          </a:p>
+        </p:txBody>
+      </p:sp>
+      <p:sp>
+        <p:nvSpPr>
+          <p:cNvPr id="5" name="Footer Placeholder 4"/>
+          <p:cNvSpPr>
+            <a:spLocks noGrp="1"/>
+          </p:cNvSpPr>
+          <p:nvPr>
+            <p:ph type="ftr" sz="quarter" idx="11"/>
+          </p:nvPr>
+        </p:nvSpPr>
+        <p:spPr/>
+        <p:txBody>
+          <a:bodyPr/>
+          <a:lstStyle/>
+          <a:p>
+            <a:endParaRPr lang="de-CH"/>
+          </a:p>
+        </p:txBody>
+      </p:sp>
+      <p:sp>
+        <p:nvSpPr>
+          <p:cNvPr id="6" name="Slide Number Placeholder 5"/>
+          <p:cNvSpPr>
+            <a:spLocks noGrp="1"/>
+          </p:cNvSpPr>
+          <p:nvPr>
+            <p:ph type="sldNum" sz="quarter" idx="12"/>
+          </p:nvPr>
+        </p:nvSpPr>
+        <p:spPr/>
+        <p:txBody>
+          <a:bodyPr/>
+          <a:lstStyle/>
+          <a:p>
+            <a:fld id="{2EC790A5-A061-4B31-AF6D-AC0DEB490C20}" type="slidenum">
+              <a:rPr lang="de-CH" smtClean="0"/>
+              <a:t>‹Nr.›</a:t>
+            </a:fld>
+            <a:endParaRPr lang="de-CH"/>
+          </a:p>
+        </p:txBody>
+      </p:sp>
+    </p:spTree>
+    <p:extLst>
+      <p:ext uri="{BB962C8B-B14F-4D97-AF65-F5344CB8AC3E}">
+        <p14:creationId xmlns:p14="http://schemas.microsoft.com/office/powerpoint/2010/main" val="1029227012"/>
+      </p:ext>
+    </p:extLst>
+  </p:cSld>
+  <p:clrMapOvr>
+    <a:masterClrMapping/>
+  </p:clrMapOvr>
+</p:sldLayout>
+</file>
+
+<file path=ppt/slideLayouts/slideLayout12.xml><?xml version="1.0" encoding="utf-8"?>
+<p:sldLayout xmlns:a="http://schemas.openxmlformats.org/drawingml/2006/main" xmlns:r="http://schemas.openxmlformats.org/officeDocument/2006/relationships" xmlns:p="http://schemas.openxmlformats.org/presentationml/2006/main" preserve="1">
+  <p:cSld name="Zitat mit Beschriftung">
+    <p:spTree>
+      <p:nvGrpSpPr>
+        <p:cNvPr id="1" name=""/>
+        <p:cNvGrpSpPr/>
+        <p:nvPr/>
+      </p:nvGrpSpPr>
+      <p:grpSpPr>
+        <a:xfrm>
+          <a:off x="0" y="0"/>
+          <a:ext cx="0" cy="0"/>
+          <a:chOff x="0" y="0"/>
+          <a:chExt cx="0" cy="0"/>
+        </a:xfrm>
+      </p:grpSpPr>
+      <p:sp>
+        <p:nvSpPr>
+          <p:cNvPr id="2" name="Title 1"/>
+          <p:cNvSpPr>
+            <a:spLocks noGrp="1"/>
+          </p:cNvSpPr>
+          <p:nvPr>
+            <p:ph type="title"/>
+          </p:nvPr>
+        </p:nvSpPr>
+        <p:spPr>
+          <a:xfrm>
+            <a:off x="1574800" y="1447800"/>
+            <a:ext cx="7999315" cy="2323374"/>
+          </a:xfrm>
+        </p:spPr>
+        <p:txBody>
+          <a:bodyPr/>
+          <a:lstStyle>
+            <a:lvl1pPr>
+              <a:defRPr sz="4800"/>
+            </a:lvl1pPr>
+          </a:lstStyle>
+          <a:p>
+            <a:r>
+              <a:rPr lang="de-DE"/>
+              <a:t>Mastertitelformat bearbeiten</a:t>
+            </a:r>
+            <a:endParaRPr lang="en-US" dirty="0"/>
+          </a:p>
+        </p:txBody>
+      </p:sp>
+      <p:sp>
+        <p:nvSpPr>
+          <p:cNvPr id="14" name="Text Placeholder 3"/>
+          <p:cNvSpPr>
+            <a:spLocks noGrp="1"/>
+          </p:cNvSpPr>
+          <p:nvPr>
+            <p:ph type="body" sz="half" idx="13"/>
+          </p:nvPr>
+        </p:nvSpPr>
+        <p:spPr>
+          <a:xfrm>
+            <a:off x="1930400" y="3771174"/>
+            <a:ext cx="7279649" cy="342174"/>
+          </a:xfrm>
+        </p:spPr>
+        <p:txBody>
+          <a:bodyPr anchor="t">
+            <a:normAutofit/>
+          </a:bodyPr>
+          <a:lstStyle>
+            <a:lvl1pPr marL="0" indent="0">
+              <a:buNone/>
+              <a:defRPr lang="en-US" sz="1400" b="0" i="0" kern="1200" cap="small" dirty="0">
+                <a:solidFill>
+                  <a:schemeClr val="accent1">
+                    <a:lumMod val="60000"/>
+                    <a:lumOff val="40000"/>
+                  </a:schemeClr>
+                </a:solidFill>
+                <a:latin typeface="+mj-lt"/>
+                <a:ea typeface="+mj-ea"/>
+                <a:cs typeface="+mj-cs"/>
+              </a:defRPr>
+            </a:lvl1pPr>
+            <a:lvl2pPr marL="457200" indent="0">
+              <a:buNone/>
+              <a:defRPr sz="1200"/>
+            </a:lvl2pPr>
+            <a:lvl3pPr marL="914400" indent="0">
+              <a:buNone/>
+              <a:defRPr sz="1000"/>
+            </a:lvl3pPr>
+            <a:lvl4pPr marL="1371600" indent="0">
+              <a:buNone/>
+              <a:defRPr sz="900"/>
+            </a:lvl4pPr>
+            <a:lvl5pPr marL="1828800" indent="0">
+              <a:buNone/>
+              <a:defRPr sz="900"/>
+            </a:lvl5pPr>
+            <a:lvl6pPr marL="2286000" indent="0">
+              <a:buNone/>
+              <a:defRPr sz="900"/>
+            </a:lvl6pPr>
+            <a:lvl7pPr marL="2743200" indent="0">
+              <a:buNone/>
+              <a:defRPr sz="900"/>
+            </a:lvl7pPr>
+            <a:lvl8pPr marL="3200400" indent="0">
+              <a:buNone/>
+              <a:defRPr sz="900"/>
+            </a:lvl8pPr>
+            <a:lvl9pPr marL="3657600" indent="0">
+              <a:buNone/>
+              <a:defRPr sz="900"/>
+            </a:lvl9pPr>
+          </a:lstStyle>
+          <a:p>
+            <a:pPr lvl="0"/>
+            <a:r>
+              <a:rPr lang="de-DE"/>
+              <a:t>Mastertextformat bearbeiten</a:t>
+            </a:r>
+          </a:p>
+        </p:txBody>
+      </p:sp>
+      <p:sp>
+        <p:nvSpPr>
+          <p:cNvPr id="10" name="Text Placeholder 3"/>
+          <p:cNvSpPr>
+            <a:spLocks noGrp="1"/>
+          </p:cNvSpPr>
+          <p:nvPr>
+            <p:ph type="body" sz="half" idx="2"/>
+          </p:nvPr>
+        </p:nvSpPr>
+        <p:spPr>
+          <a:xfrm>
+            <a:off x="1154954" y="4350657"/>
+            <a:ext cx="8825659" cy="1676400"/>
+          </a:xfrm>
+        </p:spPr>
+        <p:txBody>
+          <a:bodyPr anchor="ctr">
+            <a:normAutofit/>
+          </a:bodyPr>
+          <a:lstStyle>
+            <a:lvl1pPr marL="0" indent="0">
+              <a:buNone/>
+              <a:defRPr sz="1800"/>
+            </a:lvl1pPr>
+            <a:lvl2pPr marL="457200" indent="0">
+              <a:buNone/>
+              <a:defRPr sz="1200"/>
+            </a:lvl2pPr>
+            <a:lvl3pPr marL="914400" indent="0">
+              <a:buNone/>
+              <a:defRPr sz="1000"/>
+            </a:lvl3pPr>
+            <a:lvl4pPr marL="1371600" indent="0">
+              <a:buNone/>
+              <a:defRPr sz="900"/>
+            </a:lvl4pPr>
+            <a:lvl5pPr marL="1828800" indent="0">
+              <a:buNone/>
+              <a:defRPr sz="900"/>
+            </a:lvl5pPr>
+            <a:lvl6pPr marL="2286000" indent="0">
+              <a:buNone/>
+              <a:defRPr sz="900"/>
+            </a:lvl6pPr>
+            <a:lvl7pPr marL="2743200" indent="0">
+              <a:buNone/>
+              <a:defRPr sz="900"/>
+            </a:lvl7pPr>
+            <a:lvl8pPr marL="3200400" indent="0">
+              <a:buNone/>
+              <a:defRPr sz="900"/>
+            </a:lvl8pPr>
+            <a:lvl9pPr marL="3657600" indent="0">
+              <a:buNone/>
+              <a:defRPr sz="900"/>
+            </a:lvl9pPr>
+          </a:lstStyle>
+          <a:p>
+            <a:pPr lvl="0"/>
+            <a:r>
+              <a:rPr lang="de-DE"/>
+              <a:t>Mastertextformat bearbeiten</a:t>
+            </a:r>
+          </a:p>
+        </p:txBody>
+      </p:sp>
+      <p:sp>
+        <p:nvSpPr>
+          <p:cNvPr id="4" name="Date Placeholder 3"/>
+          <p:cNvSpPr>
+            <a:spLocks noGrp="1"/>
+          </p:cNvSpPr>
+          <p:nvPr>
+            <p:ph type="dt" sz="half" idx="10"/>
+          </p:nvPr>
+        </p:nvSpPr>
+        <p:spPr/>
+        <p:txBody>
+          <a:bodyPr/>
+          <a:lstStyle/>
+          <a:p>
+            <a:fld id="{0520FE58-B2A7-4B29-A68D-A4F9CD003A4B}" type="datetimeFigureOut">
+              <a:rPr lang="de-CH" smtClean="0"/>
+              <a:t>29.03.2018</a:t>
+            </a:fld>
+            <a:endParaRPr lang="de-CH"/>
+          </a:p>
+        </p:txBody>
+      </p:sp>
+      <p:sp>
+        <p:nvSpPr>
+          <p:cNvPr id="5" name="Footer Placeholder 4"/>
+          <p:cNvSpPr>
+            <a:spLocks noGrp="1"/>
+          </p:cNvSpPr>
+          <p:nvPr>
+            <p:ph type="ftr" sz="quarter" idx="11"/>
+          </p:nvPr>
+        </p:nvSpPr>
+        <p:spPr/>
+        <p:txBody>
+          <a:bodyPr/>
+          <a:lstStyle/>
+          <a:p>
+            <a:endParaRPr lang="de-CH"/>
+          </a:p>
+        </p:txBody>
+      </p:sp>
+      <p:sp>
+        <p:nvSpPr>
+          <p:cNvPr id="6" name="Slide Number Placeholder 5"/>
+          <p:cNvSpPr>
+            <a:spLocks noGrp="1"/>
+          </p:cNvSpPr>
+          <p:nvPr>
+            <p:ph type="sldNum" sz="quarter" idx="12"/>
+          </p:nvPr>
+        </p:nvSpPr>
+        <p:spPr/>
+        <p:txBody>
+          <a:bodyPr/>
+          <a:lstStyle/>
+          <a:p>
+            <a:fld id="{2EC790A5-A061-4B31-AF6D-AC0DEB490C20}" type="slidenum">
+              <a:rPr lang="de-CH" smtClean="0"/>
+              <a:t>‹Nr.›</a:t>
+            </a:fld>
+            <a:endParaRPr lang="de-CH"/>
+          </a:p>
+        </p:txBody>
+      </p:sp>
+      <p:sp>
+        <p:nvSpPr>
+          <p:cNvPr id="12" name="TextBox 11"/>
+          <p:cNvSpPr txBox="1"/>
+          <p:nvPr/>
+        </p:nvSpPr>
+        <p:spPr>
+          <a:xfrm>
+            <a:off x="898295" y="971253"/>
+            <a:ext cx="801912" cy="1969770"/>
+          </a:xfrm>
+          <a:prstGeom prst="rect">
+            <a:avLst/>
+          </a:prstGeom>
+          <a:noFill/>
+        </p:spPr>
+        <p:txBody>
+          <a:bodyPr wrap="square" rtlCol="0">
+            <a:spAutoFit/>
+          </a:bodyPr>
+          <a:lstStyle/>
+          <a:p>
+            <a:pPr algn="r"/>
+            <a:r>
+              <a:rPr lang="en-US" sz="12200" b="0" i="0" dirty="0">
+                <a:solidFill>
+                  <a:schemeClr val="accent1">
+                    <a:lumMod val="60000"/>
+                    <a:lumOff val="40000"/>
+                  </a:schemeClr>
+                </a:solidFill>
+                <a:latin typeface="Arial"/>
+                <a:ea typeface="+mj-ea"/>
+                <a:cs typeface="+mj-cs"/>
+              </a:rPr>
+              <a:t>“</a:t>
+            </a:r>
+          </a:p>
+        </p:txBody>
+      </p:sp>
+      <p:sp>
+        <p:nvSpPr>
+          <p:cNvPr id="11" name="TextBox 10"/>
+          <p:cNvSpPr txBox="1"/>
+          <p:nvPr/>
+        </p:nvSpPr>
+        <p:spPr>
+          <a:xfrm>
+            <a:off x="9330490" y="2613787"/>
+            <a:ext cx="801912" cy="1969770"/>
+          </a:xfrm>
+          <a:prstGeom prst="rect">
+            <a:avLst/>
+          </a:prstGeom>
+          <a:noFill/>
+        </p:spPr>
+        <p:txBody>
+          <a:bodyPr wrap="square" rtlCol="0">
+            <a:spAutoFit/>
+          </a:bodyPr>
+          <a:lstStyle/>
+          <a:p>
+            <a:pPr algn="r"/>
+            <a:r>
+              <a:rPr lang="en-US" sz="12200" b="0" i="0" dirty="0">
+                <a:solidFill>
+                  <a:schemeClr val="accent1">
+                    <a:lumMod val="60000"/>
+                    <a:lumOff val="40000"/>
+                  </a:schemeClr>
+                </a:solidFill>
+                <a:latin typeface="Arial"/>
+                <a:ea typeface="+mj-ea"/>
+                <a:cs typeface="+mj-cs"/>
+              </a:rPr>
+              <a:t>”</a:t>
+            </a:r>
+          </a:p>
+        </p:txBody>
+      </p:sp>
+    </p:spTree>
+    <p:extLst>
+      <p:ext uri="{BB962C8B-B14F-4D97-AF65-F5344CB8AC3E}">
+        <p14:creationId xmlns:p14="http://schemas.microsoft.com/office/powerpoint/2010/main" val="398695455"/>
+      </p:ext>
+    </p:extLst>
+  </p:cSld>
+  <p:clrMapOvr>
+    <a:masterClrMapping/>
+  </p:clrMapOvr>
+</p:sldLayout>
+</file>
+
+<file path=ppt/slideLayouts/slideLayout13.xml><?xml version="1.0" encoding="utf-8"?>
+<p:sldLayout xmlns:a="http://schemas.openxmlformats.org/drawingml/2006/main" xmlns:r="http://schemas.openxmlformats.org/officeDocument/2006/relationships" xmlns:p="http://schemas.openxmlformats.org/presentationml/2006/main" preserve="1">
+  <p:cSld name="Namenskarte">
+    <p:spTree>
+      <p:nvGrpSpPr>
+        <p:cNvPr id="1" name=""/>
+        <p:cNvGrpSpPr/>
+        <p:nvPr/>
+      </p:nvGrpSpPr>
+      <p:grpSpPr>
+        <a:xfrm>
+          <a:off x="0" y="0"/>
+          <a:ext cx="0" cy="0"/>
+          <a:chOff x="0" y="0"/>
+          <a:chExt cx="0" cy="0"/>
+        </a:xfrm>
+      </p:grpSpPr>
+      <p:sp>
+        <p:nvSpPr>
+          <p:cNvPr id="2" name="Title 1"/>
+          <p:cNvSpPr>
+            <a:spLocks noGrp="1"/>
+          </p:cNvSpPr>
+          <p:nvPr>
+            <p:ph type="title"/>
+          </p:nvPr>
+        </p:nvSpPr>
+        <p:spPr>
+          <a:xfrm>
+            <a:off x="1154954" y="3124201"/>
+            <a:ext cx="8825659" cy="1653180"/>
+          </a:xfrm>
+        </p:spPr>
+        <p:txBody>
+          <a:bodyPr anchor="b"/>
+          <a:lstStyle>
+            <a:lvl1pPr algn="l">
+              <a:defRPr sz="4000" b="0" cap="none"/>
+            </a:lvl1pPr>
+          </a:lstStyle>
+          <a:p>
+            <a:r>
+              <a:rPr lang="de-DE"/>
+              <a:t>Mastertitelformat bearbeiten</a:t>
+            </a:r>
+            <a:endParaRPr lang="en-US" dirty="0"/>
+          </a:p>
+        </p:txBody>
+      </p:sp>
+      <p:sp>
+        <p:nvSpPr>
+          <p:cNvPr id="3" name="Text Placeholder 2"/>
+          <p:cNvSpPr>
+            <a:spLocks noGrp="1"/>
+          </p:cNvSpPr>
+          <p:nvPr>
+            <p:ph type="body" idx="1"/>
+          </p:nvPr>
+        </p:nvSpPr>
+        <p:spPr>
+          <a:xfrm>
+            <a:off x="1154955" y="4777381"/>
+            <a:ext cx="8825658" cy="860400"/>
+          </a:xfrm>
+        </p:spPr>
+        <p:txBody>
+          <a:bodyPr anchor="t"/>
+          <a:lstStyle>
+            <a:lvl1pPr marL="0" indent="0" algn="l">
+              <a:buNone/>
+              <a:defRPr sz="2000" cap="none">
+                <a:solidFill>
+                  <a:schemeClr val="accent1">
+                    <a:lumMod val="60000"/>
+                    <a:lumOff val="40000"/>
+                  </a:schemeClr>
+                </a:solidFill>
+              </a:defRPr>
+            </a:lvl1pPr>
+            <a:lvl2pPr marL="457200" indent="0">
+              <a:buNone/>
+              <a:defRPr sz="1800">
+                <a:solidFill>
+                  <a:schemeClr val="tx1">
+                    <a:tint val="75000"/>
+                  </a:schemeClr>
+                </a:solidFill>
+              </a:defRPr>
+            </a:lvl2pPr>
+            <a:lvl3pPr marL="914400" indent="0">
+              <a:buNone/>
+              <a:defRPr sz="1600">
+                <a:solidFill>
+                  <a:schemeClr val="tx1">
+                    <a:tint val="75000"/>
+                  </a:schemeClr>
+                </a:solidFill>
+              </a:defRPr>
+            </a:lvl3pPr>
+            <a:lvl4pPr marL="1371600" indent="0">
+              <a:buNone/>
+              <a:defRPr sz="1400">
+                <a:solidFill>
+                  <a:schemeClr val="tx1">
+                    <a:tint val="75000"/>
+                  </a:schemeClr>
+                </a:solidFill>
+              </a:defRPr>
+            </a:lvl4pPr>
+            <a:lvl5pPr marL="1828800" indent="0">
+              <a:buNone/>
+              <a:defRPr sz="1400">
+                <a:solidFill>
+                  <a:schemeClr val="tx1">
+                    <a:tint val="75000"/>
+                  </a:schemeClr>
+                </a:solidFill>
+              </a:defRPr>
+            </a:lvl5pPr>
+            <a:lvl6pPr marL="2286000" indent="0">
+              <a:buNone/>
+              <a:defRPr sz="1400">
+                <a:solidFill>
+                  <a:schemeClr val="tx1">
+                    <a:tint val="75000"/>
+                  </a:schemeClr>
+                </a:solidFill>
+              </a:defRPr>
+            </a:lvl6pPr>
+            <a:lvl7pPr marL="2743200" indent="0">
+              <a:buNone/>
+              <a:defRPr sz="1400">
+                <a:solidFill>
+                  <a:schemeClr val="tx1">
+                    <a:tint val="75000"/>
+                  </a:schemeClr>
+                </a:solidFill>
+              </a:defRPr>
+            </a:lvl7pPr>
+            <a:lvl8pPr marL="3200400" indent="0">
+              <a:buNone/>
+              <a:defRPr sz="1400">
+                <a:solidFill>
+                  <a:schemeClr val="tx1">
+                    <a:tint val="75000"/>
+                  </a:schemeClr>
+                </a:solidFill>
+              </a:defRPr>
+            </a:lvl8pPr>
+            <a:lvl9pPr marL="3657600" indent="0">
+              <a:buNone/>
+              <a:defRPr sz="1400">
+                <a:solidFill>
+                  <a:schemeClr val="tx1">
+                    <a:tint val="75000"/>
+                  </a:schemeClr>
+                </a:solidFill>
+              </a:defRPr>
+            </a:lvl9pPr>
+          </a:lstStyle>
+          <a:p>
+            <a:pPr lvl="0"/>
+            <a:r>
+              <a:rPr lang="de-DE"/>
+              <a:t>Mastertextformat bearbeiten</a:t>
+            </a:r>
+          </a:p>
+        </p:txBody>
+      </p:sp>
+      <p:sp>
+        <p:nvSpPr>
+          <p:cNvPr id="4" name="Date Placeholder 3"/>
+          <p:cNvSpPr>
+            <a:spLocks noGrp="1"/>
+          </p:cNvSpPr>
+          <p:nvPr>
+            <p:ph type="dt" sz="half" idx="10"/>
+          </p:nvPr>
+        </p:nvSpPr>
+        <p:spPr/>
+        <p:txBody>
+          <a:bodyPr/>
+          <a:lstStyle/>
+          <a:p>
+            <a:fld id="{0520FE58-B2A7-4B29-A68D-A4F9CD003A4B}" type="datetimeFigureOut">
+              <a:rPr lang="de-CH" smtClean="0"/>
+              <a:t>29.03.2018</a:t>
+            </a:fld>
+            <a:endParaRPr lang="de-CH"/>
+          </a:p>
+        </p:txBody>
+      </p:sp>
+      <p:sp>
+        <p:nvSpPr>
+          <p:cNvPr id="5" name="Footer Placeholder 4"/>
+          <p:cNvSpPr>
+            <a:spLocks noGrp="1"/>
+          </p:cNvSpPr>
+          <p:nvPr>
+            <p:ph type="ftr" sz="quarter" idx="11"/>
+          </p:nvPr>
+        </p:nvSpPr>
+        <p:spPr/>
+        <p:txBody>
+          <a:bodyPr/>
+          <a:lstStyle/>
+          <a:p>
+            <a:endParaRPr lang="de-CH"/>
+          </a:p>
+        </p:txBody>
+      </p:sp>
+      <p:sp>
+        <p:nvSpPr>
+          <p:cNvPr id="6" name="Slide Number Placeholder 5"/>
+          <p:cNvSpPr>
+            <a:spLocks noGrp="1"/>
+          </p:cNvSpPr>
+          <p:nvPr>
+            <p:ph type="sldNum" sz="quarter" idx="12"/>
+          </p:nvPr>
+        </p:nvSpPr>
+        <p:spPr/>
+        <p:txBody>
+          <a:bodyPr/>
+          <a:lstStyle/>
+          <a:p>
+            <a:fld id="{2EC790A5-A061-4B31-AF6D-AC0DEB490C20}" type="slidenum">
+              <a:rPr lang="de-CH" smtClean="0"/>
+              <a:t>‹Nr.›</a:t>
+            </a:fld>
+            <a:endParaRPr lang="de-CH"/>
+          </a:p>
+        </p:txBody>
+      </p:sp>
+    </p:spTree>
+    <p:extLst>
+      <p:ext uri="{BB962C8B-B14F-4D97-AF65-F5344CB8AC3E}">
+        <p14:creationId xmlns:p14="http://schemas.microsoft.com/office/powerpoint/2010/main" val="4291458610"/>
+      </p:ext>
+    </p:extLst>
+  </p:cSld>
+  <p:clrMapOvr>
+    <a:masterClrMapping/>
+  </p:clrMapOvr>
+</p:sldLayout>
+</file>
+
+<file path=ppt/slideLayouts/slideLayout14.xml><?xml version="1.0" encoding="utf-8"?>
+<p:sldLayout xmlns:a="http://schemas.openxmlformats.org/drawingml/2006/main" xmlns:r="http://schemas.openxmlformats.org/officeDocument/2006/relationships" xmlns:p="http://schemas.openxmlformats.org/presentationml/2006/main" preserve="1">
+  <p:cSld name="3 Spalte">
+    <p:spTree>
+      <p:nvGrpSpPr>
+        <p:cNvPr id="1" name=""/>
+        <p:cNvGrpSpPr/>
+        <p:nvPr/>
+      </p:nvGrpSpPr>
+      <p:grpSpPr>
+        <a:xfrm>
+          <a:off x="0" y="0"/>
+          <a:ext cx="0" cy="0"/>
+          <a:chOff x="0" y="0"/>
+          <a:chExt cx="0" cy="0"/>
+        </a:xfrm>
+      </p:grpSpPr>
+      <p:sp>
+        <p:nvSpPr>
+          <p:cNvPr id="2" name="Title 1"/>
+          <p:cNvSpPr>
+            <a:spLocks noGrp="1"/>
+          </p:cNvSpPr>
+          <p:nvPr>
+            <p:ph type="title"/>
+          </p:nvPr>
+        </p:nvSpPr>
+        <p:spPr/>
+        <p:txBody>
+          <a:bodyPr/>
+          <a:lstStyle>
+            <a:lvl1pPr>
+              <a:defRPr sz="4200"/>
+            </a:lvl1pPr>
+          </a:lstStyle>
+          <a:p>
+            <a:r>
+              <a:rPr lang="de-DE"/>
+              <a:t>Mastertitelformat bearbeiten</a:t>
+            </a:r>
+            <a:endParaRPr lang="en-US" dirty="0"/>
+          </a:p>
+        </p:txBody>
+      </p:sp>
+      <p:sp>
+        <p:nvSpPr>
+          <p:cNvPr id="3" name="Text Placeholder 2"/>
+          <p:cNvSpPr>
+            <a:spLocks noGrp="1"/>
+          </p:cNvSpPr>
+          <p:nvPr>
+            <p:ph type="body" idx="1"/>
+          </p:nvPr>
+        </p:nvSpPr>
+        <p:spPr>
+          <a:xfrm>
+            <a:off x="632947" y="1981200"/>
+            <a:ext cx="2946866" cy="576262"/>
+          </a:xfrm>
+        </p:spPr>
+        <p:txBody>
+          <a:bodyPr anchor="b">
+            <a:noAutofit/>
+          </a:bodyPr>
+          <a:lstStyle>
+            <a:lvl1pPr marL="0" indent="0">
+              <a:buNone/>
+              <a:defRPr sz="2400" b="0">
+                <a:solidFill>
+                  <a:schemeClr val="accent1">
+                    <a:lumMod val="60000"/>
+                    <a:lumOff val="40000"/>
+                  </a:schemeClr>
+                </a:solidFill>
+              </a:defRPr>
+            </a:lvl1pPr>
+            <a:lvl2pPr marL="457200" indent="0">
+              <a:buNone/>
+              <a:defRPr sz="2000" b="1"/>
+            </a:lvl2pPr>
+            <a:lvl3pPr marL="914400" indent="0">
+              <a:buNone/>
+              <a:defRPr sz="1800" b="1"/>
+            </a:lvl3pPr>
+            <a:lvl4pPr marL="1371600" indent="0">
+              <a:buNone/>
+              <a:defRPr sz="1600" b="1"/>
+            </a:lvl4pPr>
+            <a:lvl5pPr marL="1828800" indent="0">
+              <a:buNone/>
+              <a:defRPr sz="1600" b="1"/>
+            </a:lvl5pPr>
+            <a:lvl6pPr marL="2286000" indent="0">
+              <a:buNone/>
+              <a:defRPr sz="1600" b="1"/>
+            </a:lvl6pPr>
+            <a:lvl7pPr marL="2743200" indent="0">
+              <a:buNone/>
+              <a:defRPr sz="1600" b="1"/>
+            </a:lvl7pPr>
+            <a:lvl8pPr marL="3200400" indent="0">
+              <a:buNone/>
+              <a:defRPr sz="1600" b="1"/>
+            </a:lvl8pPr>
+            <a:lvl9pPr marL="3657600" indent="0">
+              <a:buNone/>
+              <a:defRPr sz="1600" b="1"/>
+            </a:lvl9pPr>
+          </a:lstStyle>
+          <a:p>
+            <a:pPr lvl="0"/>
+            <a:r>
+              <a:rPr lang="de-DE"/>
+              <a:t>Mastertextformat bearbeiten</a:t>
+            </a:r>
+          </a:p>
+        </p:txBody>
+      </p:sp>
+      <p:sp>
+        <p:nvSpPr>
+          <p:cNvPr id="16" name="Text Placeholder 3"/>
+          <p:cNvSpPr>
+            <a:spLocks noGrp="1"/>
+          </p:cNvSpPr>
+          <p:nvPr>
+            <p:ph type="body" sz="half" idx="15"/>
+          </p:nvPr>
+        </p:nvSpPr>
+        <p:spPr>
+          <a:xfrm>
+            <a:off x="652463" y="2667000"/>
+            <a:ext cx="2927350" cy="3589338"/>
+          </a:xfrm>
+        </p:spPr>
+        <p:txBody>
+          <a:bodyPr anchor="t">
+            <a:normAutofit/>
+          </a:bodyPr>
+          <a:lstStyle>
+            <a:lvl1pPr marL="0" indent="0">
+              <a:buNone/>
+              <a:defRPr sz="1400"/>
+            </a:lvl1pPr>
+            <a:lvl2pPr marL="457200" indent="0">
+              <a:buNone/>
+              <a:defRPr sz="1200"/>
+            </a:lvl2pPr>
+            <a:lvl3pPr marL="914400" indent="0">
+              <a:buNone/>
+              <a:defRPr sz="1000"/>
+            </a:lvl3pPr>
+            <a:lvl4pPr marL="1371600" indent="0">
+              <a:buNone/>
+              <a:defRPr sz="900"/>
+            </a:lvl4pPr>
+            <a:lvl5pPr marL="1828800" indent="0">
+              <a:buNone/>
+              <a:defRPr sz="900"/>
+            </a:lvl5pPr>
+            <a:lvl6pPr marL="2286000" indent="0">
+              <a:buNone/>
+              <a:defRPr sz="900"/>
+            </a:lvl6pPr>
+            <a:lvl7pPr marL="2743200" indent="0">
+              <a:buNone/>
+              <a:defRPr sz="900"/>
+            </a:lvl7pPr>
+            <a:lvl8pPr marL="3200400" indent="0">
+              <a:buNone/>
+              <a:defRPr sz="900"/>
+            </a:lvl8pPr>
+            <a:lvl9pPr marL="3657600" indent="0">
+              <a:buNone/>
+              <a:defRPr sz="900"/>
+            </a:lvl9pPr>
+          </a:lstStyle>
+          <a:p>
+            <a:pPr lvl="0"/>
+            <a:r>
+              <a:rPr lang="de-DE"/>
+              <a:t>Mastertextformat bearbeiten</a:t>
+            </a:r>
+          </a:p>
+        </p:txBody>
+      </p:sp>
+      <p:sp>
+        <p:nvSpPr>
+          <p:cNvPr id="5" name="Text Placeholder 4"/>
+          <p:cNvSpPr>
+            <a:spLocks noGrp="1"/>
+          </p:cNvSpPr>
+          <p:nvPr>
+            <p:ph type="body" sz="quarter" idx="3"/>
+          </p:nvPr>
+        </p:nvSpPr>
+        <p:spPr>
+          <a:xfrm>
+            <a:off x="3883659" y="1981200"/>
+            <a:ext cx="2936241" cy="576262"/>
+          </a:xfrm>
+        </p:spPr>
+        <p:txBody>
+          <a:bodyPr anchor="b">
+            <a:noAutofit/>
+          </a:bodyPr>
+          <a:lstStyle>
+            <a:lvl1pPr marL="0" indent="0">
+              <a:buNone/>
+              <a:defRPr sz="2400" b="0">
+                <a:solidFill>
+                  <a:schemeClr val="accent1">
+                    <a:lumMod val="60000"/>
+                    <a:lumOff val="40000"/>
+                  </a:schemeClr>
+                </a:solidFill>
+              </a:defRPr>
+            </a:lvl1pPr>
+            <a:lvl2pPr marL="457200" indent="0">
+              <a:buNone/>
+              <a:defRPr sz="2000" b="1"/>
+            </a:lvl2pPr>
+            <a:lvl3pPr marL="914400" indent="0">
+              <a:buNone/>
+              <a:defRPr sz="1800" b="1"/>
+            </a:lvl3pPr>
+            <a:lvl4pPr marL="1371600" indent="0">
+              <a:buNone/>
+              <a:defRPr sz="1600" b="1"/>
+            </a:lvl4pPr>
+            <a:lvl5pPr marL="1828800" indent="0">
+              <a:buNone/>
+              <a:defRPr sz="1600" b="1"/>
+            </a:lvl5pPr>
+            <a:lvl6pPr marL="2286000" indent="0">
+              <a:buNone/>
+              <a:defRPr sz="1600" b="1"/>
+            </a:lvl6pPr>
+            <a:lvl7pPr marL="2743200" indent="0">
+              <a:buNone/>
+              <a:defRPr sz="1600" b="1"/>
+            </a:lvl7pPr>
+            <a:lvl8pPr marL="3200400" indent="0">
+              <a:buNone/>
+              <a:defRPr sz="1600" b="1"/>
+            </a:lvl8pPr>
+            <a:lvl9pPr marL="3657600" indent="0">
+              <a:buNone/>
+              <a:defRPr sz="1600" b="1"/>
+            </a:lvl9pPr>
+          </a:lstStyle>
+          <a:p>
+            <a:pPr lvl="0"/>
+            <a:r>
+              <a:rPr lang="de-DE"/>
+              <a:t>Mastertextformat bearbeiten</a:t>
+            </a:r>
+          </a:p>
+        </p:txBody>
+      </p:sp>
+      <p:sp>
+        <p:nvSpPr>
+          <p:cNvPr id="19" name="Text Placeholder 3"/>
+          <p:cNvSpPr>
+            <a:spLocks noGrp="1"/>
+          </p:cNvSpPr>
+          <p:nvPr>
+            <p:ph type="body" sz="half" idx="16"/>
+          </p:nvPr>
+        </p:nvSpPr>
+        <p:spPr>
+          <a:xfrm>
+            <a:off x="3873106" y="2667000"/>
+            <a:ext cx="2946794" cy="3589338"/>
+          </a:xfrm>
+        </p:spPr>
+        <p:txBody>
+          <a:bodyPr anchor="t">
+            <a:normAutofit/>
+          </a:bodyPr>
+          <a:lstStyle>
+            <a:lvl1pPr marL="0" indent="0">
+              <a:buNone/>
+              <a:defRPr sz="1400"/>
+            </a:lvl1pPr>
+            <a:lvl2pPr marL="457200" indent="0">
+              <a:buNone/>
+              <a:defRPr sz="1200"/>
+            </a:lvl2pPr>
+            <a:lvl3pPr marL="914400" indent="0">
+              <a:buNone/>
+              <a:defRPr sz="1000"/>
+            </a:lvl3pPr>
+            <a:lvl4pPr marL="1371600" indent="0">
+              <a:buNone/>
+              <a:defRPr sz="900"/>
+            </a:lvl4pPr>
+            <a:lvl5pPr marL="1828800" indent="0">
+              <a:buNone/>
+              <a:defRPr sz="900"/>
+            </a:lvl5pPr>
+            <a:lvl6pPr marL="2286000" indent="0">
+              <a:buNone/>
+              <a:defRPr sz="900"/>
+            </a:lvl6pPr>
+            <a:lvl7pPr marL="2743200" indent="0">
+              <a:buNone/>
+              <a:defRPr sz="900"/>
+            </a:lvl7pPr>
+            <a:lvl8pPr marL="3200400" indent="0">
+              <a:buNone/>
+              <a:defRPr sz="900"/>
+            </a:lvl8pPr>
+            <a:lvl9pPr marL="3657600" indent="0">
+              <a:buNone/>
+              <a:defRPr sz="900"/>
+            </a:lvl9pPr>
+          </a:lstStyle>
+          <a:p>
+            <a:pPr lvl="0"/>
+            <a:r>
+              <a:rPr lang="de-DE"/>
+              <a:t>Mastertextformat bearbeiten</a:t>
+            </a:r>
+          </a:p>
+        </p:txBody>
+      </p:sp>
+      <p:sp>
+        <p:nvSpPr>
+          <p:cNvPr id="14" name="Text Placeholder 4"/>
+          <p:cNvSpPr>
+            <a:spLocks noGrp="1"/>
+          </p:cNvSpPr>
+          <p:nvPr>
+            <p:ph type="body" sz="quarter" idx="13"/>
+          </p:nvPr>
+        </p:nvSpPr>
+        <p:spPr>
+          <a:xfrm>
+            <a:off x="7124700" y="1981200"/>
+            <a:ext cx="2932113" cy="576262"/>
+          </a:xfrm>
+        </p:spPr>
+        <p:txBody>
+          <a:bodyPr anchor="b">
+            <a:noAutofit/>
+          </a:bodyPr>
+          <a:lstStyle>
+            <a:lvl1pPr marL="0" indent="0">
+              <a:buNone/>
+              <a:defRPr sz="2400" b="0">
+                <a:solidFill>
+                  <a:schemeClr val="accent1">
+                    <a:lumMod val="60000"/>
+                    <a:lumOff val="40000"/>
+                  </a:schemeClr>
+                </a:solidFill>
+              </a:defRPr>
+            </a:lvl1pPr>
+            <a:lvl2pPr marL="457200" indent="0">
+              <a:buNone/>
+              <a:defRPr sz="2000" b="1"/>
+            </a:lvl2pPr>
+            <a:lvl3pPr marL="914400" indent="0">
+              <a:buNone/>
+              <a:defRPr sz="1800" b="1"/>
+            </a:lvl3pPr>
+            <a:lvl4pPr marL="1371600" indent="0">
+              <a:buNone/>
+              <a:defRPr sz="1600" b="1"/>
+            </a:lvl4pPr>
+            <a:lvl5pPr marL="1828800" indent="0">
+              <a:buNone/>
+              <a:defRPr sz="1600" b="1"/>
+            </a:lvl5pPr>
+            <a:lvl6pPr marL="2286000" indent="0">
+              <a:buNone/>
+              <a:defRPr sz="1600" b="1"/>
+            </a:lvl6pPr>
+            <a:lvl7pPr marL="2743200" indent="0">
+              <a:buNone/>
+              <a:defRPr sz="1600" b="1"/>
+            </a:lvl7pPr>
+            <a:lvl8pPr marL="3200400" indent="0">
+              <a:buNone/>
+              <a:defRPr sz="1600" b="1"/>
+            </a:lvl8pPr>
+            <a:lvl9pPr marL="3657600" indent="0">
+              <a:buNone/>
+              <a:defRPr sz="1600" b="1"/>
+            </a:lvl9pPr>
+          </a:lstStyle>
+          <a:p>
+            <a:pPr lvl="0"/>
+            <a:r>
+              <a:rPr lang="de-DE"/>
+              <a:t>Mastertextformat bearbeiten</a:t>
+            </a:r>
+          </a:p>
+        </p:txBody>
+      </p:sp>
+      <p:sp>
+        <p:nvSpPr>
+          <p:cNvPr id="20" name="Text Placeholder 3"/>
+          <p:cNvSpPr>
+            <a:spLocks noGrp="1"/>
+          </p:cNvSpPr>
+          <p:nvPr>
+            <p:ph type="body" sz="half" idx="17"/>
+          </p:nvPr>
+        </p:nvSpPr>
+        <p:spPr>
+          <a:xfrm>
+            <a:off x="7124700" y="2667000"/>
+            <a:ext cx="2932113" cy="3589338"/>
+          </a:xfrm>
+        </p:spPr>
+        <p:txBody>
+          <a:bodyPr anchor="t">
+            <a:normAutofit/>
+          </a:bodyPr>
+          <a:lstStyle>
+            <a:lvl1pPr marL="0" indent="0">
+              <a:buNone/>
+              <a:defRPr sz="1400"/>
+            </a:lvl1pPr>
+            <a:lvl2pPr marL="457200" indent="0">
+              <a:buNone/>
+              <a:defRPr sz="1200"/>
+            </a:lvl2pPr>
+            <a:lvl3pPr marL="914400" indent="0">
+              <a:buNone/>
+              <a:defRPr sz="1000"/>
+            </a:lvl3pPr>
+            <a:lvl4pPr marL="1371600" indent="0">
+              <a:buNone/>
+              <a:defRPr sz="900"/>
+            </a:lvl4pPr>
+            <a:lvl5pPr marL="1828800" indent="0">
+              <a:buNone/>
+              <a:defRPr sz="900"/>
+            </a:lvl5pPr>
+            <a:lvl6pPr marL="2286000" indent="0">
+              <a:buNone/>
+              <a:defRPr sz="900"/>
+            </a:lvl6pPr>
+            <a:lvl7pPr marL="2743200" indent="0">
+              <a:buNone/>
+              <a:defRPr sz="900"/>
+            </a:lvl7pPr>
+            <a:lvl8pPr marL="3200400" indent="0">
+              <a:buNone/>
+              <a:defRPr sz="900"/>
+            </a:lvl8pPr>
+            <a:lvl9pPr marL="3657600" indent="0">
+              <a:buNone/>
+              <a:defRPr sz="900"/>
+            </a:lvl9pPr>
+          </a:lstStyle>
+          <a:p>
+            <a:pPr lvl="0"/>
+            <a:r>
+              <a:rPr lang="de-DE"/>
+              <a:t>Mastertextformat bearbeiten</a:t>
+            </a:r>
+          </a:p>
+        </p:txBody>
+      </p:sp>
+      <p:cxnSp>
+        <p:nvCxnSpPr>
+          <p:cNvPr id="17" name="Straight Connector 16"/>
+          <p:cNvCxnSpPr/>
+          <p:nvPr/>
+        </p:nvCxnSpPr>
+        <p:spPr>
+          <a:xfrm>
+            <a:off x="3726142" y="2133600"/>
+            <a:ext cx="0" cy="3962400"/>
+          </a:xfrm>
+          <a:prstGeom prst="line">
+            <a:avLst/>
+          </a:prstGeom>
+          <a:ln w="12700" cmpd="sng">
+            <a:solidFill>
+              <a:schemeClr val="accent1">
+                <a:alpha val="40000"/>
+              </a:schemeClr>
+            </a:solidFill>
+          </a:ln>
+        </p:spPr>
+        <p:style>
+          <a:lnRef idx="2">
+            <a:schemeClr val="accent1"/>
+          </a:lnRef>
+          <a:fillRef idx="0">
+            <a:schemeClr val="accent1"/>
+          </a:fillRef>
+          <a:effectRef idx="1">
+            <a:schemeClr val="accent1"/>
+          </a:effectRef>
+          <a:fontRef idx="minor">
+            <a:schemeClr val="tx1"/>
+          </a:fontRef>
+        </p:style>
+      </p:cxnSp>
+      <p:cxnSp>
+        <p:nvCxnSpPr>
+          <p:cNvPr id="18" name="Straight Connector 17"/>
+          <p:cNvCxnSpPr/>
+          <p:nvPr/>
+        </p:nvCxnSpPr>
+        <p:spPr>
+          <a:xfrm>
+            <a:off x="6962227" y="2133600"/>
+            <a:ext cx="0" cy="3966882"/>
+          </a:xfrm>
+          <a:prstGeom prst="line">
+            <a:avLst/>
+          </a:prstGeom>
+          <a:ln w="12700" cmpd="sng">
+            <a:solidFill>
+              <a:schemeClr val="accent1">
+                <a:alpha val="40000"/>
+              </a:schemeClr>
+            </a:solidFill>
+          </a:ln>
+        </p:spPr>
+        <p:style>
+          <a:lnRef idx="2">
+            <a:schemeClr val="accent1"/>
+          </a:lnRef>
+          <a:fillRef idx="0">
+            <a:schemeClr val="accent1"/>
+          </a:fillRef>
+          <a:effectRef idx="1">
+            <a:schemeClr val="accent1"/>
+          </a:effectRef>
+          <a:fontRef idx="minor">
+            <a:schemeClr val="tx1"/>
+          </a:fontRef>
+        </p:style>
+      </p:cxnSp>
+      <p:sp>
+        <p:nvSpPr>
+          <p:cNvPr id="7" name="Date Placeholder 3"/>
+          <p:cNvSpPr>
+            <a:spLocks noGrp="1"/>
+          </p:cNvSpPr>
+          <p:nvPr>
+            <p:ph type="dt" sz="half" idx="10"/>
+          </p:nvPr>
+        </p:nvSpPr>
+        <p:spPr/>
+        <p:txBody>
+          <a:bodyPr/>
+          <a:lstStyle/>
+          <a:p>
+            <a:fld id="{0520FE58-B2A7-4B29-A68D-A4F9CD003A4B}" type="datetimeFigureOut">
+              <a:rPr lang="de-CH" smtClean="0"/>
+              <a:t>29.03.2018</a:t>
+            </a:fld>
+            <a:endParaRPr lang="de-CH"/>
+          </a:p>
+        </p:txBody>
+      </p:sp>
+      <p:sp>
+        <p:nvSpPr>
+          <p:cNvPr id="4" name="Footer Placeholder 4"/>
+          <p:cNvSpPr>
+            <a:spLocks noGrp="1"/>
+          </p:cNvSpPr>
+          <p:nvPr>
+            <p:ph type="ftr" sz="quarter" idx="11"/>
+          </p:nvPr>
+        </p:nvSpPr>
+        <p:spPr/>
+        <p:txBody>
+          <a:bodyPr/>
+          <a:lstStyle/>
+          <a:p>
+            <a:endParaRPr lang="de-CH"/>
+          </a:p>
+        </p:txBody>
+      </p:sp>
+      <p:sp>
+        <p:nvSpPr>
+          <p:cNvPr id="6" name="Slide Number Placeholder 5"/>
+          <p:cNvSpPr>
+            <a:spLocks noGrp="1"/>
+          </p:cNvSpPr>
+          <p:nvPr>
+            <p:ph type="sldNum" sz="quarter" idx="12"/>
+          </p:nvPr>
+        </p:nvSpPr>
+        <p:spPr/>
+        <p:txBody>
+          <a:bodyPr/>
+          <a:lstStyle/>
+          <a:p>
+            <a:fld id="{2EC790A5-A061-4B31-AF6D-AC0DEB490C20}" type="slidenum">
+              <a:rPr lang="de-CH" smtClean="0"/>
+              <a:t>‹Nr.›</a:t>
+            </a:fld>
+            <a:endParaRPr lang="de-CH"/>
+          </a:p>
+        </p:txBody>
+      </p:sp>
+    </p:spTree>
+    <p:extLst>
+      <p:ext uri="{BB962C8B-B14F-4D97-AF65-F5344CB8AC3E}">
+        <p14:creationId xmlns:p14="http://schemas.microsoft.com/office/powerpoint/2010/main" val="853326814"/>
+      </p:ext>
+    </p:extLst>
+  </p:cSld>
+  <p:clrMapOvr>
+    <a:masterClrMapping/>
+  </p:clrMapOvr>
+</p:sldLayout>
+</file>
+
+<file path=ppt/slideLayouts/slideLayout15.xml><?xml version="1.0" encoding="utf-8"?>
+<p:sldLayout xmlns:a="http://schemas.openxmlformats.org/drawingml/2006/main" xmlns:r="http://schemas.openxmlformats.org/officeDocument/2006/relationships" xmlns:p="http://schemas.openxmlformats.org/presentationml/2006/main" preserve="1">
+  <p:cSld name="3 Bildspalte">
+    <p:spTree>
+      <p:nvGrpSpPr>
+        <p:cNvPr id="1" name=""/>
+        <p:cNvGrpSpPr/>
+        <p:nvPr/>
+      </p:nvGrpSpPr>
+      <p:grpSpPr>
+        <a:xfrm>
+          <a:off x="0" y="0"/>
+          <a:ext cx="0" cy="0"/>
+          <a:chOff x="0" y="0"/>
+          <a:chExt cx="0" cy="0"/>
+        </a:xfrm>
+      </p:grpSpPr>
+      <p:sp>
+        <p:nvSpPr>
+          <p:cNvPr id="2" name="Title 1"/>
+          <p:cNvSpPr>
+            <a:spLocks noGrp="1"/>
+          </p:cNvSpPr>
+          <p:nvPr>
+            <p:ph type="title"/>
+          </p:nvPr>
+        </p:nvSpPr>
+        <p:spPr/>
+        <p:txBody>
+          <a:bodyPr/>
+          <a:lstStyle>
+            <a:lvl1pPr>
+              <a:defRPr sz="4200"/>
+            </a:lvl1pPr>
+          </a:lstStyle>
+          <a:p>
+            <a:r>
+              <a:rPr lang="de-DE"/>
+              <a:t>Mastertitelformat bearbeiten</a:t>
+            </a:r>
+            <a:endParaRPr lang="en-US" dirty="0"/>
+          </a:p>
+        </p:txBody>
+      </p:sp>
+      <p:sp>
+        <p:nvSpPr>
+          <p:cNvPr id="3" name="Text Placeholder 2"/>
+          <p:cNvSpPr>
+            <a:spLocks noGrp="1"/>
+          </p:cNvSpPr>
+          <p:nvPr>
+            <p:ph type="body" idx="1"/>
+          </p:nvPr>
+        </p:nvSpPr>
+        <p:spPr>
+          <a:xfrm>
+            <a:off x="652463" y="4250949"/>
+            <a:ext cx="2940050" cy="576262"/>
+          </a:xfrm>
+        </p:spPr>
+        <p:txBody>
+          <a:bodyPr anchor="b">
+            <a:noAutofit/>
+          </a:bodyPr>
+          <a:lstStyle>
+            <a:lvl1pPr marL="0" indent="0">
+              <a:buNone/>
+              <a:defRPr sz="2400" b="0">
+                <a:solidFill>
+                  <a:schemeClr val="accent1"/>
+                </a:solidFill>
+              </a:defRPr>
+            </a:lvl1pPr>
+            <a:lvl2pPr marL="457200" indent="0">
+              <a:buNone/>
+              <a:defRPr sz="2000" b="1"/>
+            </a:lvl2pPr>
+            <a:lvl3pPr marL="914400" indent="0">
+              <a:buNone/>
+              <a:defRPr sz="1800" b="1"/>
+            </a:lvl3pPr>
+            <a:lvl4pPr marL="1371600" indent="0">
+              <a:buNone/>
+              <a:defRPr sz="1600" b="1"/>
+            </a:lvl4pPr>
+            <a:lvl5pPr marL="1828800" indent="0">
+              <a:buNone/>
+              <a:defRPr sz="1600" b="1"/>
+            </a:lvl5pPr>
+            <a:lvl6pPr marL="2286000" indent="0">
+              <a:buNone/>
+              <a:defRPr sz="1600" b="1"/>
+            </a:lvl6pPr>
+            <a:lvl7pPr marL="2743200" indent="0">
+              <a:buNone/>
+              <a:defRPr sz="1600" b="1"/>
+            </a:lvl7pPr>
+            <a:lvl8pPr marL="3200400" indent="0">
+              <a:buNone/>
+              <a:defRPr sz="1600" b="1"/>
+            </a:lvl8pPr>
+            <a:lvl9pPr marL="3657600" indent="0">
+              <a:buNone/>
+              <a:defRPr sz="1600" b="1"/>
+            </a:lvl9pPr>
+          </a:lstStyle>
+          <a:p>
+            <a:pPr lvl="0"/>
+            <a:r>
+              <a:rPr lang="de-DE"/>
+              <a:t>Mastertextformat bearbeiten</a:t>
+            </a:r>
+          </a:p>
+        </p:txBody>
+      </p:sp>
+      <p:sp>
+        <p:nvSpPr>
+          <p:cNvPr id="29" name="Picture Placeholder 2"/>
+          <p:cNvSpPr>
+            <a:spLocks noGrp="1" noChangeAspect="1"/>
+          </p:cNvSpPr>
+          <p:nvPr>
+            <p:ph type="pic" idx="15"/>
+          </p:nvPr>
+        </p:nvSpPr>
+        <p:spPr>
+          <a:xfrm>
+            <a:off x="652463" y="2209800"/>
+            <a:ext cx="2940050" cy="1524000"/>
+          </a:xfrm>
+          <a:prstGeom prst="roundRect">
+            <a:avLst>
+              <a:gd name="adj" fmla="val 1858"/>
+            </a:avLst>
+          </a:prstGeom>
+          <a:effectLst>
+            <a:outerShdw blurRad="50800" dist="50800" dir="5400000" algn="tl" rotWithShape="0">
+              <a:srgbClr val="000000">
+                <a:alpha val="43000"/>
+              </a:srgbClr>
+            </a:outerShdw>
+          </a:effectLst>
+        </p:spPr>
+        <p:txBody>
+          <a:bodyPr anchor="t">
+            <a:normAutofit/>
+          </a:bodyPr>
+          <a:lstStyle>
+            <a:lvl1pPr marL="0" indent="0" algn="ctr">
+              <a:buNone/>
+              <a:defRPr sz="1600"/>
+            </a:lvl1pPr>
+            <a:lvl2pPr marL="457200" indent="0">
+              <a:buNone/>
+              <a:defRPr sz="1600"/>
+            </a:lvl2pPr>
+            <a:lvl3pPr marL="914400" indent="0">
+              <a:buNone/>
+              <a:defRPr sz="1600"/>
+            </a:lvl3pPr>
+            <a:lvl4pPr marL="1371600" indent="0">
+              <a:buNone/>
+              <a:defRPr sz="1600"/>
+            </a:lvl4pPr>
+            <a:lvl5pPr marL="1828800" indent="0">
+              <a:buNone/>
+              <a:defRPr sz="1600"/>
+            </a:lvl5pPr>
+            <a:lvl6pPr marL="2286000" indent="0">
+              <a:buNone/>
+              <a:defRPr sz="1600"/>
+            </a:lvl6pPr>
+            <a:lvl7pPr marL="2743200" indent="0">
+              <a:buNone/>
+              <a:defRPr sz="1600"/>
+            </a:lvl7pPr>
+            <a:lvl8pPr marL="3200400" indent="0">
+              <a:buNone/>
+              <a:defRPr sz="1600"/>
+            </a:lvl8pPr>
+            <a:lvl9pPr marL="3657600" indent="0">
+              <a:buNone/>
+              <a:defRPr sz="1600"/>
+            </a:lvl9pPr>
+          </a:lstStyle>
+          <a:p>
+            <a:r>
+              <a:rPr lang="de-DE"/>
+              <a:t>Bild durch Klicken auf Symbol hinzufügen</a:t>
+            </a:r>
+            <a:endParaRPr lang="en-US" dirty="0"/>
+          </a:p>
+        </p:txBody>
+      </p:sp>
+      <p:sp>
+        <p:nvSpPr>
+          <p:cNvPr id="22" name="Text Placeholder 3"/>
+          <p:cNvSpPr>
+            <a:spLocks noGrp="1"/>
+          </p:cNvSpPr>
+          <p:nvPr>
+            <p:ph type="body" sz="half" idx="18"/>
+          </p:nvPr>
+        </p:nvSpPr>
+        <p:spPr>
+          <a:xfrm>
+            <a:off x="652463" y="4827211"/>
+            <a:ext cx="2940050" cy="659189"/>
+          </a:xfrm>
+        </p:spPr>
+        <p:txBody>
+          <a:bodyPr anchor="t">
+            <a:normAutofit/>
+          </a:bodyPr>
+          <a:lstStyle>
+            <a:lvl1pPr marL="0" indent="0">
+              <a:buNone/>
+              <a:defRPr sz="1400"/>
+            </a:lvl1pPr>
+            <a:lvl2pPr marL="457200" indent="0">
+              <a:buNone/>
+              <a:defRPr sz="1200"/>
+            </a:lvl2pPr>
+            <a:lvl3pPr marL="914400" indent="0">
+              <a:buNone/>
+              <a:defRPr sz="1000"/>
+            </a:lvl3pPr>
+            <a:lvl4pPr marL="1371600" indent="0">
+              <a:buNone/>
+              <a:defRPr sz="900"/>
+            </a:lvl4pPr>
+            <a:lvl5pPr marL="1828800" indent="0">
+              <a:buNone/>
+              <a:defRPr sz="900"/>
+            </a:lvl5pPr>
+            <a:lvl6pPr marL="2286000" indent="0">
+              <a:buNone/>
+              <a:defRPr sz="900"/>
+            </a:lvl6pPr>
+            <a:lvl7pPr marL="2743200" indent="0">
+              <a:buNone/>
+              <a:defRPr sz="900"/>
+            </a:lvl7pPr>
+            <a:lvl8pPr marL="3200400" indent="0">
+              <a:buNone/>
+              <a:defRPr sz="900"/>
+            </a:lvl8pPr>
+            <a:lvl9pPr marL="3657600" indent="0">
+              <a:buNone/>
+              <a:defRPr sz="900"/>
+            </a:lvl9pPr>
+          </a:lstStyle>
+          <a:p>
+            <a:pPr lvl="0"/>
+            <a:r>
+              <a:rPr lang="de-DE"/>
+              <a:t>Mastertextformat bearbeiten</a:t>
+            </a:r>
+          </a:p>
+        </p:txBody>
+      </p:sp>
+      <p:sp>
+        <p:nvSpPr>
+          <p:cNvPr id="5" name="Text Placeholder 4"/>
+          <p:cNvSpPr>
+            <a:spLocks noGrp="1"/>
+          </p:cNvSpPr>
+          <p:nvPr>
+            <p:ph type="body" sz="quarter" idx="3"/>
+          </p:nvPr>
+        </p:nvSpPr>
+        <p:spPr>
+          <a:xfrm>
+            <a:off x="3889375" y="4250949"/>
+            <a:ext cx="2930525" cy="576262"/>
+          </a:xfrm>
+        </p:spPr>
+        <p:txBody>
+          <a:bodyPr anchor="b">
+            <a:noAutofit/>
+          </a:bodyPr>
+          <a:lstStyle>
+            <a:lvl1pPr marL="0" indent="0">
+              <a:buNone/>
+              <a:defRPr sz="2400" b="0">
+                <a:solidFill>
+                  <a:schemeClr val="accent1"/>
+                </a:solidFill>
+              </a:defRPr>
+            </a:lvl1pPr>
+            <a:lvl2pPr marL="457200" indent="0">
+              <a:buNone/>
+              <a:defRPr sz="2000" b="1"/>
+            </a:lvl2pPr>
+            <a:lvl3pPr marL="914400" indent="0">
+              <a:buNone/>
+              <a:defRPr sz="1800" b="1"/>
+            </a:lvl3pPr>
+            <a:lvl4pPr marL="1371600" indent="0">
+              <a:buNone/>
+              <a:defRPr sz="1600" b="1"/>
+            </a:lvl4pPr>
+            <a:lvl5pPr marL="1828800" indent="0">
+              <a:buNone/>
+              <a:defRPr sz="1600" b="1"/>
+            </a:lvl5pPr>
+            <a:lvl6pPr marL="2286000" indent="0">
+              <a:buNone/>
+              <a:defRPr sz="1600" b="1"/>
+            </a:lvl6pPr>
+            <a:lvl7pPr marL="2743200" indent="0">
+              <a:buNone/>
+              <a:defRPr sz="1600" b="1"/>
+            </a:lvl7pPr>
+            <a:lvl8pPr marL="3200400" indent="0">
+              <a:buNone/>
+              <a:defRPr sz="1600" b="1"/>
+            </a:lvl8pPr>
+            <a:lvl9pPr marL="3657600" indent="0">
+              <a:buNone/>
+              <a:defRPr sz="1600" b="1"/>
+            </a:lvl9pPr>
+          </a:lstStyle>
+          <a:p>
+            <a:pPr lvl="0"/>
+            <a:r>
+              <a:rPr lang="de-DE"/>
+              <a:t>Mastertextformat bearbeiten</a:t>
+            </a:r>
+          </a:p>
+        </p:txBody>
+      </p:sp>
+      <p:sp>
+        <p:nvSpPr>
+          <p:cNvPr id="30" name="Picture Placeholder 2"/>
+          <p:cNvSpPr>
+            <a:spLocks noGrp="1" noChangeAspect="1"/>
+          </p:cNvSpPr>
+          <p:nvPr>
+            <p:ph type="pic" idx="21"/>
+          </p:nvPr>
+        </p:nvSpPr>
+        <p:spPr>
+          <a:xfrm>
+            <a:off x="3889374" y="2209800"/>
+            <a:ext cx="2930525" cy="1524000"/>
+          </a:xfrm>
+          <a:prstGeom prst="roundRect">
+            <a:avLst>
+              <a:gd name="adj" fmla="val 1858"/>
+            </a:avLst>
+          </a:prstGeom>
+          <a:effectLst>
+            <a:outerShdw blurRad="50800" dist="50800" dir="5400000" algn="tl" rotWithShape="0">
+              <a:srgbClr val="000000">
+                <a:alpha val="43000"/>
+              </a:srgbClr>
+            </a:outerShdw>
+          </a:effectLst>
+        </p:spPr>
+        <p:txBody>
+          <a:bodyPr anchor="t">
+            <a:normAutofit/>
+          </a:bodyPr>
+          <a:lstStyle>
+            <a:lvl1pPr marL="0" indent="0" algn="ctr">
+              <a:buNone/>
+              <a:defRPr sz="1600"/>
+            </a:lvl1pPr>
+            <a:lvl2pPr marL="457200" indent="0">
+              <a:buNone/>
+              <a:defRPr sz="1600"/>
+            </a:lvl2pPr>
+            <a:lvl3pPr marL="914400" indent="0">
+              <a:buNone/>
+              <a:defRPr sz="1600"/>
+            </a:lvl3pPr>
+            <a:lvl4pPr marL="1371600" indent="0">
+              <a:buNone/>
+              <a:defRPr sz="1600"/>
+            </a:lvl4pPr>
+            <a:lvl5pPr marL="1828800" indent="0">
+              <a:buNone/>
+              <a:defRPr sz="1600"/>
+            </a:lvl5pPr>
+            <a:lvl6pPr marL="2286000" indent="0">
+              <a:buNone/>
+              <a:defRPr sz="1600"/>
+            </a:lvl6pPr>
+            <a:lvl7pPr marL="2743200" indent="0">
+              <a:buNone/>
+              <a:defRPr sz="1600"/>
+            </a:lvl7pPr>
+            <a:lvl8pPr marL="3200400" indent="0">
+              <a:buNone/>
+              <a:defRPr sz="1600"/>
+            </a:lvl8pPr>
+            <a:lvl9pPr marL="3657600" indent="0">
+              <a:buNone/>
+              <a:defRPr sz="1600"/>
+            </a:lvl9pPr>
+          </a:lstStyle>
+          <a:p>
+            <a:r>
+              <a:rPr lang="de-DE"/>
+              <a:t>Bild durch Klicken auf Symbol hinzufügen</a:t>
+            </a:r>
+            <a:endParaRPr lang="en-US" dirty="0"/>
+          </a:p>
+        </p:txBody>
+      </p:sp>
+      <p:sp>
+        <p:nvSpPr>
+          <p:cNvPr id="23" name="Text Placeholder 3"/>
+          <p:cNvSpPr>
+            <a:spLocks noGrp="1"/>
+          </p:cNvSpPr>
+          <p:nvPr>
+            <p:ph type="body" sz="half" idx="19"/>
+          </p:nvPr>
+        </p:nvSpPr>
+        <p:spPr>
+          <a:xfrm>
+            <a:off x="3888022" y="4827210"/>
+            <a:ext cx="2934406" cy="659189"/>
+          </a:xfrm>
+        </p:spPr>
+        <p:txBody>
+          <a:bodyPr anchor="t">
+            <a:normAutofit/>
+          </a:bodyPr>
+          <a:lstStyle>
+            <a:lvl1pPr marL="0" indent="0">
+              <a:buNone/>
+              <a:defRPr sz="1400"/>
+            </a:lvl1pPr>
+            <a:lvl2pPr marL="457200" indent="0">
+              <a:buNone/>
+              <a:defRPr sz="1200"/>
+            </a:lvl2pPr>
+            <a:lvl3pPr marL="914400" indent="0">
+              <a:buNone/>
+              <a:defRPr sz="1000"/>
+            </a:lvl3pPr>
+            <a:lvl4pPr marL="1371600" indent="0">
+              <a:buNone/>
+              <a:defRPr sz="900"/>
+            </a:lvl4pPr>
+            <a:lvl5pPr marL="1828800" indent="0">
+              <a:buNone/>
+              <a:defRPr sz="900"/>
+            </a:lvl5pPr>
+            <a:lvl6pPr marL="2286000" indent="0">
+              <a:buNone/>
+              <a:defRPr sz="900"/>
+            </a:lvl6pPr>
+            <a:lvl7pPr marL="2743200" indent="0">
+              <a:buNone/>
+              <a:defRPr sz="900"/>
+            </a:lvl7pPr>
+            <a:lvl8pPr marL="3200400" indent="0">
+              <a:buNone/>
+              <a:defRPr sz="900"/>
+            </a:lvl8pPr>
+            <a:lvl9pPr marL="3657600" indent="0">
+              <a:buNone/>
+              <a:defRPr sz="900"/>
+            </a:lvl9pPr>
+          </a:lstStyle>
+          <a:p>
+            <a:pPr lvl="0"/>
+            <a:r>
+              <a:rPr lang="de-DE"/>
+              <a:t>Mastertextformat bearbeiten</a:t>
+            </a:r>
+          </a:p>
+        </p:txBody>
+      </p:sp>
+      <p:sp>
+        <p:nvSpPr>
+          <p:cNvPr id="14" name="Text Placeholder 4"/>
+          <p:cNvSpPr>
+            <a:spLocks noGrp="1"/>
+          </p:cNvSpPr>
+          <p:nvPr>
+            <p:ph type="body" sz="quarter" idx="13"/>
+          </p:nvPr>
+        </p:nvSpPr>
+        <p:spPr>
+          <a:xfrm>
+            <a:off x="7124700" y="4250949"/>
+            <a:ext cx="2932113" cy="576262"/>
+          </a:xfrm>
+        </p:spPr>
+        <p:txBody>
+          <a:bodyPr anchor="b">
+            <a:noAutofit/>
+          </a:bodyPr>
+          <a:lstStyle>
+            <a:lvl1pPr marL="0" indent="0">
+              <a:buNone/>
+              <a:defRPr sz="2400" b="0">
+                <a:solidFill>
+                  <a:schemeClr val="accent1"/>
+                </a:solidFill>
+              </a:defRPr>
+            </a:lvl1pPr>
+            <a:lvl2pPr marL="457200" indent="0">
+              <a:buNone/>
+              <a:defRPr sz="2000" b="1"/>
+            </a:lvl2pPr>
+            <a:lvl3pPr marL="914400" indent="0">
+              <a:buNone/>
+              <a:defRPr sz="1800" b="1"/>
+            </a:lvl3pPr>
+            <a:lvl4pPr marL="1371600" indent="0">
+              <a:buNone/>
+              <a:defRPr sz="1600" b="1"/>
+            </a:lvl4pPr>
+            <a:lvl5pPr marL="1828800" indent="0">
+              <a:buNone/>
+              <a:defRPr sz="1600" b="1"/>
+            </a:lvl5pPr>
+            <a:lvl6pPr marL="2286000" indent="0">
+              <a:buNone/>
+              <a:defRPr sz="1600" b="1"/>
+            </a:lvl6pPr>
+            <a:lvl7pPr marL="2743200" indent="0">
+              <a:buNone/>
+              <a:defRPr sz="1600" b="1"/>
+            </a:lvl7pPr>
+            <a:lvl8pPr marL="3200400" indent="0">
+              <a:buNone/>
+              <a:defRPr sz="1600" b="1"/>
+            </a:lvl8pPr>
+            <a:lvl9pPr marL="3657600" indent="0">
+              <a:buNone/>
+              <a:defRPr sz="1600" b="1"/>
+            </a:lvl9pPr>
+          </a:lstStyle>
+          <a:p>
+            <a:pPr lvl="0"/>
+            <a:r>
+              <a:rPr lang="de-DE"/>
+              <a:t>Mastertextformat bearbeiten</a:t>
+            </a:r>
+          </a:p>
+        </p:txBody>
+      </p:sp>
+      <p:sp>
+        <p:nvSpPr>
+          <p:cNvPr id="31" name="Picture Placeholder 2"/>
+          <p:cNvSpPr>
+            <a:spLocks noGrp="1" noChangeAspect="1"/>
+          </p:cNvSpPr>
+          <p:nvPr>
+            <p:ph type="pic" idx="22"/>
+          </p:nvPr>
+        </p:nvSpPr>
+        <p:spPr>
+          <a:xfrm>
+            <a:off x="7124699" y="2209800"/>
+            <a:ext cx="2932113" cy="1524000"/>
+          </a:xfrm>
+          <a:prstGeom prst="roundRect">
+            <a:avLst>
+              <a:gd name="adj" fmla="val 1858"/>
+            </a:avLst>
+          </a:prstGeom>
+          <a:effectLst>
+            <a:outerShdw blurRad="50800" dist="50800" dir="5400000" algn="tl" rotWithShape="0">
+              <a:srgbClr val="000000">
+                <a:alpha val="43000"/>
+              </a:srgbClr>
+            </a:outerShdw>
+          </a:effectLst>
+        </p:spPr>
+        <p:txBody>
+          <a:bodyPr anchor="t">
+            <a:normAutofit/>
+          </a:bodyPr>
+          <a:lstStyle>
+            <a:lvl1pPr marL="0" indent="0" algn="ctr">
+              <a:buNone/>
+              <a:defRPr sz="1600"/>
+            </a:lvl1pPr>
+            <a:lvl2pPr marL="457200" indent="0">
+              <a:buNone/>
+              <a:defRPr sz="1600"/>
+            </a:lvl2pPr>
+            <a:lvl3pPr marL="914400" indent="0">
+              <a:buNone/>
+              <a:defRPr sz="1600"/>
+            </a:lvl3pPr>
+            <a:lvl4pPr marL="1371600" indent="0">
+              <a:buNone/>
+              <a:defRPr sz="1600"/>
+            </a:lvl4pPr>
+            <a:lvl5pPr marL="1828800" indent="0">
+              <a:buNone/>
+              <a:defRPr sz="1600"/>
+            </a:lvl5pPr>
+            <a:lvl6pPr marL="2286000" indent="0">
+              <a:buNone/>
+              <a:defRPr sz="1600"/>
+            </a:lvl6pPr>
+            <a:lvl7pPr marL="2743200" indent="0">
+              <a:buNone/>
+              <a:defRPr sz="1600"/>
+            </a:lvl7pPr>
+            <a:lvl8pPr marL="3200400" indent="0">
+              <a:buNone/>
+              <a:defRPr sz="1600"/>
+            </a:lvl8pPr>
+            <a:lvl9pPr marL="3657600" indent="0">
+              <a:buNone/>
+              <a:defRPr sz="1600"/>
+            </a:lvl9pPr>
+          </a:lstStyle>
+          <a:p>
+            <a:r>
+              <a:rPr lang="de-DE"/>
+              <a:t>Bild durch Klicken auf Symbol hinzufügen</a:t>
+            </a:r>
+            <a:endParaRPr lang="en-US" dirty="0"/>
+          </a:p>
+        </p:txBody>
+      </p:sp>
+      <p:sp>
+        <p:nvSpPr>
+          <p:cNvPr id="24" name="Text Placeholder 3"/>
+          <p:cNvSpPr>
+            <a:spLocks noGrp="1"/>
+          </p:cNvSpPr>
+          <p:nvPr>
+            <p:ph type="body" sz="half" idx="20"/>
+          </p:nvPr>
+        </p:nvSpPr>
+        <p:spPr>
+          <a:xfrm>
+            <a:off x="7124575" y="4827208"/>
+            <a:ext cx="2935997" cy="659189"/>
+          </a:xfrm>
+        </p:spPr>
+        <p:txBody>
+          <a:bodyPr anchor="t">
+            <a:normAutofit/>
+          </a:bodyPr>
+          <a:lstStyle>
+            <a:lvl1pPr marL="0" indent="0">
+              <a:buNone/>
+              <a:defRPr sz="1400"/>
+            </a:lvl1pPr>
+            <a:lvl2pPr marL="457200" indent="0">
+              <a:buNone/>
+              <a:defRPr sz="1200"/>
+            </a:lvl2pPr>
+            <a:lvl3pPr marL="914400" indent="0">
+              <a:buNone/>
+              <a:defRPr sz="1000"/>
+            </a:lvl3pPr>
+            <a:lvl4pPr marL="1371600" indent="0">
+              <a:buNone/>
+              <a:defRPr sz="900"/>
+            </a:lvl4pPr>
+            <a:lvl5pPr marL="1828800" indent="0">
+              <a:buNone/>
+              <a:defRPr sz="900"/>
+            </a:lvl5pPr>
+            <a:lvl6pPr marL="2286000" indent="0">
+              <a:buNone/>
+              <a:defRPr sz="900"/>
+            </a:lvl6pPr>
+            <a:lvl7pPr marL="2743200" indent="0">
+              <a:buNone/>
+              <a:defRPr sz="900"/>
+            </a:lvl7pPr>
+            <a:lvl8pPr marL="3200400" indent="0">
+              <a:buNone/>
+              <a:defRPr sz="900"/>
+            </a:lvl8pPr>
+            <a:lvl9pPr marL="3657600" indent="0">
+              <a:buNone/>
+              <a:defRPr sz="900"/>
+            </a:lvl9pPr>
+          </a:lstStyle>
+          <a:p>
+            <a:pPr lvl="0"/>
+            <a:r>
+              <a:rPr lang="de-DE"/>
+              <a:t>Mastertextformat bearbeiten</a:t>
+            </a:r>
+          </a:p>
+        </p:txBody>
+      </p:sp>
+      <p:cxnSp>
+        <p:nvCxnSpPr>
+          <p:cNvPr id="17" name="Straight Connector 16"/>
+          <p:cNvCxnSpPr/>
+          <p:nvPr/>
+        </p:nvCxnSpPr>
+        <p:spPr>
+          <a:xfrm>
+            <a:off x="3726142" y="2133600"/>
+            <a:ext cx="0" cy="3962400"/>
+          </a:xfrm>
+          <a:prstGeom prst="line">
+            <a:avLst/>
+          </a:prstGeom>
+          <a:ln w="12700" cmpd="sng">
+            <a:solidFill>
+              <a:schemeClr val="accent1">
+                <a:alpha val="40000"/>
+              </a:schemeClr>
+            </a:solidFill>
+          </a:ln>
+        </p:spPr>
+        <p:style>
+          <a:lnRef idx="2">
+            <a:schemeClr val="accent1"/>
+          </a:lnRef>
+          <a:fillRef idx="0">
+            <a:schemeClr val="accent1"/>
+          </a:fillRef>
+          <a:effectRef idx="1">
+            <a:schemeClr val="accent1"/>
+          </a:effectRef>
+          <a:fontRef idx="minor">
+            <a:schemeClr val="tx1"/>
+          </a:fontRef>
+        </p:style>
+      </p:cxnSp>
+      <p:cxnSp>
+        <p:nvCxnSpPr>
+          <p:cNvPr id="18" name="Straight Connector 17"/>
+          <p:cNvCxnSpPr/>
+          <p:nvPr/>
+        </p:nvCxnSpPr>
+        <p:spPr>
+          <a:xfrm>
+            <a:off x="6962227" y="2133600"/>
+            <a:ext cx="0" cy="3966882"/>
+          </a:xfrm>
+          <a:prstGeom prst="line">
+            <a:avLst/>
+          </a:prstGeom>
+          <a:ln w="12700" cmpd="sng">
+            <a:solidFill>
+              <a:schemeClr val="accent1">
+                <a:alpha val="40000"/>
+              </a:schemeClr>
+            </a:solidFill>
+          </a:ln>
+        </p:spPr>
+        <p:style>
+          <a:lnRef idx="2">
+            <a:schemeClr val="accent1"/>
+          </a:lnRef>
+          <a:fillRef idx="0">
+            <a:schemeClr val="accent1"/>
+          </a:fillRef>
+          <a:effectRef idx="1">
+            <a:schemeClr val="accent1"/>
+          </a:effectRef>
+          <a:fontRef idx="minor">
+            <a:schemeClr val="tx1"/>
+          </a:fontRef>
+        </p:style>
+      </p:cxnSp>
+      <p:sp>
+        <p:nvSpPr>
+          <p:cNvPr id="7" name="Date Placeholder 3"/>
+          <p:cNvSpPr>
+            <a:spLocks noGrp="1"/>
+          </p:cNvSpPr>
+          <p:nvPr>
+            <p:ph type="dt" sz="half" idx="10"/>
+          </p:nvPr>
+        </p:nvSpPr>
+        <p:spPr/>
+        <p:txBody>
+          <a:bodyPr/>
+          <a:lstStyle/>
+          <a:p>
+            <a:fld id="{0520FE58-B2A7-4B29-A68D-A4F9CD003A4B}" type="datetimeFigureOut">
+              <a:rPr lang="de-CH" smtClean="0"/>
+              <a:t>29.03.2018</a:t>
+            </a:fld>
+            <a:endParaRPr lang="de-CH"/>
+          </a:p>
+        </p:txBody>
+      </p:sp>
+      <p:sp>
+        <p:nvSpPr>
+          <p:cNvPr id="4" name="Footer Placeholder 4"/>
+          <p:cNvSpPr>
+            <a:spLocks noGrp="1"/>
+          </p:cNvSpPr>
+          <p:nvPr>
+            <p:ph type="ftr" sz="quarter" idx="11"/>
+          </p:nvPr>
+        </p:nvSpPr>
+        <p:spPr/>
+        <p:txBody>
+          <a:bodyPr/>
+          <a:lstStyle/>
+          <a:p>
+            <a:endParaRPr lang="de-CH"/>
+          </a:p>
+        </p:txBody>
+      </p:sp>
+      <p:sp>
+        <p:nvSpPr>
+          <p:cNvPr id="6" name="Slide Number Placeholder 5"/>
+          <p:cNvSpPr>
+            <a:spLocks noGrp="1"/>
+          </p:cNvSpPr>
+          <p:nvPr>
+            <p:ph type="sldNum" sz="quarter" idx="12"/>
+          </p:nvPr>
+        </p:nvSpPr>
+        <p:spPr/>
+        <p:txBody>
+          <a:bodyPr/>
+          <a:lstStyle/>
+          <a:p>
+            <a:fld id="{2EC790A5-A061-4B31-AF6D-AC0DEB490C20}" type="slidenum">
+              <a:rPr lang="de-CH" smtClean="0"/>
+              <a:t>‹Nr.›</a:t>
+            </a:fld>
+            <a:endParaRPr lang="de-CH"/>
+          </a:p>
+        </p:txBody>
+      </p:sp>
+    </p:spTree>
+    <p:extLst>
+      <p:ext uri="{BB962C8B-B14F-4D97-AF65-F5344CB8AC3E}">
+        <p14:creationId xmlns:p14="http://schemas.microsoft.com/office/powerpoint/2010/main" val="2031845724"/>
+      </p:ext>
+    </p:extLst>
+  </p:cSld>
+  <p:clrMapOvr>
+    <a:masterClrMapping/>
+  </p:clrMapOvr>
+</p:sldLayout>
+</file>
+
+<file path=ppt/slideLayouts/slideLayout16.xml><?xml version="1.0" encoding="utf-8"?>
 <p:sldLayout xmlns:a="http://schemas.openxmlformats.org/drawingml/2006/main" xmlns:r="http://schemas.openxmlformats.org/officeDocument/2006/relationships" xmlns:p="http://schemas.openxmlformats.org/presentationml/2006/main" type="vertTx" preserve="1">
   <p:cSld name="Titel und vertikaler Text">
     <p:spTree>
@@ -358,13 +2925,7 @@
       </p:grpSpPr>
       <p:sp>
         <p:nvSpPr>
-          <p:cNvPr id="2" name="Titel 1">
-            <a:extLst>
-              <a:ext uri="{FF2B5EF4-FFF2-40B4-BE49-F238E27FC236}">
-                <a16:creationId xmlns:a16="http://schemas.microsoft.com/office/drawing/2014/main" id="{E2C0E135-19AD-4B7F-9CB8-BC3DB0602538}"/>
-              </a:ext>
-            </a:extLst>
-          </p:cNvPr>
+          <p:cNvPr id="2" name="Title 1"/>
           <p:cNvSpPr>
             <a:spLocks noGrp="1"/>
           </p:cNvSpPr>
@@ -381,19 +2942,13 @@
               <a:rPr lang="de-DE"/>
               <a:t>Mastertitelformat bearbeiten</a:t>
             </a:r>
-            <a:endParaRPr lang="de-CH"/>
-          </a:p>
-        </p:txBody>
-      </p:sp>
-      <p:sp>
-        <p:nvSpPr>
-          <p:cNvPr id="3" name="Vertikaler Textplatzhalter 2">
-            <a:extLst>
-              <a:ext uri="{FF2B5EF4-FFF2-40B4-BE49-F238E27FC236}">
-                <a16:creationId xmlns:a16="http://schemas.microsoft.com/office/drawing/2014/main" id="{8A7B1000-93B7-4A44-80C6-9C74AE36AF34}"/>
-              </a:ext>
-            </a:extLst>
-          </p:cNvPr>
+            <a:endParaRPr lang="en-US" dirty="0"/>
+          </a:p>
+        </p:txBody>
+      </p:sp>
+      <p:sp>
+        <p:nvSpPr>
+          <p:cNvPr id="3" name="Vertical Text Placeholder 2"/>
           <p:cNvSpPr>
             <a:spLocks noGrp="1"/>
           </p:cNvSpPr>
@@ -403,7 +2958,7 @@
         </p:nvSpPr>
         <p:spPr/>
         <p:txBody>
-          <a:bodyPr vert="eaVert"/>
+          <a:bodyPr vert="eaVert" anchor="t" anchorCtr="0"/>
           <a:lstStyle/>
           <a:p>
             <a:pPr lvl="0"/>
@@ -439,19 +2994,13 @@
               <a:rPr lang="de-DE"/>
               <a:t>Fünfte Ebene</a:t>
             </a:r>
-            <a:endParaRPr lang="de-CH"/>
-          </a:p>
-        </p:txBody>
-      </p:sp>
-      <p:sp>
-        <p:nvSpPr>
-          <p:cNvPr id="4" name="Datumsplatzhalter 3">
-            <a:extLst>
-              <a:ext uri="{FF2B5EF4-FFF2-40B4-BE49-F238E27FC236}">
-                <a16:creationId xmlns:a16="http://schemas.microsoft.com/office/drawing/2014/main" id="{5C584BE2-22A8-4C76-936C-039280FCFC86}"/>
-              </a:ext>
-            </a:extLst>
-          </p:cNvPr>
+            <a:endParaRPr lang="en-US" dirty="0"/>
+          </a:p>
+        </p:txBody>
+      </p:sp>
+      <p:sp>
+        <p:nvSpPr>
+          <p:cNvPr id="4" name="Date Placeholder 3"/>
           <p:cNvSpPr>
             <a:spLocks noGrp="1"/>
           </p:cNvSpPr>
@@ -474,13 +3023,7 @@
       </p:sp>
       <p:sp>
         <p:nvSpPr>
-          <p:cNvPr id="5" name="Fußzeilenplatzhalter 4">
-            <a:extLst>
-              <a:ext uri="{FF2B5EF4-FFF2-40B4-BE49-F238E27FC236}">
-                <a16:creationId xmlns:a16="http://schemas.microsoft.com/office/drawing/2014/main" id="{298A6568-C42C-408C-BE08-817421FF3526}"/>
-              </a:ext>
-            </a:extLst>
-          </p:cNvPr>
+          <p:cNvPr id="5" name="Footer Placeholder 4"/>
           <p:cNvSpPr>
             <a:spLocks noGrp="1"/>
           </p:cNvSpPr>
@@ -499,13 +3042,7 @@
       </p:sp>
       <p:sp>
         <p:nvSpPr>
-          <p:cNvPr id="6" name="Foliennummernplatzhalter 5">
-            <a:extLst>
-              <a:ext uri="{FF2B5EF4-FFF2-40B4-BE49-F238E27FC236}">
-                <a16:creationId xmlns:a16="http://schemas.microsoft.com/office/drawing/2014/main" id="{439ABA91-AC6F-4B72-AAAB-2E566FA7407B}"/>
-              </a:ext>
-            </a:extLst>
-          </p:cNvPr>
+          <p:cNvPr id="6" name="Slide Number Placeholder 5"/>
           <p:cNvSpPr>
             <a:spLocks noGrp="1"/>
           </p:cNvSpPr>
@@ -520,7 +3057,7 @@
           <a:p>
             <a:fld id="{2EC790A5-A061-4B31-AF6D-AC0DEB490C20}" type="slidenum">
               <a:rPr lang="de-CH" smtClean="0"/>
-              <a:t>‹#›</a:t>
+              <a:t>‹Nr.›</a:t>
             </a:fld>
             <a:endParaRPr lang="de-CH"/>
           </a:p>
@@ -529,7 +3066,7 @@
     </p:spTree>
     <p:extLst>
       <p:ext uri="{BB962C8B-B14F-4D97-AF65-F5344CB8AC3E}">
-        <p14:creationId xmlns:p14="http://schemas.microsoft.com/office/powerpoint/2010/main" val="2063988797"/>
+        <p14:creationId xmlns:p14="http://schemas.microsoft.com/office/powerpoint/2010/main" val="1797671043"/>
       </p:ext>
     </p:extLst>
   </p:cSld>
@@ -539,7 +3076,7 @@
 </p:sldLayout>
 </file>
 
-<file path=ppt/slideLayouts/slideLayout11.xml><?xml version="1.0" encoding="utf-8"?>
+<file path=ppt/slideLayouts/slideLayout17.xml><?xml version="1.0" encoding="utf-8"?>
 <p:sldLayout xmlns:a="http://schemas.openxmlformats.org/drawingml/2006/main" xmlns:r="http://schemas.openxmlformats.org/officeDocument/2006/relationships" xmlns:p="http://schemas.openxmlformats.org/presentationml/2006/main" type="vertTitleAndTx" preserve="1">
   <p:cSld name="Vertikaler Titel und Text">
     <p:spTree>
@@ -558,13 +3095,7 @@
       </p:grpSpPr>
       <p:sp>
         <p:nvSpPr>
-          <p:cNvPr id="2" name="Vertikaler Titel 1">
-            <a:extLst>
-              <a:ext uri="{FF2B5EF4-FFF2-40B4-BE49-F238E27FC236}">
-                <a16:creationId xmlns:a16="http://schemas.microsoft.com/office/drawing/2014/main" id="{BEBF3B2A-66F3-4B26-AD34-8EA4C7DACFBD}"/>
-              </a:ext>
-            </a:extLst>
-          </p:cNvPr>
+          <p:cNvPr id="2" name="Vertical Title 1"/>
           <p:cNvSpPr>
             <a:spLocks noGrp="1"/>
           </p:cNvSpPr>
@@ -574,31 +3105,25 @@
         </p:nvSpPr>
         <p:spPr>
           <a:xfrm>
-            <a:off x="8724900" y="365125"/>
-            <a:ext cx="2628900" cy="5811838"/>
+            <a:off x="8304212" y="430213"/>
+            <a:ext cx="1752601" cy="5826125"/>
           </a:xfrm>
         </p:spPr>
         <p:txBody>
-          <a:bodyPr vert="eaVert"/>
+          <a:bodyPr vert="eaVert" anchor="b" anchorCtr="0"/>
           <a:lstStyle/>
           <a:p>
             <a:r>
               <a:rPr lang="de-DE"/>
               <a:t>Mastertitelformat bearbeiten</a:t>
             </a:r>
-            <a:endParaRPr lang="de-CH"/>
-          </a:p>
-        </p:txBody>
-      </p:sp>
-      <p:sp>
-        <p:nvSpPr>
-          <p:cNvPr id="3" name="Vertikaler Textplatzhalter 2">
-            <a:extLst>
-              <a:ext uri="{FF2B5EF4-FFF2-40B4-BE49-F238E27FC236}">
-                <a16:creationId xmlns:a16="http://schemas.microsoft.com/office/drawing/2014/main" id="{9C3BF49A-1B22-4CC4-9930-DB06D3B54492}"/>
-              </a:ext>
-            </a:extLst>
-          </p:cNvPr>
+            <a:endParaRPr lang="en-US" dirty="0"/>
+          </a:p>
+        </p:txBody>
+      </p:sp>
+      <p:sp>
+        <p:nvSpPr>
+          <p:cNvPr id="3" name="Vertical Text Placeholder 2"/>
           <p:cNvSpPr>
             <a:spLocks noGrp="1"/>
           </p:cNvSpPr>
@@ -608,8 +3133,8 @@
         </p:nvSpPr>
         <p:spPr>
           <a:xfrm>
-            <a:off x="838200" y="365125"/>
-            <a:ext cx="7734300" cy="5811838"/>
+            <a:off x="652463" y="887414"/>
+            <a:ext cx="7423149" cy="5368924"/>
           </a:xfrm>
         </p:spPr>
         <p:txBody>
@@ -649,19 +3174,13 @@
               <a:rPr lang="de-DE"/>
               <a:t>Fünfte Ebene</a:t>
             </a:r>
-            <a:endParaRPr lang="de-CH"/>
-          </a:p>
-        </p:txBody>
-      </p:sp>
-      <p:sp>
-        <p:nvSpPr>
-          <p:cNvPr id="4" name="Datumsplatzhalter 3">
-            <a:extLst>
-              <a:ext uri="{FF2B5EF4-FFF2-40B4-BE49-F238E27FC236}">
-                <a16:creationId xmlns:a16="http://schemas.microsoft.com/office/drawing/2014/main" id="{404B092E-9554-4EA7-B7FA-BF89D2665BF7}"/>
-              </a:ext>
-            </a:extLst>
-          </p:cNvPr>
+            <a:endParaRPr lang="en-US" dirty="0"/>
+          </a:p>
+        </p:txBody>
+      </p:sp>
+      <p:sp>
+        <p:nvSpPr>
+          <p:cNvPr id="4" name="Date Placeholder 3"/>
           <p:cNvSpPr>
             <a:spLocks noGrp="1"/>
           </p:cNvSpPr>
@@ -684,13 +3203,7 @@
       </p:sp>
       <p:sp>
         <p:nvSpPr>
-          <p:cNvPr id="5" name="Fußzeilenplatzhalter 4">
-            <a:extLst>
-              <a:ext uri="{FF2B5EF4-FFF2-40B4-BE49-F238E27FC236}">
-                <a16:creationId xmlns:a16="http://schemas.microsoft.com/office/drawing/2014/main" id="{069F201A-6EF6-4D4E-8E37-1B143FA6F576}"/>
-              </a:ext>
-            </a:extLst>
-          </p:cNvPr>
+          <p:cNvPr id="5" name="Footer Placeholder 4"/>
           <p:cNvSpPr>
             <a:spLocks noGrp="1"/>
           </p:cNvSpPr>
@@ -709,13 +3222,7 @@
       </p:sp>
       <p:sp>
         <p:nvSpPr>
-          <p:cNvPr id="6" name="Foliennummernplatzhalter 5">
-            <a:extLst>
-              <a:ext uri="{FF2B5EF4-FFF2-40B4-BE49-F238E27FC236}">
-                <a16:creationId xmlns:a16="http://schemas.microsoft.com/office/drawing/2014/main" id="{97AECB8E-761F-4BAB-8A20-5BAD4B3542D2}"/>
-              </a:ext>
-            </a:extLst>
-          </p:cNvPr>
+          <p:cNvPr id="6" name="Slide Number Placeholder 5"/>
           <p:cNvSpPr>
             <a:spLocks noGrp="1"/>
           </p:cNvSpPr>
@@ -730,7 +3237,7 @@
           <a:p>
             <a:fld id="{2EC790A5-A061-4B31-AF6D-AC0DEB490C20}" type="slidenum">
               <a:rPr lang="de-CH" smtClean="0"/>
-              <a:t>‹#›</a:t>
+              <a:t>‹Nr.›</a:t>
             </a:fld>
             <a:endParaRPr lang="de-CH"/>
           </a:p>
@@ -739,7 +3246,7 @@
     </p:spTree>
     <p:extLst>
       <p:ext uri="{BB962C8B-B14F-4D97-AF65-F5344CB8AC3E}">
-        <p14:creationId xmlns:p14="http://schemas.microsoft.com/office/powerpoint/2010/main" val="4021799232"/>
+        <p14:creationId xmlns:p14="http://schemas.microsoft.com/office/powerpoint/2010/main" val="306007168"/>
       </p:ext>
     </p:extLst>
   </p:cSld>
@@ -768,13 +3275,7 @@
       </p:grpSpPr>
       <p:sp>
         <p:nvSpPr>
-          <p:cNvPr id="2" name="Titel 1">
-            <a:extLst>
-              <a:ext uri="{FF2B5EF4-FFF2-40B4-BE49-F238E27FC236}">
-                <a16:creationId xmlns:a16="http://schemas.microsoft.com/office/drawing/2014/main" id="{D322A03D-21F2-45A5-924D-DE48D9254CFE}"/>
-              </a:ext>
-            </a:extLst>
-          </p:cNvPr>
+          <p:cNvPr id="2" name="Title 1"/>
           <p:cNvSpPr>
             <a:spLocks noGrp="1"/>
           </p:cNvSpPr>
@@ -791,19 +3292,13 @@
               <a:rPr lang="de-DE"/>
               <a:t>Mastertitelformat bearbeiten</a:t>
             </a:r>
-            <a:endParaRPr lang="de-CH"/>
-          </a:p>
-        </p:txBody>
-      </p:sp>
-      <p:sp>
-        <p:nvSpPr>
-          <p:cNvPr id="3" name="Inhaltsplatzhalter 2">
-            <a:extLst>
-              <a:ext uri="{FF2B5EF4-FFF2-40B4-BE49-F238E27FC236}">
-                <a16:creationId xmlns:a16="http://schemas.microsoft.com/office/drawing/2014/main" id="{0A20D3D4-67A0-4D9F-8072-F92464D3CDE2}"/>
-              </a:ext>
-            </a:extLst>
-          </p:cNvPr>
+            <a:endParaRPr lang="en-US" dirty="0"/>
+          </a:p>
+        </p:txBody>
+      </p:sp>
+      <p:sp>
+        <p:nvSpPr>
+          <p:cNvPr id="3" name="Content Placeholder 2"/>
           <p:cNvSpPr>
             <a:spLocks noGrp="1"/>
           </p:cNvSpPr>
@@ -849,19 +3344,13 @@
               <a:rPr lang="de-DE"/>
               <a:t>Fünfte Ebene</a:t>
             </a:r>
-            <a:endParaRPr lang="de-CH"/>
-          </a:p>
-        </p:txBody>
-      </p:sp>
-      <p:sp>
-        <p:nvSpPr>
-          <p:cNvPr id="4" name="Datumsplatzhalter 3">
-            <a:extLst>
-              <a:ext uri="{FF2B5EF4-FFF2-40B4-BE49-F238E27FC236}">
-                <a16:creationId xmlns:a16="http://schemas.microsoft.com/office/drawing/2014/main" id="{C5F07B5C-275E-44AC-8045-6714C894D095}"/>
-              </a:ext>
-            </a:extLst>
-          </p:cNvPr>
+            <a:endParaRPr lang="en-US" dirty="0"/>
+          </a:p>
+        </p:txBody>
+      </p:sp>
+      <p:sp>
+        <p:nvSpPr>
+          <p:cNvPr id="4" name="Date Placeholder 3"/>
           <p:cNvSpPr>
             <a:spLocks noGrp="1"/>
           </p:cNvSpPr>
@@ -884,13 +3373,7 @@
       </p:sp>
       <p:sp>
         <p:nvSpPr>
-          <p:cNvPr id="5" name="Fußzeilenplatzhalter 4">
-            <a:extLst>
-              <a:ext uri="{FF2B5EF4-FFF2-40B4-BE49-F238E27FC236}">
-                <a16:creationId xmlns:a16="http://schemas.microsoft.com/office/drawing/2014/main" id="{456F545A-2AD9-47DF-BE95-382086FE8BE3}"/>
-              </a:ext>
-            </a:extLst>
-          </p:cNvPr>
+          <p:cNvPr id="5" name="Footer Placeholder 4"/>
           <p:cNvSpPr>
             <a:spLocks noGrp="1"/>
           </p:cNvSpPr>
@@ -909,13 +3392,7 @@
       </p:sp>
       <p:sp>
         <p:nvSpPr>
-          <p:cNvPr id="6" name="Foliennummernplatzhalter 5">
-            <a:extLst>
-              <a:ext uri="{FF2B5EF4-FFF2-40B4-BE49-F238E27FC236}">
-                <a16:creationId xmlns:a16="http://schemas.microsoft.com/office/drawing/2014/main" id="{D43BAD45-34D0-49FE-91FF-75046CDBC615}"/>
-              </a:ext>
-            </a:extLst>
-          </p:cNvPr>
+          <p:cNvPr id="6" name="Slide Number Placeholder 5"/>
           <p:cNvSpPr>
             <a:spLocks noGrp="1"/>
           </p:cNvSpPr>
@@ -930,7 +3407,7 @@
           <a:p>
             <a:fld id="{2EC790A5-A061-4B31-AF6D-AC0DEB490C20}" type="slidenum">
               <a:rPr lang="de-CH" smtClean="0"/>
-              <a:t>‹#›</a:t>
+              <a:t>‹Nr.›</a:t>
             </a:fld>
             <a:endParaRPr lang="de-CH"/>
           </a:p>
@@ -939,7 +3416,7 @@
     </p:spTree>
     <p:extLst>
       <p:ext uri="{BB962C8B-B14F-4D97-AF65-F5344CB8AC3E}">
-        <p14:creationId xmlns:p14="http://schemas.microsoft.com/office/powerpoint/2010/main" val="335081350"/>
+        <p14:creationId xmlns:p14="http://schemas.microsoft.com/office/powerpoint/2010/main" val="3097325381"/>
       </p:ext>
     </p:extLst>
   </p:cSld>
@@ -968,13 +3445,7 @@
       </p:grpSpPr>
       <p:sp>
         <p:nvSpPr>
-          <p:cNvPr id="2" name="Titel 1">
-            <a:extLst>
-              <a:ext uri="{FF2B5EF4-FFF2-40B4-BE49-F238E27FC236}">
-                <a16:creationId xmlns:a16="http://schemas.microsoft.com/office/drawing/2014/main" id="{2DCF4E4B-6DE8-4FB8-A3AF-C78915D4CF3E}"/>
-              </a:ext>
-            </a:extLst>
-          </p:cNvPr>
+          <p:cNvPr id="2" name="Title 1"/>
           <p:cNvSpPr>
             <a:spLocks noGrp="1"/>
           </p:cNvSpPr>
@@ -984,15 +3455,15 @@
         </p:nvSpPr>
         <p:spPr>
           <a:xfrm>
-            <a:off x="831850" y="1709738"/>
-            <a:ext cx="10515600" cy="2852737"/>
+            <a:off x="1154956" y="2861733"/>
+            <a:ext cx="8825657" cy="1915647"/>
           </a:xfrm>
         </p:spPr>
         <p:txBody>
           <a:bodyPr anchor="b"/>
           <a:lstStyle>
-            <a:lvl1pPr>
-              <a:defRPr sz="6000"/>
+            <a:lvl1pPr algn="l">
+              <a:defRPr sz="4000" b="0" cap="none"/>
             </a:lvl1pPr>
           </a:lstStyle>
           <a:p>
@@ -1000,19 +3471,13 @@
               <a:rPr lang="de-DE"/>
               <a:t>Mastertitelformat bearbeiten</a:t>
             </a:r>
-            <a:endParaRPr lang="de-CH"/>
-          </a:p>
-        </p:txBody>
-      </p:sp>
-      <p:sp>
-        <p:nvSpPr>
-          <p:cNvPr id="3" name="Textplatzhalter 2">
-            <a:extLst>
-              <a:ext uri="{FF2B5EF4-FFF2-40B4-BE49-F238E27FC236}">
-                <a16:creationId xmlns:a16="http://schemas.microsoft.com/office/drawing/2014/main" id="{9E391C45-9469-4D90-9EB6-402DCCA43795}"/>
-              </a:ext>
-            </a:extLst>
-          </p:cNvPr>
+            <a:endParaRPr lang="en-US" dirty="0"/>
+          </a:p>
+        </p:txBody>
+      </p:sp>
+      <p:sp>
+        <p:nvSpPr>
+          <p:cNvPr id="3" name="Text Placeholder 2"/>
           <p:cNvSpPr>
             <a:spLocks noGrp="1"/>
           </p:cNvSpPr>
@@ -1022,26 +3487,27 @@
         </p:nvSpPr>
         <p:spPr>
           <a:xfrm>
-            <a:off x="831850" y="4589463"/>
-            <a:ext cx="10515600" cy="1500187"/>
+            <a:off x="1154955" y="4777381"/>
+            <a:ext cx="8825658" cy="860400"/>
           </a:xfrm>
         </p:spPr>
         <p:txBody>
-          <a:bodyPr/>
+          <a:bodyPr anchor="t"/>
           <a:lstStyle>
-            <a:lvl1pPr marL="0" indent="0">
-              <a:buNone/>
-              <a:defRPr sz="2400">
+            <a:lvl1pPr marL="0" indent="0" algn="l">
+              <a:buNone/>
+              <a:defRPr sz="2000" cap="all">
                 <a:solidFill>
-                  <a:schemeClr val="tx1">
-                    <a:tint val="75000"/>
+                  <a:schemeClr val="accent1">
+                    <a:lumMod val="60000"/>
+                    <a:lumOff val="40000"/>
                   </a:schemeClr>
                 </a:solidFill>
               </a:defRPr>
             </a:lvl1pPr>
             <a:lvl2pPr marL="457200" indent="0">
               <a:buNone/>
-              <a:defRPr sz="2000">
+              <a:defRPr sz="1800">
                 <a:solidFill>
                   <a:schemeClr val="tx1">
                     <a:tint val="75000"/>
@@ -1051,7 +3517,7 @@
             </a:lvl2pPr>
             <a:lvl3pPr marL="914400" indent="0">
               <a:buNone/>
-              <a:defRPr sz="1800">
+              <a:defRPr sz="1600">
                 <a:solidFill>
                   <a:schemeClr val="tx1">
                     <a:tint val="75000"/>
@@ -1061,7 +3527,7 @@
             </a:lvl3pPr>
             <a:lvl4pPr marL="1371600" indent="0">
               <a:buNone/>
-              <a:defRPr sz="1600">
+              <a:defRPr sz="1400">
                 <a:solidFill>
                   <a:schemeClr val="tx1">
                     <a:tint val="75000"/>
@@ -1071,7 +3537,7 @@
             </a:lvl4pPr>
             <a:lvl5pPr marL="1828800" indent="0">
               <a:buNone/>
-              <a:defRPr sz="1600">
+              <a:defRPr sz="1400">
                 <a:solidFill>
                   <a:schemeClr val="tx1">
                     <a:tint val="75000"/>
@@ -1081,7 +3547,7 @@
             </a:lvl5pPr>
             <a:lvl6pPr marL="2286000" indent="0">
               <a:buNone/>
-              <a:defRPr sz="1600">
+              <a:defRPr sz="1400">
                 <a:solidFill>
                   <a:schemeClr val="tx1">
                     <a:tint val="75000"/>
@@ -1091,7 +3557,7 @@
             </a:lvl6pPr>
             <a:lvl7pPr marL="2743200" indent="0">
               <a:buNone/>
-              <a:defRPr sz="1600">
+              <a:defRPr sz="1400">
                 <a:solidFill>
                   <a:schemeClr val="tx1">
                     <a:tint val="75000"/>
@@ -1101,7 +3567,7 @@
             </a:lvl7pPr>
             <a:lvl8pPr marL="3200400" indent="0">
               <a:buNone/>
-              <a:defRPr sz="1600">
+              <a:defRPr sz="1400">
                 <a:solidFill>
                   <a:schemeClr val="tx1">
                     <a:tint val="75000"/>
@@ -1111,7 +3577,7 @@
             </a:lvl8pPr>
             <a:lvl9pPr marL="3657600" indent="0">
               <a:buNone/>
-              <a:defRPr sz="1600">
+              <a:defRPr sz="1400">
                 <a:solidFill>
                   <a:schemeClr val="tx1">
                     <a:tint val="75000"/>
@@ -1131,13 +3597,7 @@
       </p:sp>
       <p:sp>
         <p:nvSpPr>
-          <p:cNvPr id="4" name="Datumsplatzhalter 3">
-            <a:extLst>
-              <a:ext uri="{FF2B5EF4-FFF2-40B4-BE49-F238E27FC236}">
-                <a16:creationId xmlns:a16="http://schemas.microsoft.com/office/drawing/2014/main" id="{92B24A77-D9A6-4209-9D4E-19A5AAEC6026}"/>
-              </a:ext>
-            </a:extLst>
-          </p:cNvPr>
+          <p:cNvPr id="4" name="Date Placeholder 3"/>
           <p:cNvSpPr>
             <a:spLocks noGrp="1"/>
           </p:cNvSpPr>
@@ -1160,13 +3620,7 @@
       </p:sp>
       <p:sp>
         <p:nvSpPr>
-          <p:cNvPr id="5" name="Fußzeilenplatzhalter 4">
-            <a:extLst>
-              <a:ext uri="{FF2B5EF4-FFF2-40B4-BE49-F238E27FC236}">
-                <a16:creationId xmlns:a16="http://schemas.microsoft.com/office/drawing/2014/main" id="{4CFC5A6D-24D5-4A40-B923-F73FF98FB8B4}"/>
-              </a:ext>
-            </a:extLst>
-          </p:cNvPr>
+          <p:cNvPr id="5" name="Footer Placeholder 4"/>
           <p:cNvSpPr>
             <a:spLocks noGrp="1"/>
           </p:cNvSpPr>
@@ -1185,13 +3639,7 @@
       </p:sp>
       <p:sp>
         <p:nvSpPr>
-          <p:cNvPr id="6" name="Foliennummernplatzhalter 5">
-            <a:extLst>
-              <a:ext uri="{FF2B5EF4-FFF2-40B4-BE49-F238E27FC236}">
-                <a16:creationId xmlns:a16="http://schemas.microsoft.com/office/drawing/2014/main" id="{E073C7CB-62BE-476C-83EA-1D095008713E}"/>
-              </a:ext>
-            </a:extLst>
-          </p:cNvPr>
+          <p:cNvPr id="6" name="Slide Number Placeholder 5"/>
           <p:cNvSpPr>
             <a:spLocks noGrp="1"/>
           </p:cNvSpPr>
@@ -1206,7 +3654,7 @@
           <a:p>
             <a:fld id="{2EC790A5-A061-4B31-AF6D-AC0DEB490C20}" type="slidenum">
               <a:rPr lang="de-CH" smtClean="0"/>
-              <a:t>‹#›</a:t>
+              <a:t>‹Nr.›</a:t>
             </a:fld>
             <a:endParaRPr lang="de-CH"/>
           </a:p>
@@ -1215,7 +3663,7 @@
     </p:spTree>
     <p:extLst>
       <p:ext uri="{BB962C8B-B14F-4D97-AF65-F5344CB8AC3E}">
-        <p14:creationId xmlns:p14="http://schemas.microsoft.com/office/powerpoint/2010/main" val="176901416"/>
+        <p14:creationId xmlns:p14="http://schemas.microsoft.com/office/powerpoint/2010/main" val="1424728875"/>
       </p:ext>
     </p:extLst>
   </p:cSld>
@@ -1244,13 +3692,7 @@
       </p:grpSpPr>
       <p:sp>
         <p:nvSpPr>
-          <p:cNvPr id="2" name="Titel 1">
-            <a:extLst>
-              <a:ext uri="{FF2B5EF4-FFF2-40B4-BE49-F238E27FC236}">
-                <a16:creationId xmlns:a16="http://schemas.microsoft.com/office/drawing/2014/main" id="{5591D206-E05A-4CC3-808C-F629AF4538B3}"/>
-              </a:ext>
-            </a:extLst>
-          </p:cNvPr>
+          <p:cNvPr id="2" name="Title 1"/>
           <p:cNvSpPr>
             <a:spLocks noGrp="1"/>
           </p:cNvSpPr>
@@ -1267,19 +3709,13 @@
               <a:rPr lang="de-DE"/>
               <a:t>Mastertitelformat bearbeiten</a:t>
             </a:r>
-            <a:endParaRPr lang="de-CH"/>
-          </a:p>
-        </p:txBody>
-      </p:sp>
-      <p:sp>
-        <p:nvSpPr>
-          <p:cNvPr id="3" name="Inhaltsplatzhalter 2">
-            <a:extLst>
-              <a:ext uri="{FF2B5EF4-FFF2-40B4-BE49-F238E27FC236}">
-                <a16:creationId xmlns:a16="http://schemas.microsoft.com/office/drawing/2014/main" id="{07A649F8-AA8A-4848-8D66-D299DE90B2A9}"/>
-              </a:ext>
-            </a:extLst>
-          </p:cNvPr>
+            <a:endParaRPr lang="en-US" dirty="0"/>
+          </a:p>
+        </p:txBody>
+      </p:sp>
+      <p:sp>
+        <p:nvSpPr>
+          <p:cNvPr id="3" name="Content Placeholder 2"/>
           <p:cNvSpPr>
             <a:spLocks noGrp="1"/>
           </p:cNvSpPr>
@@ -1289,13 +3725,43 @@
         </p:nvSpPr>
         <p:spPr>
           <a:xfrm>
-            <a:off x="838200" y="1825625"/>
-            <a:ext cx="5181600" cy="4351338"/>
+            <a:off x="1103312" y="2060575"/>
+            <a:ext cx="4396339" cy="4195763"/>
           </a:xfrm>
         </p:spPr>
         <p:txBody>
-          <a:bodyPr/>
-          <a:lstStyle/>
+          <a:bodyPr>
+            <a:normAutofit/>
+          </a:bodyPr>
+          <a:lstStyle>
+            <a:lvl1pPr>
+              <a:defRPr sz="1800"/>
+            </a:lvl1pPr>
+            <a:lvl2pPr>
+              <a:defRPr sz="1600"/>
+            </a:lvl2pPr>
+            <a:lvl3pPr>
+              <a:defRPr sz="1400"/>
+            </a:lvl3pPr>
+            <a:lvl4pPr>
+              <a:defRPr sz="1200"/>
+            </a:lvl4pPr>
+            <a:lvl5pPr>
+              <a:defRPr sz="1200"/>
+            </a:lvl5pPr>
+            <a:lvl6pPr>
+              <a:defRPr sz="1200"/>
+            </a:lvl6pPr>
+            <a:lvl7pPr>
+              <a:defRPr sz="1200"/>
+            </a:lvl7pPr>
+            <a:lvl8pPr>
+              <a:defRPr sz="1200"/>
+            </a:lvl8pPr>
+            <a:lvl9pPr>
+              <a:defRPr sz="1200"/>
+            </a:lvl9pPr>
+          </a:lstStyle>
           <a:p>
             <a:pPr lvl="0"/>
             <a:r>
@@ -1330,19 +3796,13 @@
               <a:rPr lang="de-DE"/>
               <a:t>Fünfte Ebene</a:t>
             </a:r>
-            <a:endParaRPr lang="de-CH"/>
-          </a:p>
-        </p:txBody>
-      </p:sp>
-      <p:sp>
-        <p:nvSpPr>
-          <p:cNvPr id="4" name="Inhaltsplatzhalter 3">
-            <a:extLst>
-              <a:ext uri="{FF2B5EF4-FFF2-40B4-BE49-F238E27FC236}">
-                <a16:creationId xmlns:a16="http://schemas.microsoft.com/office/drawing/2014/main" id="{9F016CA8-FF53-43C5-BD88-21D0651477F4}"/>
-              </a:ext>
-            </a:extLst>
-          </p:cNvPr>
+            <a:endParaRPr lang="en-US" dirty="0"/>
+          </a:p>
+        </p:txBody>
+      </p:sp>
+      <p:sp>
+        <p:nvSpPr>
+          <p:cNvPr id="4" name="Content Placeholder 3"/>
           <p:cNvSpPr>
             <a:spLocks noGrp="1"/>
           </p:cNvSpPr>
@@ -1352,13 +3812,43 @@
         </p:nvSpPr>
         <p:spPr>
           <a:xfrm>
-            <a:off x="6172200" y="1825625"/>
-            <a:ext cx="5181600" cy="4351338"/>
+            <a:off x="5654493" y="2056092"/>
+            <a:ext cx="4396341" cy="4200245"/>
           </a:xfrm>
         </p:spPr>
         <p:txBody>
-          <a:bodyPr/>
-          <a:lstStyle/>
+          <a:bodyPr>
+            <a:normAutofit/>
+          </a:bodyPr>
+          <a:lstStyle>
+            <a:lvl1pPr>
+              <a:defRPr sz="1800"/>
+            </a:lvl1pPr>
+            <a:lvl2pPr>
+              <a:defRPr sz="1600"/>
+            </a:lvl2pPr>
+            <a:lvl3pPr>
+              <a:defRPr sz="1400"/>
+            </a:lvl3pPr>
+            <a:lvl4pPr>
+              <a:defRPr sz="1200"/>
+            </a:lvl4pPr>
+            <a:lvl5pPr>
+              <a:defRPr sz="1200"/>
+            </a:lvl5pPr>
+            <a:lvl6pPr>
+              <a:defRPr sz="1200"/>
+            </a:lvl6pPr>
+            <a:lvl7pPr>
+              <a:defRPr sz="1200"/>
+            </a:lvl7pPr>
+            <a:lvl8pPr>
+              <a:defRPr sz="1200"/>
+            </a:lvl8pPr>
+            <a:lvl9pPr>
+              <a:defRPr sz="1200"/>
+            </a:lvl9pPr>
+          </a:lstStyle>
           <a:p>
             <a:pPr lvl="0"/>
             <a:r>
@@ -1393,19 +3883,13 @@
               <a:rPr lang="de-DE"/>
               <a:t>Fünfte Ebene</a:t>
             </a:r>
-            <a:endParaRPr lang="de-CH"/>
-          </a:p>
-        </p:txBody>
-      </p:sp>
-      <p:sp>
-        <p:nvSpPr>
-          <p:cNvPr id="5" name="Datumsplatzhalter 4">
-            <a:extLst>
-              <a:ext uri="{FF2B5EF4-FFF2-40B4-BE49-F238E27FC236}">
-                <a16:creationId xmlns:a16="http://schemas.microsoft.com/office/drawing/2014/main" id="{9B5049F8-230B-44AD-9370-873A7C6BCF5F}"/>
-              </a:ext>
-            </a:extLst>
-          </p:cNvPr>
+            <a:endParaRPr lang="en-US" dirty="0"/>
+          </a:p>
+        </p:txBody>
+      </p:sp>
+      <p:sp>
+        <p:nvSpPr>
+          <p:cNvPr id="5" name="Date Placeholder 4"/>
           <p:cNvSpPr>
             <a:spLocks noGrp="1"/>
           </p:cNvSpPr>
@@ -1428,13 +3912,7 @@
       </p:sp>
       <p:sp>
         <p:nvSpPr>
-          <p:cNvPr id="6" name="Fußzeilenplatzhalter 5">
-            <a:extLst>
-              <a:ext uri="{FF2B5EF4-FFF2-40B4-BE49-F238E27FC236}">
-                <a16:creationId xmlns:a16="http://schemas.microsoft.com/office/drawing/2014/main" id="{48DFD242-ADA0-4FAB-8C9F-A6D7FD3C26CA}"/>
-              </a:ext>
-            </a:extLst>
-          </p:cNvPr>
+          <p:cNvPr id="6" name="Footer Placeholder 5"/>
           <p:cNvSpPr>
             <a:spLocks noGrp="1"/>
           </p:cNvSpPr>
@@ -1453,13 +3931,7 @@
       </p:sp>
       <p:sp>
         <p:nvSpPr>
-          <p:cNvPr id="7" name="Foliennummernplatzhalter 6">
-            <a:extLst>
-              <a:ext uri="{FF2B5EF4-FFF2-40B4-BE49-F238E27FC236}">
-                <a16:creationId xmlns:a16="http://schemas.microsoft.com/office/drawing/2014/main" id="{032BB0D0-9509-4006-BCE5-7F6CC0A5FAC0}"/>
-              </a:ext>
-            </a:extLst>
-          </p:cNvPr>
+          <p:cNvPr id="7" name="Slide Number Placeholder 6"/>
           <p:cNvSpPr>
             <a:spLocks noGrp="1"/>
           </p:cNvSpPr>
@@ -1474,7 +3946,7 @@
           <a:p>
             <a:fld id="{2EC790A5-A061-4B31-AF6D-AC0DEB490C20}" type="slidenum">
               <a:rPr lang="de-CH" smtClean="0"/>
-              <a:t>‹#›</a:t>
+              <a:t>‹Nr.›</a:t>
             </a:fld>
             <a:endParaRPr lang="de-CH"/>
           </a:p>
@@ -1483,7 +3955,7 @@
     </p:spTree>
     <p:extLst>
       <p:ext uri="{BB962C8B-B14F-4D97-AF65-F5344CB8AC3E}">
-        <p14:creationId xmlns:p14="http://schemas.microsoft.com/office/powerpoint/2010/main" val="4289454267"/>
+        <p14:creationId xmlns:p14="http://schemas.microsoft.com/office/powerpoint/2010/main" val="3966154720"/>
       </p:ext>
     </p:extLst>
   </p:cSld>
@@ -1512,66 +3984,62 @@
       </p:grpSpPr>
       <p:sp>
         <p:nvSpPr>
-          <p:cNvPr id="2" name="Titel 1">
-            <a:extLst>
-              <a:ext uri="{FF2B5EF4-FFF2-40B4-BE49-F238E27FC236}">
-                <a16:creationId xmlns:a16="http://schemas.microsoft.com/office/drawing/2014/main" id="{6853221F-7D4B-4157-A4AD-EA4884FB79EB}"/>
-              </a:ext>
-            </a:extLst>
-          </p:cNvPr>
+          <p:cNvPr id="2" name="Title 1"/>
           <p:cNvSpPr>
             <a:spLocks noGrp="1"/>
           </p:cNvSpPr>
           <p:nvPr>
             <p:ph type="title"/>
+          </p:nvPr>
+        </p:nvSpPr>
+        <p:spPr/>
+        <p:txBody>
+          <a:bodyPr/>
+          <a:lstStyle>
+            <a:lvl1pPr>
+              <a:defRPr/>
+            </a:lvl1pPr>
+          </a:lstStyle>
+          <a:p>
+            <a:r>
+              <a:rPr lang="de-DE"/>
+              <a:t>Mastertitelformat bearbeiten</a:t>
+            </a:r>
+            <a:endParaRPr lang="en-US" dirty="0"/>
+          </a:p>
+        </p:txBody>
+      </p:sp>
+      <p:sp>
+        <p:nvSpPr>
+          <p:cNvPr id="3" name="Text Placeholder 2"/>
+          <p:cNvSpPr>
+            <a:spLocks noGrp="1"/>
+          </p:cNvSpPr>
+          <p:nvPr>
+            <p:ph type="body" idx="1"/>
           </p:nvPr>
         </p:nvSpPr>
         <p:spPr>
           <a:xfrm>
-            <a:off x="839788" y="365125"/>
-            <a:ext cx="10515600" cy="1325563"/>
+            <a:off x="1103313" y="1905000"/>
+            <a:ext cx="4396338" cy="576262"/>
           </a:xfrm>
         </p:spPr>
         <p:txBody>
-          <a:bodyPr/>
-          <a:lstStyle/>
-          <a:p>
-            <a:r>
-              <a:rPr lang="de-DE"/>
-              <a:t>Mastertitelformat bearbeiten</a:t>
-            </a:r>
-            <a:endParaRPr lang="de-CH"/>
-          </a:p>
-        </p:txBody>
-      </p:sp>
-      <p:sp>
-        <p:nvSpPr>
-          <p:cNvPr id="3" name="Textplatzhalter 2">
-            <a:extLst>
-              <a:ext uri="{FF2B5EF4-FFF2-40B4-BE49-F238E27FC236}">
-                <a16:creationId xmlns:a16="http://schemas.microsoft.com/office/drawing/2014/main" id="{9FB21910-5C57-4EBF-8E68-5DEFD9B3B852}"/>
-              </a:ext>
-            </a:extLst>
-          </p:cNvPr>
-          <p:cNvSpPr>
-            <a:spLocks noGrp="1"/>
-          </p:cNvSpPr>
-          <p:nvPr>
-            <p:ph type="body" idx="1"/>
-          </p:nvPr>
-        </p:nvSpPr>
-        <p:spPr>
-          <a:xfrm>
-            <a:off x="839788" y="1681163"/>
-            <a:ext cx="5157787" cy="823912"/>
-          </a:xfrm>
-        </p:spPr>
-        <p:txBody>
-          <a:bodyPr anchor="b"/>
+          <a:bodyPr anchor="b">
+            <a:noAutofit/>
+          </a:bodyPr>
           <a:lstStyle>
             <a:lvl1pPr marL="0" indent="0">
               <a:buNone/>
-              <a:defRPr sz="2400" b="1"/>
+              <a:defRPr sz="2400" b="0">
+                <a:solidFill>
+                  <a:schemeClr val="accent1">
+                    <a:lumMod val="60000"/>
+                    <a:lumOff val="40000"/>
+                  </a:schemeClr>
+                </a:solidFill>
+              </a:defRPr>
             </a:lvl1pPr>
             <a:lvl2pPr marL="457200" indent="0">
               <a:buNone/>
@@ -1617,13 +4085,7 @@
       </p:sp>
       <p:sp>
         <p:nvSpPr>
-          <p:cNvPr id="4" name="Inhaltsplatzhalter 3">
-            <a:extLst>
-              <a:ext uri="{FF2B5EF4-FFF2-40B4-BE49-F238E27FC236}">
-                <a16:creationId xmlns:a16="http://schemas.microsoft.com/office/drawing/2014/main" id="{8F39B093-2498-4835-8281-688E8B7739F6}"/>
-              </a:ext>
-            </a:extLst>
-          </p:cNvPr>
+          <p:cNvPr id="4" name="Content Placeholder 3"/>
           <p:cNvSpPr>
             <a:spLocks noGrp="1"/>
           </p:cNvSpPr>
@@ -1633,13 +4095,43 @@
         </p:nvSpPr>
         <p:spPr>
           <a:xfrm>
-            <a:off x="839788" y="2505075"/>
-            <a:ext cx="5157787" cy="3684588"/>
+            <a:off x="1103312" y="2514600"/>
+            <a:ext cx="4396339" cy="3741738"/>
           </a:xfrm>
         </p:spPr>
         <p:txBody>
-          <a:bodyPr/>
-          <a:lstStyle/>
+          <a:bodyPr>
+            <a:normAutofit/>
+          </a:bodyPr>
+          <a:lstStyle>
+            <a:lvl1pPr>
+              <a:defRPr sz="1800"/>
+            </a:lvl1pPr>
+            <a:lvl2pPr>
+              <a:defRPr sz="1600"/>
+            </a:lvl2pPr>
+            <a:lvl3pPr>
+              <a:defRPr sz="1400"/>
+            </a:lvl3pPr>
+            <a:lvl4pPr>
+              <a:defRPr sz="1200"/>
+            </a:lvl4pPr>
+            <a:lvl5pPr>
+              <a:defRPr sz="1200"/>
+            </a:lvl5pPr>
+            <a:lvl6pPr>
+              <a:defRPr sz="1200"/>
+            </a:lvl6pPr>
+            <a:lvl7pPr>
+              <a:defRPr sz="1200"/>
+            </a:lvl7pPr>
+            <a:lvl8pPr>
+              <a:defRPr sz="1200"/>
+            </a:lvl8pPr>
+            <a:lvl9pPr>
+              <a:defRPr sz="1200"/>
+            </a:lvl9pPr>
+          </a:lstStyle>
           <a:p>
             <a:pPr lvl="0"/>
             <a:r>
@@ -1674,19 +4166,13 @@
               <a:rPr lang="de-DE"/>
               <a:t>Fünfte Ebene</a:t>
             </a:r>
-            <a:endParaRPr lang="de-CH"/>
-          </a:p>
-        </p:txBody>
-      </p:sp>
-      <p:sp>
-        <p:nvSpPr>
-          <p:cNvPr id="5" name="Textplatzhalter 4">
-            <a:extLst>
-              <a:ext uri="{FF2B5EF4-FFF2-40B4-BE49-F238E27FC236}">
-                <a16:creationId xmlns:a16="http://schemas.microsoft.com/office/drawing/2014/main" id="{77D27F16-4D8C-43C8-BA40-FBFC7E62EFE4}"/>
-              </a:ext>
-            </a:extLst>
-          </p:cNvPr>
+            <a:endParaRPr lang="en-US" dirty="0"/>
+          </a:p>
+        </p:txBody>
+      </p:sp>
+      <p:sp>
+        <p:nvSpPr>
+          <p:cNvPr id="5" name="Text Placeholder 4"/>
           <p:cNvSpPr>
             <a:spLocks noGrp="1"/>
           </p:cNvSpPr>
@@ -1696,16 +4182,25 @@
         </p:nvSpPr>
         <p:spPr>
           <a:xfrm>
-            <a:off x="6172200" y="1681163"/>
-            <a:ext cx="5183188" cy="823912"/>
+            <a:off x="5654495" y="1905000"/>
+            <a:ext cx="4396339" cy="576262"/>
           </a:xfrm>
         </p:spPr>
         <p:txBody>
-          <a:bodyPr anchor="b"/>
+          <a:bodyPr anchor="b">
+            <a:noAutofit/>
+          </a:bodyPr>
           <a:lstStyle>
             <a:lvl1pPr marL="0" indent="0">
               <a:buNone/>
-              <a:defRPr sz="2400" b="1"/>
+              <a:defRPr sz="2400" b="0">
+                <a:solidFill>
+                  <a:schemeClr val="accent1">
+                    <a:lumMod val="60000"/>
+                    <a:lumOff val="40000"/>
+                  </a:schemeClr>
+                </a:solidFill>
+              </a:defRPr>
             </a:lvl1pPr>
             <a:lvl2pPr marL="457200" indent="0">
               <a:buNone/>
@@ -1751,13 +4246,7 @@
       </p:sp>
       <p:sp>
         <p:nvSpPr>
-          <p:cNvPr id="6" name="Inhaltsplatzhalter 5">
-            <a:extLst>
-              <a:ext uri="{FF2B5EF4-FFF2-40B4-BE49-F238E27FC236}">
-                <a16:creationId xmlns:a16="http://schemas.microsoft.com/office/drawing/2014/main" id="{38828DF8-0F0C-460B-8D94-44FCF0E0ED31}"/>
-              </a:ext>
-            </a:extLst>
-          </p:cNvPr>
+          <p:cNvPr id="6" name="Content Placeholder 5"/>
           <p:cNvSpPr>
             <a:spLocks noGrp="1"/>
           </p:cNvSpPr>
@@ -1767,13 +4256,43 @@
         </p:nvSpPr>
         <p:spPr>
           <a:xfrm>
-            <a:off x="6172200" y="2505075"/>
-            <a:ext cx="5183188" cy="3684588"/>
+            <a:off x="5654495" y="2514600"/>
+            <a:ext cx="4396339" cy="3741738"/>
           </a:xfrm>
         </p:spPr>
         <p:txBody>
-          <a:bodyPr/>
-          <a:lstStyle/>
+          <a:bodyPr>
+            <a:normAutofit/>
+          </a:bodyPr>
+          <a:lstStyle>
+            <a:lvl1pPr>
+              <a:defRPr sz="1800"/>
+            </a:lvl1pPr>
+            <a:lvl2pPr>
+              <a:defRPr sz="1600"/>
+            </a:lvl2pPr>
+            <a:lvl3pPr>
+              <a:defRPr sz="1400"/>
+            </a:lvl3pPr>
+            <a:lvl4pPr>
+              <a:defRPr sz="1200"/>
+            </a:lvl4pPr>
+            <a:lvl5pPr>
+              <a:defRPr sz="1200"/>
+            </a:lvl5pPr>
+            <a:lvl6pPr>
+              <a:defRPr sz="1200"/>
+            </a:lvl6pPr>
+            <a:lvl7pPr>
+              <a:defRPr sz="1200"/>
+            </a:lvl7pPr>
+            <a:lvl8pPr>
+              <a:defRPr sz="1200"/>
+            </a:lvl8pPr>
+            <a:lvl9pPr>
+              <a:defRPr sz="1200"/>
+            </a:lvl9pPr>
+          </a:lstStyle>
           <a:p>
             <a:pPr lvl="0"/>
             <a:r>
@@ -1808,19 +4327,13 @@
               <a:rPr lang="de-DE"/>
               <a:t>Fünfte Ebene</a:t>
             </a:r>
-            <a:endParaRPr lang="de-CH"/>
-          </a:p>
-        </p:txBody>
-      </p:sp>
-      <p:sp>
-        <p:nvSpPr>
-          <p:cNvPr id="7" name="Datumsplatzhalter 6">
-            <a:extLst>
-              <a:ext uri="{FF2B5EF4-FFF2-40B4-BE49-F238E27FC236}">
-                <a16:creationId xmlns:a16="http://schemas.microsoft.com/office/drawing/2014/main" id="{43E68AEE-B785-47F7-98F7-29B542A54C28}"/>
-              </a:ext>
-            </a:extLst>
-          </p:cNvPr>
+            <a:endParaRPr lang="en-US" dirty="0"/>
+          </a:p>
+        </p:txBody>
+      </p:sp>
+      <p:sp>
+        <p:nvSpPr>
+          <p:cNvPr id="7" name="Date Placeholder 6"/>
           <p:cNvSpPr>
             <a:spLocks noGrp="1"/>
           </p:cNvSpPr>
@@ -1843,13 +4356,7 @@
       </p:sp>
       <p:sp>
         <p:nvSpPr>
-          <p:cNvPr id="8" name="Fußzeilenplatzhalter 7">
-            <a:extLst>
-              <a:ext uri="{FF2B5EF4-FFF2-40B4-BE49-F238E27FC236}">
-                <a16:creationId xmlns:a16="http://schemas.microsoft.com/office/drawing/2014/main" id="{AEC33C96-BBDD-4E1D-87AA-A5C3FE6AB202}"/>
-              </a:ext>
-            </a:extLst>
-          </p:cNvPr>
+          <p:cNvPr id="8" name="Footer Placeholder 7"/>
           <p:cNvSpPr>
             <a:spLocks noGrp="1"/>
           </p:cNvSpPr>
@@ -1868,13 +4375,7 @@
       </p:sp>
       <p:sp>
         <p:nvSpPr>
-          <p:cNvPr id="9" name="Foliennummernplatzhalter 8">
-            <a:extLst>
-              <a:ext uri="{FF2B5EF4-FFF2-40B4-BE49-F238E27FC236}">
-                <a16:creationId xmlns:a16="http://schemas.microsoft.com/office/drawing/2014/main" id="{19CBBCCD-6B54-4F8A-AFE2-5189907DF73F}"/>
-              </a:ext>
-            </a:extLst>
-          </p:cNvPr>
+          <p:cNvPr id="9" name="Slide Number Placeholder 8"/>
           <p:cNvSpPr>
             <a:spLocks noGrp="1"/>
           </p:cNvSpPr>
@@ -1889,7 +4390,7 @@
           <a:p>
             <a:fld id="{2EC790A5-A061-4B31-AF6D-AC0DEB490C20}" type="slidenum">
               <a:rPr lang="de-CH" smtClean="0"/>
-              <a:t>‹#›</a:t>
+              <a:t>‹Nr.›</a:t>
             </a:fld>
             <a:endParaRPr lang="de-CH"/>
           </a:p>
@@ -1898,7 +4399,7 @@
     </p:spTree>
     <p:extLst>
       <p:ext uri="{BB962C8B-B14F-4D97-AF65-F5344CB8AC3E}">
-        <p14:creationId xmlns:p14="http://schemas.microsoft.com/office/powerpoint/2010/main" val="1647037508"/>
+        <p14:creationId xmlns:p14="http://schemas.microsoft.com/office/powerpoint/2010/main" val="1567672776"/>
       </p:ext>
     </p:extLst>
   </p:cSld>
@@ -1927,13 +4428,7 @@
       </p:grpSpPr>
       <p:sp>
         <p:nvSpPr>
-          <p:cNvPr id="2" name="Titel 1">
-            <a:extLst>
-              <a:ext uri="{FF2B5EF4-FFF2-40B4-BE49-F238E27FC236}">
-                <a16:creationId xmlns:a16="http://schemas.microsoft.com/office/drawing/2014/main" id="{806A318E-08D9-4066-A5A9-AF90D5BBC3B1}"/>
-              </a:ext>
-            </a:extLst>
-          </p:cNvPr>
+          <p:cNvPr id="2" name="Title 1"/>
           <p:cNvSpPr>
             <a:spLocks noGrp="1"/>
           </p:cNvSpPr>
@@ -1950,19 +4445,13 @@
               <a:rPr lang="de-DE"/>
               <a:t>Mastertitelformat bearbeiten</a:t>
             </a:r>
-            <a:endParaRPr lang="de-CH"/>
-          </a:p>
-        </p:txBody>
-      </p:sp>
-      <p:sp>
-        <p:nvSpPr>
-          <p:cNvPr id="3" name="Datumsplatzhalter 2">
-            <a:extLst>
-              <a:ext uri="{FF2B5EF4-FFF2-40B4-BE49-F238E27FC236}">
-                <a16:creationId xmlns:a16="http://schemas.microsoft.com/office/drawing/2014/main" id="{34D51B33-5D84-4E05-86A5-898072677C82}"/>
-              </a:ext>
-            </a:extLst>
-          </p:cNvPr>
+            <a:endParaRPr lang="en-US" dirty="0"/>
+          </a:p>
+        </p:txBody>
+      </p:sp>
+      <p:sp>
+        <p:nvSpPr>
+          <p:cNvPr id="7" name="Date Placeholder 2"/>
           <p:cNvSpPr>
             <a:spLocks noGrp="1"/>
           </p:cNvSpPr>
@@ -1985,13 +4474,7 @@
       </p:sp>
       <p:sp>
         <p:nvSpPr>
-          <p:cNvPr id="4" name="Fußzeilenplatzhalter 3">
-            <a:extLst>
-              <a:ext uri="{FF2B5EF4-FFF2-40B4-BE49-F238E27FC236}">
-                <a16:creationId xmlns:a16="http://schemas.microsoft.com/office/drawing/2014/main" id="{26476E53-E782-41C4-87F9-CFD374121BE7}"/>
-              </a:ext>
-            </a:extLst>
-          </p:cNvPr>
+          <p:cNvPr id="5" name="Footer Placeholder 3"/>
           <p:cNvSpPr>
             <a:spLocks noGrp="1"/>
           </p:cNvSpPr>
@@ -2010,13 +4493,7 @@
       </p:sp>
       <p:sp>
         <p:nvSpPr>
-          <p:cNvPr id="5" name="Foliennummernplatzhalter 4">
-            <a:extLst>
-              <a:ext uri="{FF2B5EF4-FFF2-40B4-BE49-F238E27FC236}">
-                <a16:creationId xmlns:a16="http://schemas.microsoft.com/office/drawing/2014/main" id="{7009D62F-ECA2-419C-AB93-8A74EF38ECA1}"/>
-              </a:ext>
-            </a:extLst>
-          </p:cNvPr>
+          <p:cNvPr id="6" name="Slide Number Placeholder 4"/>
           <p:cNvSpPr>
             <a:spLocks noGrp="1"/>
           </p:cNvSpPr>
@@ -2031,7 +4508,7 @@
           <a:p>
             <a:fld id="{2EC790A5-A061-4B31-AF6D-AC0DEB490C20}" type="slidenum">
               <a:rPr lang="de-CH" smtClean="0"/>
-              <a:t>‹#›</a:t>
+              <a:t>‹Nr.›</a:t>
             </a:fld>
             <a:endParaRPr lang="de-CH"/>
           </a:p>
@@ -2040,7 +4517,7 @@
     </p:spTree>
     <p:extLst>
       <p:ext uri="{BB962C8B-B14F-4D97-AF65-F5344CB8AC3E}">
-        <p14:creationId xmlns:p14="http://schemas.microsoft.com/office/powerpoint/2010/main" val="3663479987"/>
+        <p14:creationId xmlns:p14="http://schemas.microsoft.com/office/powerpoint/2010/main" val="2481503117"/>
       </p:ext>
     </p:extLst>
   </p:cSld>
@@ -2069,13 +4546,7 @@
       </p:grpSpPr>
       <p:sp>
         <p:nvSpPr>
-          <p:cNvPr id="2" name="Datumsplatzhalter 1">
-            <a:extLst>
-              <a:ext uri="{FF2B5EF4-FFF2-40B4-BE49-F238E27FC236}">
-                <a16:creationId xmlns:a16="http://schemas.microsoft.com/office/drawing/2014/main" id="{8C1C6E90-D187-4601-A24C-DA8D99BBBD97}"/>
-              </a:ext>
-            </a:extLst>
-          </p:cNvPr>
+          <p:cNvPr id="7" name="Date Placeholder 1"/>
           <p:cNvSpPr>
             <a:spLocks noGrp="1"/>
           </p:cNvSpPr>
@@ -2098,13 +4569,7 @@
       </p:sp>
       <p:sp>
         <p:nvSpPr>
-          <p:cNvPr id="3" name="Fußzeilenplatzhalter 2">
-            <a:extLst>
-              <a:ext uri="{FF2B5EF4-FFF2-40B4-BE49-F238E27FC236}">
-                <a16:creationId xmlns:a16="http://schemas.microsoft.com/office/drawing/2014/main" id="{B4D09BD5-C631-460A-AB15-97BE7C864205}"/>
-              </a:ext>
-            </a:extLst>
-          </p:cNvPr>
+          <p:cNvPr id="5" name="Footer Placeholder 2"/>
           <p:cNvSpPr>
             <a:spLocks noGrp="1"/>
           </p:cNvSpPr>
@@ -2123,13 +4588,7 @@
       </p:sp>
       <p:sp>
         <p:nvSpPr>
-          <p:cNvPr id="4" name="Foliennummernplatzhalter 3">
-            <a:extLst>
-              <a:ext uri="{FF2B5EF4-FFF2-40B4-BE49-F238E27FC236}">
-                <a16:creationId xmlns:a16="http://schemas.microsoft.com/office/drawing/2014/main" id="{1D90235F-6CF3-49A5-9DBE-47199DCE0D02}"/>
-              </a:ext>
-            </a:extLst>
-          </p:cNvPr>
+          <p:cNvPr id="6" name="Slide Number Placeholder 3"/>
           <p:cNvSpPr>
             <a:spLocks noGrp="1"/>
           </p:cNvSpPr>
@@ -2144,7 +4603,7 @@
           <a:p>
             <a:fld id="{2EC790A5-A061-4B31-AF6D-AC0DEB490C20}" type="slidenum">
               <a:rPr lang="de-CH" smtClean="0"/>
-              <a:t>‹#›</a:t>
+              <a:t>‹Nr.›</a:t>
             </a:fld>
             <a:endParaRPr lang="de-CH"/>
           </a:p>
@@ -2153,7 +4612,7 @@
     </p:spTree>
     <p:extLst>
       <p:ext uri="{BB962C8B-B14F-4D97-AF65-F5344CB8AC3E}">
-        <p14:creationId xmlns:p14="http://schemas.microsoft.com/office/powerpoint/2010/main" val="3607036417"/>
+        <p14:creationId xmlns:p14="http://schemas.microsoft.com/office/powerpoint/2010/main" val="1075374929"/>
       </p:ext>
     </p:extLst>
   </p:cSld>
@@ -2182,13 +4641,7 @@
       </p:grpSpPr>
       <p:sp>
         <p:nvSpPr>
-          <p:cNvPr id="2" name="Titel 1">
-            <a:extLst>
-              <a:ext uri="{FF2B5EF4-FFF2-40B4-BE49-F238E27FC236}">
-                <a16:creationId xmlns:a16="http://schemas.microsoft.com/office/drawing/2014/main" id="{2C2A98D1-345D-4EC5-A891-7439BF549EB0}"/>
-              </a:ext>
-            </a:extLst>
-          </p:cNvPr>
+          <p:cNvPr id="2" name="Title 1"/>
           <p:cNvSpPr>
             <a:spLocks noGrp="1"/>
           </p:cNvSpPr>
@@ -2198,15 +4651,15 @@
         </p:nvSpPr>
         <p:spPr>
           <a:xfrm>
-            <a:off x="839788" y="457200"/>
-            <a:ext cx="3932237" cy="1600200"/>
+            <a:off x="1154954" y="1447800"/>
+            <a:ext cx="3401063" cy="1447800"/>
           </a:xfrm>
         </p:spPr>
         <p:txBody>
           <a:bodyPr anchor="b"/>
           <a:lstStyle>
-            <a:lvl1pPr>
-              <a:defRPr sz="3200"/>
+            <a:lvl1pPr algn="l">
+              <a:defRPr sz="2400" b="0"/>
             </a:lvl1pPr>
           </a:lstStyle>
           <a:p>
@@ -2214,19 +4667,13 @@
               <a:rPr lang="de-DE"/>
               <a:t>Mastertitelformat bearbeiten</a:t>
             </a:r>
-            <a:endParaRPr lang="de-CH"/>
-          </a:p>
-        </p:txBody>
-      </p:sp>
-      <p:sp>
-        <p:nvSpPr>
-          <p:cNvPr id="3" name="Inhaltsplatzhalter 2">
-            <a:extLst>
-              <a:ext uri="{FF2B5EF4-FFF2-40B4-BE49-F238E27FC236}">
-                <a16:creationId xmlns:a16="http://schemas.microsoft.com/office/drawing/2014/main" id="{030B5A9B-80E4-44AD-8A92-23D0C2D419F8}"/>
-              </a:ext>
-            </a:extLst>
-          </p:cNvPr>
+            <a:endParaRPr lang="en-US" dirty="0"/>
+          </a:p>
+        </p:txBody>
+      </p:sp>
+      <p:sp>
+        <p:nvSpPr>
+          <p:cNvPr id="3" name="Content Placeholder 2"/>
           <p:cNvSpPr>
             <a:spLocks noGrp="1"/>
           </p:cNvSpPr>
@@ -2236,39 +4683,41 @@
         </p:nvSpPr>
         <p:spPr>
           <a:xfrm>
-            <a:off x="5183188" y="987425"/>
-            <a:ext cx="6172200" cy="4873625"/>
+            <a:off x="4784616" y="1447800"/>
+            <a:ext cx="5195997" cy="4572000"/>
           </a:xfrm>
         </p:spPr>
         <p:txBody>
-          <a:bodyPr/>
+          <a:bodyPr anchor="ctr">
+            <a:normAutofit/>
+          </a:bodyPr>
           <a:lstStyle>
             <a:lvl1pPr>
-              <a:defRPr sz="3200"/>
+              <a:defRPr sz="2000"/>
             </a:lvl1pPr>
             <a:lvl2pPr>
-              <a:defRPr sz="2800"/>
+              <a:defRPr sz="1800"/>
             </a:lvl2pPr>
             <a:lvl3pPr>
-              <a:defRPr sz="2400"/>
+              <a:defRPr sz="1600"/>
             </a:lvl3pPr>
             <a:lvl4pPr>
-              <a:defRPr sz="2000"/>
+              <a:defRPr sz="1400"/>
             </a:lvl4pPr>
             <a:lvl5pPr>
-              <a:defRPr sz="2000"/>
+              <a:defRPr sz="1400"/>
             </a:lvl5pPr>
             <a:lvl6pPr>
-              <a:defRPr sz="2000"/>
+              <a:defRPr sz="1400"/>
             </a:lvl6pPr>
             <a:lvl7pPr>
-              <a:defRPr sz="2000"/>
+              <a:defRPr sz="1400"/>
             </a:lvl7pPr>
             <a:lvl8pPr>
-              <a:defRPr sz="2000"/>
+              <a:defRPr sz="1400"/>
             </a:lvl8pPr>
             <a:lvl9pPr>
-              <a:defRPr sz="2000"/>
+              <a:defRPr sz="1400"/>
             </a:lvl9pPr>
           </a:lstStyle>
           <a:p>
@@ -2305,19 +4754,13 @@
               <a:rPr lang="de-DE"/>
               <a:t>Fünfte Ebene</a:t>
             </a:r>
-            <a:endParaRPr lang="de-CH"/>
-          </a:p>
-        </p:txBody>
-      </p:sp>
-      <p:sp>
-        <p:nvSpPr>
-          <p:cNvPr id="4" name="Textplatzhalter 3">
-            <a:extLst>
-              <a:ext uri="{FF2B5EF4-FFF2-40B4-BE49-F238E27FC236}">
-                <a16:creationId xmlns:a16="http://schemas.microsoft.com/office/drawing/2014/main" id="{F0C1CA16-B2A4-4858-AAA8-6F6B4A9F01CA}"/>
-              </a:ext>
-            </a:extLst>
-          </p:cNvPr>
+            <a:endParaRPr lang="en-US" dirty="0"/>
+          </a:p>
+        </p:txBody>
+      </p:sp>
+      <p:sp>
+        <p:nvSpPr>
+          <p:cNvPr id="4" name="Text Placeholder 3"/>
           <p:cNvSpPr>
             <a:spLocks noGrp="1"/>
           </p:cNvSpPr>
@@ -2327,8 +4770,8 @@
         </p:nvSpPr>
         <p:spPr>
           <a:xfrm>
-            <a:off x="839788" y="2057400"/>
-            <a:ext cx="3932237" cy="3811588"/>
+            <a:off x="1154955" y="3129280"/>
+            <a:ext cx="3401062" cy="2895599"/>
           </a:xfrm>
         </p:spPr>
         <p:txBody>
@@ -2336,39 +4779,39 @@
           <a:lstStyle>
             <a:lvl1pPr marL="0" indent="0">
               <a:buNone/>
-              <a:defRPr sz="1600"/>
+              <a:defRPr sz="1400"/>
             </a:lvl1pPr>
             <a:lvl2pPr marL="457200" indent="0">
               <a:buNone/>
-              <a:defRPr sz="1400"/>
+              <a:defRPr sz="1200"/>
             </a:lvl2pPr>
             <a:lvl3pPr marL="914400" indent="0">
               <a:buNone/>
-              <a:defRPr sz="1200"/>
+              <a:defRPr sz="1000"/>
             </a:lvl3pPr>
             <a:lvl4pPr marL="1371600" indent="0">
               <a:buNone/>
-              <a:defRPr sz="1000"/>
+              <a:defRPr sz="900"/>
             </a:lvl4pPr>
             <a:lvl5pPr marL="1828800" indent="0">
               <a:buNone/>
-              <a:defRPr sz="1000"/>
+              <a:defRPr sz="900"/>
             </a:lvl5pPr>
             <a:lvl6pPr marL="2286000" indent="0">
               <a:buNone/>
-              <a:defRPr sz="1000"/>
+              <a:defRPr sz="900"/>
             </a:lvl6pPr>
             <a:lvl7pPr marL="2743200" indent="0">
               <a:buNone/>
-              <a:defRPr sz="1000"/>
+              <a:defRPr sz="900"/>
             </a:lvl7pPr>
             <a:lvl8pPr marL="3200400" indent="0">
               <a:buNone/>
-              <a:defRPr sz="1000"/>
+              <a:defRPr sz="900"/>
             </a:lvl8pPr>
             <a:lvl9pPr marL="3657600" indent="0">
               <a:buNone/>
-              <a:defRPr sz="1000"/>
+              <a:defRPr sz="900"/>
             </a:lvl9pPr>
           </a:lstStyle>
           <a:p>
@@ -2382,13 +4825,7 @@
       </p:sp>
       <p:sp>
         <p:nvSpPr>
-          <p:cNvPr id="5" name="Datumsplatzhalter 4">
-            <a:extLst>
-              <a:ext uri="{FF2B5EF4-FFF2-40B4-BE49-F238E27FC236}">
-                <a16:creationId xmlns:a16="http://schemas.microsoft.com/office/drawing/2014/main" id="{3AA00E11-73EC-43AC-B717-574FA03BCCC4}"/>
-              </a:ext>
-            </a:extLst>
-          </p:cNvPr>
+          <p:cNvPr id="7" name="Date Placeholder 4"/>
           <p:cNvSpPr>
             <a:spLocks noGrp="1"/>
           </p:cNvSpPr>
@@ -2411,13 +4848,7 @@
       </p:sp>
       <p:sp>
         <p:nvSpPr>
-          <p:cNvPr id="6" name="Fußzeilenplatzhalter 5">
-            <a:extLst>
-              <a:ext uri="{FF2B5EF4-FFF2-40B4-BE49-F238E27FC236}">
-                <a16:creationId xmlns:a16="http://schemas.microsoft.com/office/drawing/2014/main" id="{1E68A498-DA0E-4664-9A99-74E5CCE25C24}"/>
-              </a:ext>
-            </a:extLst>
-          </p:cNvPr>
+          <p:cNvPr id="5" name="Footer Placeholder 5"/>
           <p:cNvSpPr>
             <a:spLocks noGrp="1"/>
           </p:cNvSpPr>
@@ -2436,13 +4867,7 @@
       </p:sp>
       <p:sp>
         <p:nvSpPr>
-          <p:cNvPr id="7" name="Foliennummernplatzhalter 6">
-            <a:extLst>
-              <a:ext uri="{FF2B5EF4-FFF2-40B4-BE49-F238E27FC236}">
-                <a16:creationId xmlns:a16="http://schemas.microsoft.com/office/drawing/2014/main" id="{EC6FF7F3-88B1-4A85-973A-066A57DA3E25}"/>
-              </a:ext>
-            </a:extLst>
-          </p:cNvPr>
+          <p:cNvPr id="6" name="Slide Number Placeholder 6"/>
           <p:cNvSpPr>
             <a:spLocks noGrp="1"/>
           </p:cNvSpPr>
@@ -2457,7 +4882,7 @@
           <a:p>
             <a:fld id="{2EC790A5-A061-4B31-AF6D-AC0DEB490C20}" type="slidenum">
               <a:rPr lang="de-CH" smtClean="0"/>
-              <a:t>‹#›</a:t>
+              <a:t>‹Nr.›</a:t>
             </a:fld>
             <a:endParaRPr lang="de-CH"/>
           </a:p>
@@ -2466,7 +4891,7 @@
     </p:spTree>
     <p:extLst>
       <p:ext uri="{BB962C8B-B14F-4D97-AF65-F5344CB8AC3E}">
-        <p14:creationId xmlns:p14="http://schemas.microsoft.com/office/powerpoint/2010/main" val="3697504813"/>
+        <p14:creationId xmlns:p14="http://schemas.microsoft.com/office/powerpoint/2010/main" val="2993835420"/>
       </p:ext>
     </p:extLst>
   </p:cSld>
@@ -2495,13 +4920,7 @@
       </p:grpSpPr>
       <p:sp>
         <p:nvSpPr>
-          <p:cNvPr id="2" name="Titel 1">
-            <a:extLst>
-              <a:ext uri="{FF2B5EF4-FFF2-40B4-BE49-F238E27FC236}">
-                <a16:creationId xmlns:a16="http://schemas.microsoft.com/office/drawing/2014/main" id="{EED543F5-425B-43E8-AA1B-FAFD13D55AC3}"/>
-              </a:ext>
-            </a:extLst>
-          </p:cNvPr>
+          <p:cNvPr id="2" name="Title 1"/>
           <p:cNvSpPr>
             <a:spLocks noGrp="1"/>
           </p:cNvSpPr>
@@ -2511,15 +4930,17 @@
         </p:nvSpPr>
         <p:spPr>
           <a:xfrm>
-            <a:off x="839788" y="457200"/>
-            <a:ext cx="3932237" cy="1600200"/>
+            <a:off x="1153907" y="1854192"/>
+            <a:ext cx="5092906" cy="1574808"/>
           </a:xfrm>
         </p:spPr>
         <p:txBody>
-          <a:bodyPr anchor="b"/>
+          <a:bodyPr anchor="b">
+            <a:normAutofit/>
+          </a:bodyPr>
           <a:lstStyle>
-            <a:lvl1pPr>
-              <a:defRPr sz="3200"/>
+            <a:lvl1pPr algn="l">
+              <a:defRPr sz="3600" b="0"/>
             </a:lvl1pPr>
           </a:lstStyle>
           <a:p>
@@ -2527,21 +4948,15 @@
               <a:rPr lang="de-DE"/>
               <a:t>Mastertitelformat bearbeiten</a:t>
             </a:r>
-            <a:endParaRPr lang="de-CH"/>
-          </a:p>
-        </p:txBody>
-      </p:sp>
-      <p:sp>
-        <p:nvSpPr>
-          <p:cNvPr id="3" name="Bildplatzhalter 2">
-            <a:extLst>
-              <a:ext uri="{FF2B5EF4-FFF2-40B4-BE49-F238E27FC236}">
-                <a16:creationId xmlns:a16="http://schemas.microsoft.com/office/drawing/2014/main" id="{70F5FE0C-695E-4DB7-A1C0-578F8ABACFD6}"/>
-              </a:ext>
-            </a:extLst>
-          </p:cNvPr>
-          <p:cNvSpPr>
-            <a:spLocks noGrp="1"/>
+            <a:endParaRPr lang="en-US" dirty="0"/>
+          </a:p>
+        </p:txBody>
+      </p:sp>
+      <p:sp>
+        <p:nvSpPr>
+          <p:cNvPr id="3" name="Picture Placeholder 2"/>
+          <p:cNvSpPr>
+            <a:spLocks noGrp="1" noChangeAspect="1"/>
           </p:cNvSpPr>
           <p:nvPr>
             <p:ph type="pic" idx="1"/>
@@ -2549,118 +4964,132 @@
         </p:nvSpPr>
         <p:spPr>
           <a:xfrm>
-            <a:off x="5183188" y="987425"/>
-            <a:ext cx="6172200" cy="4873625"/>
+            <a:off x="6949546" y="1143000"/>
+            <a:ext cx="3200400" cy="4572000"/>
           </a:xfrm>
+          <a:prstGeom prst="roundRect">
+            <a:avLst>
+              <a:gd name="adj" fmla="val 1858"/>
+            </a:avLst>
+          </a:prstGeom>
+          <a:effectLst>
+            <a:outerShdw blurRad="50800" dist="50800" dir="5400000" algn="tl" rotWithShape="0">
+              <a:srgbClr val="000000">
+                <a:alpha val="43000"/>
+              </a:srgbClr>
+            </a:outerShdw>
+          </a:effectLst>
         </p:spPr>
         <p:txBody>
-          <a:bodyPr/>
+          <a:bodyPr anchor="t">
+            <a:normAutofit/>
+          </a:bodyPr>
           <a:lstStyle>
-            <a:lvl1pPr marL="0" indent="0">
-              <a:buNone/>
-              <a:defRPr sz="3200"/>
-            </a:lvl1pPr>
-            <a:lvl2pPr marL="457200" indent="0">
-              <a:buNone/>
-              <a:defRPr sz="2800"/>
-            </a:lvl2pPr>
-            <a:lvl3pPr marL="914400" indent="0">
-              <a:buNone/>
-              <a:defRPr sz="2400"/>
-            </a:lvl3pPr>
-            <a:lvl4pPr marL="1371600" indent="0">
-              <a:buNone/>
-              <a:defRPr sz="2000"/>
-            </a:lvl4pPr>
-            <a:lvl5pPr marL="1828800" indent="0">
-              <a:buNone/>
-              <a:defRPr sz="2000"/>
-            </a:lvl5pPr>
-            <a:lvl6pPr marL="2286000" indent="0">
-              <a:buNone/>
-              <a:defRPr sz="2000"/>
-            </a:lvl6pPr>
-            <a:lvl7pPr marL="2743200" indent="0">
-              <a:buNone/>
-              <a:defRPr sz="2000"/>
-            </a:lvl7pPr>
-            <a:lvl8pPr marL="3200400" indent="0">
-              <a:buNone/>
-              <a:defRPr sz="2000"/>
-            </a:lvl8pPr>
-            <a:lvl9pPr marL="3657600" indent="0">
-              <a:buNone/>
-              <a:defRPr sz="2000"/>
-            </a:lvl9pPr>
-          </a:lstStyle>
-          <a:p>
-            <a:endParaRPr lang="de-CH"/>
-          </a:p>
-        </p:txBody>
-      </p:sp>
-      <p:sp>
-        <p:nvSpPr>
-          <p:cNvPr id="4" name="Textplatzhalter 3">
-            <a:extLst>
-              <a:ext uri="{FF2B5EF4-FFF2-40B4-BE49-F238E27FC236}">
-                <a16:creationId xmlns:a16="http://schemas.microsoft.com/office/drawing/2014/main" id="{F906489B-7F31-4009-9600-EA4BCB08BD2E}"/>
-              </a:ext>
-            </a:extLst>
-          </p:cNvPr>
-          <p:cNvSpPr>
-            <a:spLocks noGrp="1"/>
-          </p:cNvSpPr>
-          <p:nvPr>
-            <p:ph type="body" sz="half" idx="2"/>
-          </p:nvPr>
-        </p:nvSpPr>
-        <p:spPr>
-          <a:xfrm>
-            <a:off x="839788" y="2057400"/>
-            <a:ext cx="3932237" cy="3811588"/>
-          </a:xfrm>
-        </p:spPr>
-        <p:txBody>
-          <a:bodyPr/>
-          <a:lstStyle>
-            <a:lvl1pPr marL="0" indent="0">
+            <a:lvl1pPr marL="0" indent="0" algn="ctr">
               <a:buNone/>
               <a:defRPr sz="1600"/>
             </a:lvl1pPr>
             <a:lvl2pPr marL="457200" indent="0">
               <a:buNone/>
-              <a:defRPr sz="1400"/>
+              <a:defRPr sz="1600"/>
             </a:lvl2pPr>
             <a:lvl3pPr marL="914400" indent="0">
               <a:buNone/>
-              <a:defRPr sz="1200"/>
+              <a:defRPr sz="1600"/>
             </a:lvl3pPr>
             <a:lvl4pPr marL="1371600" indent="0">
               <a:buNone/>
-              <a:defRPr sz="1000"/>
+              <a:defRPr sz="1600"/>
             </a:lvl4pPr>
             <a:lvl5pPr marL="1828800" indent="0">
               <a:buNone/>
-              <a:defRPr sz="1000"/>
+              <a:defRPr sz="1600"/>
             </a:lvl5pPr>
             <a:lvl6pPr marL="2286000" indent="0">
               <a:buNone/>
-              <a:defRPr sz="1000"/>
+              <a:defRPr sz="1600"/>
             </a:lvl6pPr>
             <a:lvl7pPr marL="2743200" indent="0">
               <a:buNone/>
-              <a:defRPr sz="1000"/>
+              <a:defRPr sz="1600"/>
             </a:lvl7pPr>
             <a:lvl8pPr marL="3200400" indent="0">
               <a:buNone/>
-              <a:defRPr sz="1000"/>
+              <a:defRPr sz="1600"/>
             </a:lvl8pPr>
             <a:lvl9pPr marL="3657600" indent="0">
               <a:buNone/>
-              <a:defRPr sz="1000"/>
+              <a:defRPr sz="1600"/>
             </a:lvl9pPr>
           </a:lstStyle>
           <a:p>
+            <a:r>
+              <a:rPr lang="de-DE"/>
+              <a:t>Bild durch Klicken auf Symbol hinzufügen</a:t>
+            </a:r>
+            <a:endParaRPr lang="en-US" dirty="0"/>
+          </a:p>
+        </p:txBody>
+      </p:sp>
+      <p:sp>
+        <p:nvSpPr>
+          <p:cNvPr id="4" name="Text Placeholder 3"/>
+          <p:cNvSpPr>
+            <a:spLocks noGrp="1"/>
+          </p:cNvSpPr>
+          <p:nvPr>
+            <p:ph type="body" sz="half" idx="2"/>
+          </p:nvPr>
+        </p:nvSpPr>
+        <p:spPr>
+          <a:xfrm>
+            <a:off x="1154954" y="3657600"/>
+            <a:ext cx="5084979" cy="1371600"/>
+          </a:xfrm>
+        </p:spPr>
+        <p:txBody>
+          <a:bodyPr>
+            <a:normAutofit/>
+          </a:bodyPr>
+          <a:lstStyle>
+            <a:lvl1pPr marL="0" indent="0">
+              <a:buNone/>
+              <a:defRPr sz="1400"/>
+            </a:lvl1pPr>
+            <a:lvl2pPr marL="457200" indent="0">
+              <a:buNone/>
+              <a:defRPr sz="1200"/>
+            </a:lvl2pPr>
+            <a:lvl3pPr marL="914400" indent="0">
+              <a:buNone/>
+              <a:defRPr sz="1000"/>
+            </a:lvl3pPr>
+            <a:lvl4pPr marL="1371600" indent="0">
+              <a:buNone/>
+              <a:defRPr sz="900"/>
+            </a:lvl4pPr>
+            <a:lvl5pPr marL="1828800" indent="0">
+              <a:buNone/>
+              <a:defRPr sz="900"/>
+            </a:lvl5pPr>
+            <a:lvl6pPr marL="2286000" indent="0">
+              <a:buNone/>
+              <a:defRPr sz="900"/>
+            </a:lvl6pPr>
+            <a:lvl7pPr marL="2743200" indent="0">
+              <a:buNone/>
+              <a:defRPr sz="900"/>
+            </a:lvl7pPr>
+            <a:lvl8pPr marL="3200400" indent="0">
+              <a:buNone/>
+              <a:defRPr sz="900"/>
+            </a:lvl8pPr>
+            <a:lvl9pPr marL="3657600" indent="0">
+              <a:buNone/>
+              <a:defRPr sz="900"/>
+            </a:lvl9pPr>
+          </a:lstStyle>
+          <a:p>
             <a:pPr lvl="0"/>
             <a:r>
               <a:rPr lang="de-DE"/>
@@ -2671,13 +5100,7 @@
       </p:sp>
       <p:sp>
         <p:nvSpPr>
-          <p:cNvPr id="5" name="Datumsplatzhalter 4">
-            <a:extLst>
-              <a:ext uri="{FF2B5EF4-FFF2-40B4-BE49-F238E27FC236}">
-                <a16:creationId xmlns:a16="http://schemas.microsoft.com/office/drawing/2014/main" id="{C3326265-73F3-4D37-BF4D-89DA6E812BA0}"/>
-              </a:ext>
-            </a:extLst>
-          </p:cNvPr>
+          <p:cNvPr id="5" name="Date Placeholder 4"/>
           <p:cNvSpPr>
             <a:spLocks noGrp="1"/>
           </p:cNvSpPr>
@@ -2700,13 +5123,7 @@
       </p:sp>
       <p:sp>
         <p:nvSpPr>
-          <p:cNvPr id="6" name="Fußzeilenplatzhalter 5">
-            <a:extLst>
-              <a:ext uri="{FF2B5EF4-FFF2-40B4-BE49-F238E27FC236}">
-                <a16:creationId xmlns:a16="http://schemas.microsoft.com/office/drawing/2014/main" id="{35BEBA63-53C4-41DE-AA47-9DFA58B3A1D8}"/>
-              </a:ext>
-            </a:extLst>
-          </p:cNvPr>
+          <p:cNvPr id="6" name="Footer Placeholder 5"/>
           <p:cNvSpPr>
             <a:spLocks noGrp="1"/>
           </p:cNvSpPr>
@@ -2725,13 +5142,7 @@
       </p:sp>
       <p:sp>
         <p:nvSpPr>
-          <p:cNvPr id="7" name="Foliennummernplatzhalter 6">
-            <a:extLst>
-              <a:ext uri="{FF2B5EF4-FFF2-40B4-BE49-F238E27FC236}">
-                <a16:creationId xmlns:a16="http://schemas.microsoft.com/office/drawing/2014/main" id="{FF86B38B-9863-456A-943E-F37549C591C0}"/>
-              </a:ext>
-            </a:extLst>
-          </p:cNvPr>
+          <p:cNvPr id="7" name="Slide Number Placeholder 6"/>
           <p:cNvSpPr>
             <a:spLocks noGrp="1"/>
           </p:cNvSpPr>
@@ -2746,7 +5157,7 @@
           <a:p>
             <a:fld id="{2EC790A5-A061-4B31-AF6D-AC0DEB490C20}" type="slidenum">
               <a:rPr lang="de-CH" smtClean="0"/>
-              <a:t>‹#›</a:t>
+              <a:t>‹Nr.›</a:t>
             </a:fld>
             <a:endParaRPr lang="de-CH"/>
           </a:p>
@@ -2755,7 +5166,7 @@
     </p:spTree>
     <p:extLst>
       <p:ext uri="{BB962C8B-B14F-4D97-AF65-F5344CB8AC3E}">
-        <p14:creationId xmlns:p14="http://schemas.microsoft.com/office/powerpoint/2010/main" val="1063658005"/>
+        <p14:creationId xmlns:p14="http://schemas.microsoft.com/office/powerpoint/2010/main" val="2961360456"/>
       </p:ext>
     </p:extLst>
   </p:cSld>
@@ -2769,8 +5180,8 @@
 <p:sldMaster xmlns:a="http://schemas.openxmlformats.org/drawingml/2006/main" xmlns:r="http://schemas.openxmlformats.org/officeDocument/2006/relationships" xmlns:p="http://schemas.openxmlformats.org/presentationml/2006/main">
   <p:cSld>
     <p:bg>
-      <p:bgRef idx="1001">
-        <a:schemeClr val="bg1"/>
+      <p:bgRef idx="1003">
+        <a:schemeClr val="bg2"/>
       </p:bgRef>
     </p:bg>
     <p:spTree>
@@ -2787,143 +5198,414 @@
           <a:chExt cx="0" cy="0"/>
         </a:xfrm>
       </p:grpSpPr>
-      <p:sp>
-        <p:nvSpPr>
-          <p:cNvPr id="2" name="Titelplatzhalter 1">
+      <p:pic>
+        <p:nvPicPr>
+          <p:cNvPr id="8" name="Picture 7"/>
+          <p:cNvPicPr>
+            <a:picLocks noChangeAspect="1"/>
+          </p:cNvPicPr>
+          <p:nvPr/>
+        </p:nvPicPr>
+        <p:blipFill rotWithShape="1">
+          <a:blip r:embed="rId19">
             <a:extLst>
-              <a:ext uri="{FF2B5EF4-FFF2-40B4-BE49-F238E27FC236}">
-                <a16:creationId xmlns:a16="http://schemas.microsoft.com/office/drawing/2014/main" id="{6C1990DE-7B75-4986-8B37-D1EF52D815B7}"/>
+              <a:ext uri="{28A0092B-C50C-407E-A947-70E740481C1C}">
+                <a14:useLocalDpi xmlns:a14="http://schemas.microsoft.com/office/drawing/2010/main" val="0"/>
               </a:ext>
             </a:extLst>
-          </p:cNvPr>
-          <p:cNvSpPr>
-            <a:spLocks noGrp="1"/>
-          </p:cNvSpPr>
-          <p:nvPr>
-            <p:ph type="title"/>
-          </p:nvPr>
-        </p:nvSpPr>
+          </a:blip>
+          <a:srcRect l="3644"/>
+          <a:stretch/>
+        </p:blipFill>
         <p:spPr>
           <a:xfrm>
-            <a:off x="838200" y="365125"/>
-            <a:ext cx="10515600" cy="1325563"/>
+            <a:off x="0" y="2669685"/>
+            <a:ext cx="4035669" cy="4188315"/>
           </a:xfrm>
           <a:prstGeom prst="rect">
             <a:avLst/>
           </a:prstGeom>
         </p:spPr>
-        <p:txBody>
-          <a:bodyPr vert="horz" lIns="91440" tIns="45720" rIns="91440" bIns="45720" rtlCol="0" anchor="ctr">
-            <a:normAutofit/>
-          </a:bodyPr>
-          <a:lstStyle/>
-          <a:p>
-            <a:r>
-              <a:rPr lang="de-DE"/>
-              <a:t>Mastertitelformat bearbeiten</a:t>
-            </a:r>
-            <a:endParaRPr lang="de-CH"/>
-          </a:p>
-        </p:txBody>
-      </p:sp>
-      <p:sp>
-        <p:nvSpPr>
-          <p:cNvPr id="3" name="Textplatzhalter 2">
+      </p:pic>
+      <p:pic>
+        <p:nvPicPr>
+          <p:cNvPr id="7" name="Picture 6"/>
+          <p:cNvPicPr>
+            <a:picLocks noChangeAspect="1"/>
+          </p:cNvPicPr>
+          <p:nvPr/>
+        </p:nvPicPr>
+        <p:blipFill rotWithShape="1">
+          <a:blip r:embed="rId20">
             <a:extLst>
-              <a:ext uri="{FF2B5EF4-FFF2-40B4-BE49-F238E27FC236}">
-                <a16:creationId xmlns:a16="http://schemas.microsoft.com/office/drawing/2014/main" id="{CFE5A073-2BED-4F9F-A531-17F4E45A8850}"/>
+              <a:ext uri="{28A0092B-C50C-407E-A947-70E740481C1C}">
+                <a14:useLocalDpi xmlns:a14="http://schemas.microsoft.com/office/drawing/2010/main" val="0"/>
               </a:ext>
             </a:extLst>
-          </p:cNvPr>
-          <p:cNvSpPr>
-            <a:spLocks noGrp="1"/>
-          </p:cNvSpPr>
-          <p:nvPr>
-            <p:ph type="body" idx="1"/>
-          </p:nvPr>
-        </p:nvSpPr>
+          </a:blip>
+          <a:srcRect l="35640"/>
+          <a:stretch/>
+        </p:blipFill>
         <p:spPr>
           <a:xfrm>
-            <a:off x="838200" y="1825625"/>
-            <a:ext cx="10515600" cy="4351338"/>
+            <a:off x="0" y="2892347"/>
+            <a:ext cx="1522412" cy="2365453"/>
           </a:xfrm>
           <a:prstGeom prst="rect">
             <a:avLst/>
           </a:prstGeom>
         </p:spPr>
-        <p:txBody>
-          <a:bodyPr vert="horz" lIns="91440" tIns="45720" rIns="91440" bIns="45720" rtlCol="0">
-            <a:normAutofit/>
-          </a:bodyPr>
-          <a:lstStyle/>
-          <a:p>
-            <a:pPr lvl="0"/>
-            <a:r>
-              <a:rPr lang="de-DE"/>
-              <a:t>Mastertextformat bearbeiten</a:t>
-            </a:r>
-          </a:p>
-          <a:p>
-            <a:pPr lvl="1"/>
-            <a:r>
-              <a:rPr lang="de-DE"/>
-              <a:t>Zweite Ebene</a:t>
-            </a:r>
-          </a:p>
-          <a:p>
-            <a:pPr lvl="2"/>
-            <a:r>
-              <a:rPr lang="de-DE"/>
-              <a:t>Dritte Ebene</a:t>
-            </a:r>
-          </a:p>
-          <a:p>
-            <a:pPr lvl="3"/>
-            <a:r>
-              <a:rPr lang="de-DE"/>
-              <a:t>Vierte Ebene</a:t>
-            </a:r>
-          </a:p>
-          <a:p>
-            <a:pPr lvl="4"/>
-            <a:r>
-              <a:rPr lang="de-DE"/>
-              <a:t>Fünfte Ebene</a:t>
-            </a:r>
-            <a:endParaRPr lang="de-CH"/>
-          </a:p>
-        </p:txBody>
-      </p:sp>
-      <p:sp>
-        <p:nvSpPr>
-          <p:cNvPr id="4" name="Datumsplatzhalter 3">
+      </p:pic>
+      <p:sp>
+        <p:nvSpPr>
+          <p:cNvPr id="16" name="Oval 15"/>
+          <p:cNvSpPr/>
+          <p:nvPr/>
+        </p:nvSpPr>
+        <p:spPr>
+          <a:xfrm>
+            <a:off x="8609012" y="1676400"/>
+            <a:ext cx="2819400" cy="2819400"/>
+          </a:xfrm>
+          <a:prstGeom prst="ellipse">
+            <a:avLst/>
+          </a:prstGeom>
+          <a:gradFill flip="none" rotWithShape="1">
+            <a:gsLst>
+              <a:gs pos="0">
+                <a:schemeClr val="accent5">
+                  <a:alpha val="7000"/>
+                </a:schemeClr>
+              </a:gs>
+              <a:gs pos="69000">
+                <a:schemeClr val="accent5">
+                  <a:alpha val="0"/>
+                </a:schemeClr>
+              </a:gs>
+              <a:gs pos="36000">
+                <a:schemeClr val="accent5">
+                  <a:alpha val="6000"/>
+                </a:schemeClr>
+              </a:gs>
+            </a:gsLst>
+            <a:path path="circle">
+              <a:fillToRect l="50000" t="50000" r="50000" b="50000"/>
+            </a:path>
+            <a:tileRect/>
+          </a:gradFill>
+          <a:ln>
+            <a:noFill/>
+          </a:ln>
+          <a:effectLst/>
+        </p:spPr>
+        <p:style>
+          <a:lnRef idx="1">
+            <a:schemeClr val="accent1"/>
+          </a:lnRef>
+          <a:fillRef idx="3">
+            <a:schemeClr val="accent1"/>
+          </a:fillRef>
+          <a:effectRef idx="2">
+            <a:schemeClr val="accent1"/>
+          </a:effectRef>
+          <a:fontRef idx="minor">
+            <a:schemeClr val="lt1"/>
+          </a:fontRef>
+        </p:style>
+      </p:sp>
+      <p:pic>
+        <p:nvPicPr>
+          <p:cNvPr id="9" name="Picture 8"/>
+          <p:cNvPicPr>
+            <a:picLocks noChangeAspect="1"/>
+          </p:cNvPicPr>
+          <p:nvPr/>
+        </p:nvPicPr>
+        <p:blipFill rotWithShape="1">
+          <a:blip r:embed="rId21">
             <a:extLst>
-              <a:ext uri="{FF2B5EF4-FFF2-40B4-BE49-F238E27FC236}">
-                <a16:creationId xmlns:a16="http://schemas.microsoft.com/office/drawing/2014/main" id="{A8A7DD08-F26D-46D2-8E13-7956DFB15EBA}"/>
+              <a:ext uri="{28A0092B-C50C-407E-A947-70E740481C1C}">
+                <a14:useLocalDpi xmlns:a14="http://schemas.microsoft.com/office/drawing/2010/main" val="0"/>
               </a:ext>
             </a:extLst>
-          </p:cNvPr>
-          <p:cNvSpPr>
-            <a:spLocks noGrp="1"/>
-          </p:cNvSpPr>
-          <p:nvPr>
-            <p:ph type="dt" sz="half" idx="2"/>
-          </p:nvPr>
-        </p:nvSpPr>
+          </a:blip>
+          <a:srcRect t="28813"/>
+          <a:stretch/>
+        </p:blipFill>
         <p:spPr>
           <a:xfrm>
-            <a:off x="838200" y="6356350"/>
-            <a:ext cx="2743200" cy="365125"/>
+            <a:off x="7999412" y="0"/>
+            <a:ext cx="1603387" cy="1141407"/>
           </a:xfrm>
           <a:prstGeom prst="rect">
             <a:avLst/>
           </a:prstGeom>
         </p:spPr>
-        <p:txBody>
-          <a:bodyPr vert="horz" lIns="91440" tIns="45720" rIns="91440" bIns="45720" rtlCol="0" anchor="ctr"/>
+      </p:pic>
+      <p:pic>
+        <p:nvPicPr>
+          <p:cNvPr id="10" name="Picture 9"/>
+          <p:cNvPicPr>
+            <a:picLocks noChangeAspect="1"/>
+          </p:cNvPicPr>
+          <p:nvPr/>
+        </p:nvPicPr>
+        <p:blipFill rotWithShape="1">
+          <a:blip r:embed="rId22">
+            <a:extLst>
+              <a:ext uri="{28A0092B-C50C-407E-A947-70E740481C1C}">
+                <a14:useLocalDpi xmlns:a14="http://schemas.microsoft.com/office/drawing/2010/main" val="0"/>
+              </a:ext>
+            </a:extLst>
+          </a:blip>
+          <a:srcRect b="23320"/>
+          <a:stretch/>
+        </p:blipFill>
+        <p:spPr>
+          <a:xfrm>
+            <a:off x="8609012" y="6096000"/>
+            <a:ext cx="993734" cy="762000"/>
+          </a:xfrm>
+          <a:prstGeom prst="rect">
+            <a:avLst/>
+          </a:prstGeom>
+        </p:spPr>
+      </p:pic>
+      <p:sp>
+        <p:nvSpPr>
+          <p:cNvPr id="14" name="Rectangle 13"/>
+          <p:cNvSpPr/>
+          <p:nvPr/>
+        </p:nvSpPr>
+        <p:spPr>
+          <a:xfrm>
+            <a:off x="10437812" y="0"/>
+            <a:ext cx="685800" cy="1143000"/>
+          </a:xfrm>
+          <a:prstGeom prst="rect">
+            <a:avLst/>
+          </a:prstGeom>
+          <a:solidFill>
+            <a:schemeClr val="accent1"/>
+          </a:solidFill>
+          <a:ln>
+            <a:noFill/>
+          </a:ln>
+        </p:spPr>
+        <p:style>
+          <a:lnRef idx="1">
+            <a:schemeClr val="accent1"/>
+          </a:lnRef>
+          <a:fillRef idx="3">
+            <a:schemeClr val="accent1"/>
+          </a:fillRef>
+          <a:effectRef idx="2">
+            <a:schemeClr val="accent1"/>
+          </a:effectRef>
+          <a:fontRef idx="minor">
+            <a:schemeClr val="lt1"/>
+          </a:fontRef>
+        </p:style>
+      </p:sp>
+      <p:sp>
+        <p:nvSpPr>
+          <p:cNvPr id="2" name="Title Placeholder 1"/>
+          <p:cNvSpPr>
+            <a:spLocks noGrp="1"/>
+          </p:cNvSpPr>
+          <p:nvPr>
+            <p:ph type="title"/>
+          </p:nvPr>
+        </p:nvSpPr>
+        <p:spPr>
+          <a:xfrm>
+            <a:off x="646111" y="452718"/>
+            <a:ext cx="9404723" cy="1400530"/>
+          </a:xfrm>
+          <a:prstGeom prst="rect">
+            <a:avLst/>
+          </a:prstGeom>
+        </p:spPr>
+        <p:txBody>
+          <a:bodyPr vert="horz" lIns="91440" tIns="45720" rIns="91440" bIns="45720" rtlCol="0" anchor="t">
+            <a:noAutofit/>
+          </a:bodyPr>
+          <a:lstStyle/>
+          <a:p>
+            <a:r>
+              <a:rPr lang="de-DE"/>
+              <a:t>Mastertitelformat bearbeiten</a:t>
+            </a:r>
+            <a:endParaRPr lang="en-US" dirty="0"/>
+          </a:p>
+        </p:txBody>
+      </p:sp>
+      <p:sp>
+        <p:nvSpPr>
+          <p:cNvPr id="3" name="Text Placeholder 2"/>
+          <p:cNvSpPr>
+            <a:spLocks noGrp="1"/>
+          </p:cNvSpPr>
+          <p:nvPr>
+            <p:ph type="body" idx="1"/>
+          </p:nvPr>
+        </p:nvSpPr>
+        <p:spPr>
+          <a:xfrm>
+            <a:off x="1103312" y="2052918"/>
+            <a:ext cx="8946541" cy="4195481"/>
+          </a:xfrm>
+          <a:prstGeom prst="rect">
+            <a:avLst/>
+          </a:prstGeom>
+        </p:spPr>
+        <p:txBody>
+          <a:bodyPr vert="horz" lIns="91440" tIns="45720" rIns="91440" bIns="45720" rtlCol="0">
+            <a:normAutofit/>
+          </a:bodyPr>
+          <a:lstStyle/>
+          <a:p>
+            <a:pPr lvl="0"/>
+            <a:r>
+              <a:rPr lang="de-DE"/>
+              <a:t>Mastertextformat bearbeiten</a:t>
+            </a:r>
+          </a:p>
+          <a:p>
+            <a:pPr lvl="1"/>
+            <a:r>
+              <a:rPr lang="de-DE"/>
+              <a:t>Zweite Ebene</a:t>
+            </a:r>
+          </a:p>
+          <a:p>
+            <a:pPr lvl="2"/>
+            <a:r>
+              <a:rPr lang="de-DE"/>
+              <a:t>Dritte Ebene</a:t>
+            </a:r>
+          </a:p>
+          <a:p>
+            <a:pPr lvl="3"/>
+            <a:r>
+              <a:rPr lang="de-DE"/>
+              <a:t>Vierte Ebene</a:t>
+            </a:r>
+          </a:p>
+          <a:p>
+            <a:pPr lvl="4"/>
+            <a:r>
+              <a:rPr lang="de-DE"/>
+              <a:t>Fünfte Ebene</a:t>
+            </a:r>
+            <a:endParaRPr lang="en-US" dirty="0"/>
+          </a:p>
+        </p:txBody>
+      </p:sp>
+      <p:sp>
+        <p:nvSpPr>
+          <p:cNvPr id="4" name="Date Placeholder 3"/>
+          <p:cNvSpPr>
+            <a:spLocks noGrp="1"/>
+          </p:cNvSpPr>
+          <p:nvPr>
+            <p:ph type="dt" sz="half" idx="2"/>
+          </p:nvPr>
+        </p:nvSpPr>
+        <p:spPr>
+          <a:xfrm rot="5400000">
+            <a:off x="10155639" y="1790701"/>
+            <a:ext cx="990599" cy="304799"/>
+          </a:xfrm>
+          <a:prstGeom prst="rect">
+            <a:avLst/>
+          </a:prstGeom>
+        </p:spPr>
+        <p:txBody>
+          <a:bodyPr vert="horz" lIns="91440" tIns="45720" rIns="91440" bIns="45720" rtlCol="0" anchor="t"/>
           <a:lstStyle>
             <a:lvl1pPr algn="l">
-              <a:defRPr sz="1200">
+              <a:defRPr sz="1100" b="0" i="0">
+                <a:solidFill>
+                  <a:schemeClr val="tx1">
+                    <a:tint val="75000"/>
+                    <a:alpha val="60000"/>
+                  </a:schemeClr>
+                </a:solidFill>
+              </a:defRPr>
+            </a:lvl1pPr>
+          </a:lstStyle>
+          <a:p>
+            <a:fld id="{0520FE58-B2A7-4B29-A68D-A4F9CD003A4B}" type="datetimeFigureOut">
+              <a:rPr lang="de-CH" smtClean="0"/>
+              <a:t>29.03.2018</a:t>
+            </a:fld>
+            <a:endParaRPr lang="de-CH"/>
+          </a:p>
+        </p:txBody>
+      </p:sp>
+      <p:sp>
+        <p:nvSpPr>
+          <p:cNvPr id="5" name="Footer Placeholder 4"/>
+          <p:cNvSpPr>
+            <a:spLocks noGrp="1"/>
+          </p:cNvSpPr>
+          <p:nvPr>
+            <p:ph type="ftr" sz="quarter" idx="3"/>
+          </p:nvPr>
+        </p:nvSpPr>
+        <p:spPr>
+          <a:xfrm rot="5400000">
+            <a:off x="8951573" y="3225297"/>
+            <a:ext cx="3859795" cy="304801"/>
+          </a:xfrm>
+          <a:prstGeom prst="rect">
+            <a:avLst/>
+          </a:prstGeom>
+        </p:spPr>
+        <p:txBody>
+          <a:bodyPr vert="horz" lIns="91440" tIns="45720" rIns="91440" bIns="45720" rtlCol="0" anchor="b"/>
+          <a:lstStyle>
+            <a:lvl1pPr algn="l">
+              <a:defRPr sz="1100" b="0" i="0">
+                <a:solidFill>
+                  <a:schemeClr val="tx1">
+                    <a:tint val="75000"/>
+                    <a:alpha val="60000"/>
+                  </a:schemeClr>
+                </a:solidFill>
+              </a:defRPr>
+            </a:lvl1pPr>
+          </a:lstStyle>
+          <a:p>
+            <a:endParaRPr lang="de-CH"/>
+          </a:p>
+        </p:txBody>
+      </p:sp>
+      <p:sp>
+        <p:nvSpPr>
+          <p:cNvPr id="6" name="Slide Number Placeholder 5"/>
+          <p:cNvSpPr>
+            <a:spLocks noGrp="1"/>
+          </p:cNvSpPr>
+          <p:nvPr>
+            <p:ph type="sldNum" sz="quarter" idx="4"/>
+          </p:nvPr>
+        </p:nvSpPr>
+        <p:spPr bwMode="gray">
+          <a:xfrm>
+            <a:off x="10352540" y="295729"/>
+            <a:ext cx="838199" cy="767687"/>
+          </a:xfrm>
+          <a:prstGeom prst="rect">
+            <a:avLst/>
+          </a:prstGeom>
+        </p:spPr>
+        <p:txBody>
+          <a:bodyPr vert="horz" lIns="91440" tIns="45720" rIns="91440" bIns="45720" rtlCol="0" anchor="b"/>
+          <a:lstStyle>
+            <a:lvl1pPr algn="ctr">
+              <a:defRPr sz="2800" b="0" i="0">
                 <a:solidFill>
                   <a:schemeClr val="tx1">
                     <a:tint val="75000"/>
@@ -2933,99 +5615,9 @@
             </a:lvl1pPr>
           </a:lstStyle>
           <a:p>
-            <a:fld id="{0520FE58-B2A7-4B29-A68D-A4F9CD003A4B}" type="datetimeFigureOut">
-              <a:rPr lang="de-CH" smtClean="0"/>
-              <a:t>29.03.2018</a:t>
-            </a:fld>
-            <a:endParaRPr lang="de-CH"/>
-          </a:p>
-        </p:txBody>
-      </p:sp>
-      <p:sp>
-        <p:nvSpPr>
-          <p:cNvPr id="5" name="Fußzeilenplatzhalter 4">
-            <a:extLst>
-              <a:ext uri="{FF2B5EF4-FFF2-40B4-BE49-F238E27FC236}">
-                <a16:creationId xmlns:a16="http://schemas.microsoft.com/office/drawing/2014/main" id="{688F5458-8759-4EE7-AD9F-AC5F74303740}"/>
-              </a:ext>
-            </a:extLst>
-          </p:cNvPr>
-          <p:cNvSpPr>
-            <a:spLocks noGrp="1"/>
-          </p:cNvSpPr>
-          <p:nvPr>
-            <p:ph type="ftr" sz="quarter" idx="3"/>
-          </p:nvPr>
-        </p:nvSpPr>
-        <p:spPr>
-          <a:xfrm>
-            <a:off x="4038600" y="6356350"/>
-            <a:ext cx="4114800" cy="365125"/>
-          </a:xfrm>
-          <a:prstGeom prst="rect">
-            <a:avLst/>
-          </a:prstGeom>
-        </p:spPr>
-        <p:txBody>
-          <a:bodyPr vert="horz" lIns="91440" tIns="45720" rIns="91440" bIns="45720" rtlCol="0" anchor="ctr"/>
-          <a:lstStyle>
-            <a:lvl1pPr algn="ctr">
-              <a:defRPr sz="1200">
-                <a:solidFill>
-                  <a:schemeClr val="tx1">
-                    <a:tint val="75000"/>
-                  </a:schemeClr>
-                </a:solidFill>
-              </a:defRPr>
-            </a:lvl1pPr>
-          </a:lstStyle>
-          <a:p>
-            <a:endParaRPr lang="de-CH"/>
-          </a:p>
-        </p:txBody>
-      </p:sp>
-      <p:sp>
-        <p:nvSpPr>
-          <p:cNvPr id="6" name="Foliennummernplatzhalter 5">
-            <a:extLst>
-              <a:ext uri="{FF2B5EF4-FFF2-40B4-BE49-F238E27FC236}">
-                <a16:creationId xmlns:a16="http://schemas.microsoft.com/office/drawing/2014/main" id="{945C98C7-0BDE-4890-80F8-E559408B7529}"/>
-              </a:ext>
-            </a:extLst>
-          </p:cNvPr>
-          <p:cNvSpPr>
-            <a:spLocks noGrp="1"/>
-          </p:cNvSpPr>
-          <p:nvPr>
-            <p:ph type="sldNum" sz="quarter" idx="4"/>
-          </p:nvPr>
-        </p:nvSpPr>
-        <p:spPr>
-          <a:xfrm>
-            <a:off x="8610600" y="6356350"/>
-            <a:ext cx="2743200" cy="365125"/>
-          </a:xfrm>
-          <a:prstGeom prst="rect">
-            <a:avLst/>
-          </a:prstGeom>
-        </p:spPr>
-        <p:txBody>
-          <a:bodyPr vert="horz" lIns="91440" tIns="45720" rIns="91440" bIns="45720" rtlCol="0" anchor="ctr"/>
-          <a:lstStyle>
-            <a:lvl1pPr algn="r">
-              <a:defRPr sz="1200">
-                <a:solidFill>
-                  <a:schemeClr val="tx1">
-                    <a:tint val="75000"/>
-                  </a:schemeClr>
-                </a:solidFill>
-              </a:defRPr>
-            </a:lvl1pPr>
-          </a:lstStyle>
-          <a:p>
             <a:fld id="{2EC790A5-A061-4B31-AF6D-AC0DEB490C20}" type="slidenum">
               <a:rPr lang="de-CH" smtClean="0"/>
-              <a:t>‹#›</a:t>
+              <a:t>‹Nr.›</a:t>
             </a:fld>
             <a:endParaRPr lang="de-CH"/>
           </a:p>
@@ -3034,35 +5626,121 @@
     </p:spTree>
     <p:extLst>
       <p:ext uri="{BB962C8B-B14F-4D97-AF65-F5344CB8AC3E}">
-        <p14:creationId xmlns:p14="http://schemas.microsoft.com/office/powerpoint/2010/main" val="366325424"/>
+        <p14:creationId xmlns:p14="http://schemas.microsoft.com/office/powerpoint/2010/main" val="2368258941"/>
       </p:ext>
     </p:extLst>
   </p:cSld>
-  <p:clrMap bg1="lt1" tx1="dk1" bg2="lt2" tx2="dk2" accent1="accent1" accent2="accent2" accent3="accent3" accent4="accent4" accent5="accent5" accent6="accent6" hlink="hlink" folHlink="folHlink"/>
+  <p:clrMap bg1="dk1" tx1="lt1" bg2="dk2" tx2="lt2" accent1="accent1" accent2="accent2" accent3="accent3" accent4="accent4" accent5="accent5" accent6="accent6" hlink="hlink" folHlink="folHlink"/>
   <p:sldLayoutIdLst>
-    <p:sldLayoutId id="2147483649" r:id="rId1"/>
-    <p:sldLayoutId id="2147483650" r:id="rId2"/>
-    <p:sldLayoutId id="2147483651" r:id="rId3"/>
-    <p:sldLayoutId id="2147483652" r:id="rId4"/>
-    <p:sldLayoutId id="2147483653" r:id="rId5"/>
-    <p:sldLayoutId id="2147483654" r:id="rId6"/>
-    <p:sldLayoutId id="2147483655" r:id="rId7"/>
-    <p:sldLayoutId id="2147483656" r:id="rId8"/>
-    <p:sldLayoutId id="2147483657" r:id="rId9"/>
-    <p:sldLayoutId id="2147483658" r:id="rId10"/>
-    <p:sldLayoutId id="2147483659" r:id="rId11"/>
+    <p:sldLayoutId id="2147483715" r:id="rId1"/>
+    <p:sldLayoutId id="2147483716" r:id="rId2"/>
+    <p:sldLayoutId id="2147483717" r:id="rId3"/>
+    <p:sldLayoutId id="2147483718" r:id="rId4"/>
+    <p:sldLayoutId id="2147483719" r:id="rId5"/>
+    <p:sldLayoutId id="2147483720" r:id="rId6"/>
+    <p:sldLayoutId id="2147483721" r:id="rId7"/>
+    <p:sldLayoutId id="2147483722" r:id="rId8"/>
+    <p:sldLayoutId id="2147483723" r:id="rId9"/>
+    <p:sldLayoutId id="2147483724" r:id="rId10"/>
+    <p:sldLayoutId id="2147483725" r:id="rId11"/>
+    <p:sldLayoutId id="2147483726" r:id="rId12"/>
+    <p:sldLayoutId id="2147483727" r:id="rId13"/>
+    <p:sldLayoutId id="2147483728" r:id="rId14"/>
+    <p:sldLayoutId id="2147483729" r:id="rId15"/>
+    <p:sldLayoutId id="2147483730" r:id="rId16"/>
+    <p:sldLayoutId id="2147483731" r:id="rId17"/>
   </p:sldLayoutIdLst>
   <p:txStyles>
     <p:titleStyle>
-      <a:lvl1pPr algn="l" defTabSz="914400" rtl="0" eaLnBrk="1" latinLnBrk="0" hangingPunct="1">
-        <a:lnSpc>
-          <a:spcPct val="90000"/>
-        </a:lnSpc>
+      <a:lvl1pPr algn="l" defTabSz="457200" rtl="0" eaLnBrk="1" latinLnBrk="0" hangingPunct="1">
         <a:spcBef>
           <a:spcPct val="0"/>
         </a:spcBef>
         <a:buNone/>
-        <a:defRPr sz="4400" kern="1200">
+        <a:defRPr sz="4200" b="0" i="0" kern="1200">
+          <a:solidFill>
+            <a:schemeClr val="tx2"/>
+          </a:solidFill>
+          <a:latin typeface="+mj-lt"/>
+          <a:ea typeface="+mj-ea"/>
+          <a:cs typeface="+mj-cs"/>
+        </a:defRPr>
+      </a:lvl1pPr>
+      <a:lvl2pPr eaLnBrk="1" hangingPunct="1">
+        <a:defRPr>
+          <a:solidFill>
+            <a:schemeClr val="tx2"/>
+          </a:solidFill>
+        </a:defRPr>
+      </a:lvl2pPr>
+      <a:lvl3pPr eaLnBrk="1" hangingPunct="1">
+        <a:defRPr>
+          <a:solidFill>
+            <a:schemeClr val="tx2"/>
+          </a:solidFill>
+        </a:defRPr>
+      </a:lvl3pPr>
+      <a:lvl4pPr eaLnBrk="1" hangingPunct="1">
+        <a:defRPr>
+          <a:solidFill>
+            <a:schemeClr val="tx2"/>
+          </a:solidFill>
+        </a:defRPr>
+      </a:lvl4pPr>
+      <a:lvl5pPr eaLnBrk="1" hangingPunct="1">
+        <a:defRPr>
+          <a:solidFill>
+            <a:schemeClr val="tx2"/>
+          </a:solidFill>
+        </a:defRPr>
+      </a:lvl5pPr>
+      <a:lvl6pPr eaLnBrk="1" hangingPunct="1">
+        <a:defRPr>
+          <a:solidFill>
+            <a:schemeClr val="tx2"/>
+          </a:solidFill>
+        </a:defRPr>
+      </a:lvl6pPr>
+      <a:lvl7pPr eaLnBrk="1" hangingPunct="1">
+        <a:defRPr>
+          <a:solidFill>
+            <a:schemeClr val="tx2"/>
+          </a:solidFill>
+        </a:defRPr>
+      </a:lvl7pPr>
+      <a:lvl8pPr eaLnBrk="1" hangingPunct="1">
+        <a:defRPr>
+          <a:solidFill>
+            <a:schemeClr val="tx2"/>
+          </a:solidFill>
+        </a:defRPr>
+      </a:lvl8pPr>
+      <a:lvl9pPr eaLnBrk="1" hangingPunct="1">
+        <a:defRPr>
+          <a:solidFill>
+            <a:schemeClr val="tx2"/>
+          </a:solidFill>
+        </a:defRPr>
+      </a:lvl9pPr>
+    </p:titleStyle>
+    <p:bodyStyle>
+      <a:lvl1pPr marL="342900" indent="-342900" algn="l" defTabSz="457200" rtl="0" eaLnBrk="1" latinLnBrk="0" hangingPunct="1">
+        <a:spcBef>
+          <a:spcPts val="1000"/>
+        </a:spcBef>
+        <a:spcAft>
+          <a:spcPts val="0"/>
+        </a:spcAft>
+        <a:buClr>
+          <a:schemeClr val="accent1">
+            <a:lumMod val="60000"/>
+            <a:lumOff val="40000"/>
+          </a:schemeClr>
+        </a:buClr>
+        <a:buSzPct val="80000"/>
+        <a:buFont typeface="Wingdings 3" charset="2"/>
+        <a:buChar char=""/>
+        <a:defRPr sz="2000" b="0" i="0" kern="1200">
           <a:solidFill>
             <a:schemeClr val="tx1"/>
           </a:solidFill>
@@ -3071,18 +5749,213 @@
           <a:cs typeface="+mj-cs"/>
         </a:defRPr>
       </a:lvl1pPr>
-    </p:titleStyle>
-    <p:bodyStyle>
-      <a:lvl1pPr marL="228600" indent="-228600" algn="l" defTabSz="914400" rtl="0" eaLnBrk="1" latinLnBrk="0" hangingPunct="1">
-        <a:lnSpc>
-          <a:spcPct val="90000"/>
-        </a:lnSpc>
+      <a:lvl2pPr marL="742950" indent="-285750" algn="l" defTabSz="457200" rtl="0" eaLnBrk="1" latinLnBrk="0" hangingPunct="1">
         <a:spcBef>
           <a:spcPts val="1000"/>
         </a:spcBef>
-        <a:buFont typeface="Arial" panose="020B0604020202020204" pitchFamily="34" charset="0"/>
-        <a:buChar char="•"/>
-        <a:defRPr sz="2800" kern="1200">
+        <a:spcAft>
+          <a:spcPts val="0"/>
+        </a:spcAft>
+        <a:buClr>
+          <a:schemeClr val="accent1">
+            <a:lumMod val="60000"/>
+            <a:lumOff val="40000"/>
+          </a:schemeClr>
+        </a:buClr>
+        <a:buSzPct val="80000"/>
+        <a:buFont typeface="Wingdings 3" charset="2"/>
+        <a:buChar char=""/>
+        <a:defRPr sz="1800" b="0" i="0" kern="1200">
+          <a:solidFill>
+            <a:schemeClr val="tx1"/>
+          </a:solidFill>
+          <a:latin typeface="+mj-lt"/>
+          <a:ea typeface="+mj-ea"/>
+          <a:cs typeface="+mj-cs"/>
+        </a:defRPr>
+      </a:lvl2pPr>
+      <a:lvl3pPr marL="1143000" indent="-228600" algn="l" defTabSz="457200" rtl="0" eaLnBrk="1" latinLnBrk="0" hangingPunct="1">
+        <a:spcBef>
+          <a:spcPts val="1000"/>
+        </a:spcBef>
+        <a:spcAft>
+          <a:spcPts val="0"/>
+        </a:spcAft>
+        <a:buClr>
+          <a:schemeClr val="accent1">
+            <a:lumMod val="60000"/>
+            <a:lumOff val="40000"/>
+          </a:schemeClr>
+        </a:buClr>
+        <a:buSzPct val="80000"/>
+        <a:buFont typeface="Wingdings 3" charset="2"/>
+        <a:buChar char=""/>
+        <a:defRPr sz="1600" b="0" i="0" kern="1200">
+          <a:solidFill>
+            <a:schemeClr val="tx1"/>
+          </a:solidFill>
+          <a:latin typeface="+mj-lt"/>
+          <a:ea typeface="+mj-ea"/>
+          <a:cs typeface="+mj-cs"/>
+        </a:defRPr>
+      </a:lvl3pPr>
+      <a:lvl4pPr marL="1600200" indent="-228600" algn="l" defTabSz="457200" rtl="0" eaLnBrk="1" latinLnBrk="0" hangingPunct="1">
+        <a:spcBef>
+          <a:spcPts val="1000"/>
+        </a:spcBef>
+        <a:spcAft>
+          <a:spcPts val="0"/>
+        </a:spcAft>
+        <a:buClr>
+          <a:schemeClr val="accent1">
+            <a:lumMod val="60000"/>
+            <a:lumOff val="40000"/>
+          </a:schemeClr>
+        </a:buClr>
+        <a:buSzPct val="80000"/>
+        <a:buFont typeface="Wingdings 3" charset="2"/>
+        <a:buChar char=""/>
+        <a:defRPr sz="1400" b="0" i="0" kern="1200">
+          <a:solidFill>
+            <a:schemeClr val="tx1"/>
+          </a:solidFill>
+          <a:latin typeface="+mj-lt"/>
+          <a:ea typeface="+mj-ea"/>
+          <a:cs typeface="+mj-cs"/>
+        </a:defRPr>
+      </a:lvl4pPr>
+      <a:lvl5pPr marL="2057400" indent="-228600" algn="l" defTabSz="457200" rtl="0" eaLnBrk="1" latinLnBrk="0" hangingPunct="1">
+        <a:spcBef>
+          <a:spcPts val="1000"/>
+        </a:spcBef>
+        <a:spcAft>
+          <a:spcPts val="0"/>
+        </a:spcAft>
+        <a:buClr>
+          <a:schemeClr val="accent1">
+            <a:lumMod val="60000"/>
+            <a:lumOff val="40000"/>
+          </a:schemeClr>
+        </a:buClr>
+        <a:buSzPct val="80000"/>
+        <a:buFont typeface="Wingdings 3" charset="2"/>
+        <a:buChar char=""/>
+        <a:defRPr sz="1400" b="0" i="0" kern="1200">
+          <a:solidFill>
+            <a:schemeClr val="tx1"/>
+          </a:solidFill>
+          <a:latin typeface="+mj-lt"/>
+          <a:ea typeface="+mj-ea"/>
+          <a:cs typeface="+mj-cs"/>
+        </a:defRPr>
+      </a:lvl5pPr>
+      <a:lvl6pPr marL="2514600" indent="-228600" algn="l" defTabSz="457200" rtl="0" eaLnBrk="1" latinLnBrk="0" hangingPunct="1">
+        <a:spcBef>
+          <a:spcPts val="1000"/>
+        </a:spcBef>
+        <a:spcAft>
+          <a:spcPts val="0"/>
+        </a:spcAft>
+        <a:buClr>
+          <a:schemeClr val="accent1">
+            <a:lumMod val="60000"/>
+            <a:lumOff val="40000"/>
+          </a:schemeClr>
+        </a:buClr>
+        <a:buSzPct val="80000"/>
+        <a:buFont typeface="Wingdings 3" charset="2"/>
+        <a:buChar char=""/>
+        <a:defRPr sz="1400" b="0" i="0" kern="1200">
+          <a:solidFill>
+            <a:schemeClr val="tx1"/>
+          </a:solidFill>
+          <a:latin typeface="+mj-lt"/>
+          <a:ea typeface="+mj-ea"/>
+          <a:cs typeface="+mj-cs"/>
+        </a:defRPr>
+      </a:lvl6pPr>
+      <a:lvl7pPr marL="2971800" indent="-228600" algn="l" defTabSz="457200" rtl="0" eaLnBrk="1" latinLnBrk="0" hangingPunct="1">
+        <a:spcBef>
+          <a:spcPts val="1000"/>
+        </a:spcBef>
+        <a:spcAft>
+          <a:spcPts val="0"/>
+        </a:spcAft>
+        <a:buClr>
+          <a:schemeClr val="accent1">
+            <a:lumMod val="60000"/>
+            <a:lumOff val="40000"/>
+          </a:schemeClr>
+        </a:buClr>
+        <a:buSzPct val="80000"/>
+        <a:buFont typeface="Wingdings 3" charset="2"/>
+        <a:buChar char=""/>
+        <a:defRPr sz="1400" b="0" i="0" kern="1200">
+          <a:solidFill>
+            <a:schemeClr val="tx1"/>
+          </a:solidFill>
+          <a:latin typeface="+mj-lt"/>
+          <a:ea typeface="+mj-ea"/>
+          <a:cs typeface="+mj-cs"/>
+        </a:defRPr>
+      </a:lvl7pPr>
+      <a:lvl8pPr marL="3429000" indent="-228600" algn="l" defTabSz="457200" rtl="0" eaLnBrk="1" latinLnBrk="0" hangingPunct="1">
+        <a:spcBef>
+          <a:spcPts val="1000"/>
+        </a:spcBef>
+        <a:spcAft>
+          <a:spcPts val="0"/>
+        </a:spcAft>
+        <a:buClr>
+          <a:schemeClr val="accent1">
+            <a:lumMod val="60000"/>
+            <a:lumOff val="40000"/>
+          </a:schemeClr>
+        </a:buClr>
+        <a:buSzPct val="80000"/>
+        <a:buFont typeface="Wingdings 3" charset="2"/>
+        <a:buChar char=""/>
+        <a:defRPr sz="1400" b="0" i="0" kern="1200">
+          <a:solidFill>
+            <a:schemeClr val="tx1"/>
+          </a:solidFill>
+          <a:latin typeface="+mj-lt"/>
+          <a:ea typeface="+mj-ea"/>
+          <a:cs typeface="+mj-cs"/>
+        </a:defRPr>
+      </a:lvl8pPr>
+      <a:lvl9pPr marL="3886200" indent="-228600" algn="l" defTabSz="457200" rtl="0" eaLnBrk="1" latinLnBrk="0" hangingPunct="1">
+        <a:spcBef>
+          <a:spcPts val="1000"/>
+        </a:spcBef>
+        <a:spcAft>
+          <a:spcPts val="0"/>
+        </a:spcAft>
+        <a:buClr>
+          <a:schemeClr val="accent1">
+            <a:lumMod val="60000"/>
+            <a:lumOff val="40000"/>
+          </a:schemeClr>
+        </a:buClr>
+        <a:buSzPct val="80000"/>
+        <a:buFont typeface="Wingdings 3" charset="2"/>
+        <a:buChar char=""/>
+        <a:defRPr sz="1400" b="0" i="0" kern="1200">
+          <a:solidFill>
+            <a:schemeClr val="tx1"/>
+          </a:solidFill>
+          <a:latin typeface="+mj-lt"/>
+          <a:ea typeface="+mj-ea"/>
+          <a:cs typeface="+mj-cs"/>
+        </a:defRPr>
+      </a:lvl9pPr>
+    </p:bodyStyle>
+    <p:otherStyle>
+      <a:defPPr>
+        <a:defRPr lang="en-US"/>
+      </a:defPPr>
+      <a:lvl1pPr marL="0" algn="l" defTabSz="457200" rtl="0" eaLnBrk="1" latinLnBrk="0" hangingPunct="1">
+        <a:defRPr sz="1800" kern="1200">
           <a:solidFill>
             <a:schemeClr val="tx1"/>
           </a:solidFill>
@@ -3091,16 +5964,8 @@
           <a:cs typeface="+mn-cs"/>
         </a:defRPr>
       </a:lvl1pPr>
-      <a:lvl2pPr marL="685800" indent="-228600" algn="l" defTabSz="914400" rtl="0" eaLnBrk="1" latinLnBrk="0" hangingPunct="1">
-        <a:lnSpc>
-          <a:spcPct val="90000"/>
-        </a:lnSpc>
-        <a:spcBef>
-          <a:spcPts val="500"/>
-        </a:spcBef>
-        <a:buFont typeface="Arial" panose="020B0604020202020204" pitchFamily="34" charset="0"/>
-        <a:buChar char="•"/>
-        <a:defRPr sz="2400" kern="1200">
+      <a:lvl2pPr marL="457200" algn="l" defTabSz="457200" rtl="0" eaLnBrk="1" latinLnBrk="0" hangingPunct="1">
+        <a:defRPr sz="1800" kern="1200">
           <a:solidFill>
             <a:schemeClr val="tx1"/>
           </a:solidFill>
@@ -3109,16 +5974,8 @@
           <a:cs typeface="+mn-cs"/>
         </a:defRPr>
       </a:lvl2pPr>
-      <a:lvl3pPr marL="1143000" indent="-228600" algn="l" defTabSz="914400" rtl="0" eaLnBrk="1" latinLnBrk="0" hangingPunct="1">
-        <a:lnSpc>
-          <a:spcPct val="90000"/>
-        </a:lnSpc>
-        <a:spcBef>
-          <a:spcPts val="500"/>
-        </a:spcBef>
-        <a:buFont typeface="Arial" panose="020B0604020202020204" pitchFamily="34" charset="0"/>
-        <a:buChar char="•"/>
-        <a:defRPr sz="2000" kern="1200">
+      <a:lvl3pPr marL="914400" algn="l" defTabSz="457200" rtl="0" eaLnBrk="1" latinLnBrk="0" hangingPunct="1">
+        <a:defRPr sz="1800" kern="1200">
           <a:solidFill>
             <a:schemeClr val="tx1"/>
           </a:solidFill>
@@ -3127,15 +5984,7 @@
           <a:cs typeface="+mn-cs"/>
         </a:defRPr>
       </a:lvl3pPr>
-      <a:lvl4pPr marL="1600200" indent="-228600" algn="l" defTabSz="914400" rtl="0" eaLnBrk="1" latinLnBrk="0" hangingPunct="1">
-        <a:lnSpc>
-          <a:spcPct val="90000"/>
-        </a:lnSpc>
-        <a:spcBef>
-          <a:spcPts val="500"/>
-        </a:spcBef>
-        <a:buFont typeface="Arial" panose="020B0604020202020204" pitchFamily="34" charset="0"/>
-        <a:buChar char="•"/>
+      <a:lvl4pPr marL="1371600" algn="l" defTabSz="457200" rtl="0" eaLnBrk="1" latinLnBrk="0" hangingPunct="1">
         <a:defRPr sz="1800" kern="1200">
           <a:solidFill>
             <a:schemeClr val="tx1"/>
@@ -3145,15 +5994,7 @@
           <a:cs typeface="+mn-cs"/>
         </a:defRPr>
       </a:lvl4pPr>
-      <a:lvl5pPr marL="2057400" indent="-228600" algn="l" defTabSz="914400" rtl="0" eaLnBrk="1" latinLnBrk="0" hangingPunct="1">
-        <a:lnSpc>
-          <a:spcPct val="90000"/>
-        </a:lnSpc>
-        <a:spcBef>
-          <a:spcPts val="500"/>
-        </a:spcBef>
-        <a:buFont typeface="Arial" panose="020B0604020202020204" pitchFamily="34" charset="0"/>
-        <a:buChar char="•"/>
+      <a:lvl5pPr marL="1828800" algn="l" defTabSz="457200" rtl="0" eaLnBrk="1" latinLnBrk="0" hangingPunct="1">
         <a:defRPr sz="1800" kern="1200">
           <a:solidFill>
             <a:schemeClr val="tx1"/>
@@ -3163,15 +6004,7 @@
           <a:cs typeface="+mn-cs"/>
         </a:defRPr>
       </a:lvl5pPr>
-      <a:lvl6pPr marL="2514600" indent="-228600" algn="l" defTabSz="914400" rtl="0" eaLnBrk="1" latinLnBrk="0" hangingPunct="1">
-        <a:lnSpc>
-          <a:spcPct val="90000"/>
-        </a:lnSpc>
-        <a:spcBef>
-          <a:spcPts val="500"/>
-        </a:spcBef>
-        <a:buFont typeface="Arial" panose="020B0604020202020204" pitchFamily="34" charset="0"/>
-        <a:buChar char="•"/>
+      <a:lvl6pPr marL="2286000" algn="l" defTabSz="457200" rtl="0" eaLnBrk="1" latinLnBrk="0" hangingPunct="1">
         <a:defRPr sz="1800" kern="1200">
           <a:solidFill>
             <a:schemeClr val="tx1"/>
@@ -3181,15 +6014,7 @@
           <a:cs typeface="+mn-cs"/>
         </a:defRPr>
       </a:lvl6pPr>
-      <a:lvl7pPr marL="2971800" indent="-228600" algn="l" defTabSz="914400" rtl="0" eaLnBrk="1" latinLnBrk="0" hangingPunct="1">
-        <a:lnSpc>
-          <a:spcPct val="90000"/>
-        </a:lnSpc>
-        <a:spcBef>
-          <a:spcPts val="500"/>
-        </a:spcBef>
-        <a:buFont typeface="Arial" panose="020B0604020202020204" pitchFamily="34" charset="0"/>
-        <a:buChar char="•"/>
+      <a:lvl7pPr marL="2743200" algn="l" defTabSz="457200" rtl="0" eaLnBrk="1" latinLnBrk="0" hangingPunct="1">
         <a:defRPr sz="1800" kern="1200">
           <a:solidFill>
             <a:schemeClr val="tx1"/>
@@ -3199,15 +6024,7 @@
           <a:cs typeface="+mn-cs"/>
         </a:defRPr>
       </a:lvl7pPr>
-      <a:lvl8pPr marL="3429000" indent="-228600" algn="l" defTabSz="914400" rtl="0" eaLnBrk="1" latinLnBrk="0" hangingPunct="1">
-        <a:lnSpc>
-          <a:spcPct val="90000"/>
-        </a:lnSpc>
-        <a:spcBef>
-          <a:spcPts val="500"/>
-        </a:spcBef>
-        <a:buFont typeface="Arial" panose="020B0604020202020204" pitchFamily="34" charset="0"/>
-        <a:buChar char="•"/>
+      <a:lvl8pPr marL="3200400" algn="l" defTabSz="457200" rtl="0" eaLnBrk="1" latinLnBrk="0" hangingPunct="1">
         <a:defRPr sz="1800" kern="1200">
           <a:solidFill>
             <a:schemeClr val="tx1"/>
@@ -3217,110 +6034,7 @@
           <a:cs typeface="+mn-cs"/>
         </a:defRPr>
       </a:lvl8pPr>
-      <a:lvl9pPr marL="3886200" indent="-228600" algn="l" defTabSz="914400" rtl="0" eaLnBrk="1" latinLnBrk="0" hangingPunct="1">
-        <a:lnSpc>
-          <a:spcPct val="90000"/>
-        </a:lnSpc>
-        <a:spcBef>
-          <a:spcPts val="500"/>
-        </a:spcBef>
-        <a:buFont typeface="Arial" panose="020B0604020202020204" pitchFamily="34" charset="0"/>
-        <a:buChar char="•"/>
-        <a:defRPr sz="1800" kern="1200">
-          <a:solidFill>
-            <a:schemeClr val="tx1"/>
-          </a:solidFill>
-          <a:latin typeface="+mn-lt"/>
-          <a:ea typeface="+mn-ea"/>
-          <a:cs typeface="+mn-cs"/>
-        </a:defRPr>
-      </a:lvl9pPr>
-    </p:bodyStyle>
-    <p:otherStyle>
-      <a:defPPr>
-        <a:defRPr lang="de-DE"/>
-      </a:defPPr>
-      <a:lvl1pPr marL="0" algn="l" defTabSz="914400" rtl="0" eaLnBrk="1" latinLnBrk="0" hangingPunct="1">
-        <a:defRPr sz="1800" kern="1200">
-          <a:solidFill>
-            <a:schemeClr val="tx1"/>
-          </a:solidFill>
-          <a:latin typeface="+mn-lt"/>
-          <a:ea typeface="+mn-ea"/>
-          <a:cs typeface="+mn-cs"/>
-        </a:defRPr>
-      </a:lvl1pPr>
-      <a:lvl2pPr marL="457200" algn="l" defTabSz="914400" rtl="0" eaLnBrk="1" latinLnBrk="0" hangingPunct="1">
-        <a:defRPr sz="1800" kern="1200">
-          <a:solidFill>
-            <a:schemeClr val="tx1"/>
-          </a:solidFill>
-          <a:latin typeface="+mn-lt"/>
-          <a:ea typeface="+mn-ea"/>
-          <a:cs typeface="+mn-cs"/>
-        </a:defRPr>
-      </a:lvl2pPr>
-      <a:lvl3pPr marL="914400" algn="l" defTabSz="914400" rtl="0" eaLnBrk="1" latinLnBrk="0" hangingPunct="1">
-        <a:defRPr sz="1800" kern="1200">
-          <a:solidFill>
-            <a:schemeClr val="tx1"/>
-          </a:solidFill>
-          <a:latin typeface="+mn-lt"/>
-          <a:ea typeface="+mn-ea"/>
-          <a:cs typeface="+mn-cs"/>
-        </a:defRPr>
-      </a:lvl3pPr>
-      <a:lvl4pPr marL="1371600" algn="l" defTabSz="914400" rtl="0" eaLnBrk="1" latinLnBrk="0" hangingPunct="1">
-        <a:defRPr sz="1800" kern="1200">
-          <a:solidFill>
-            <a:schemeClr val="tx1"/>
-          </a:solidFill>
-          <a:latin typeface="+mn-lt"/>
-          <a:ea typeface="+mn-ea"/>
-          <a:cs typeface="+mn-cs"/>
-        </a:defRPr>
-      </a:lvl4pPr>
-      <a:lvl5pPr marL="1828800" algn="l" defTabSz="914400" rtl="0" eaLnBrk="1" latinLnBrk="0" hangingPunct="1">
-        <a:defRPr sz="1800" kern="1200">
-          <a:solidFill>
-            <a:schemeClr val="tx1"/>
-          </a:solidFill>
-          <a:latin typeface="+mn-lt"/>
-          <a:ea typeface="+mn-ea"/>
-          <a:cs typeface="+mn-cs"/>
-        </a:defRPr>
-      </a:lvl5pPr>
-      <a:lvl6pPr marL="2286000" algn="l" defTabSz="914400" rtl="0" eaLnBrk="1" latinLnBrk="0" hangingPunct="1">
-        <a:defRPr sz="1800" kern="1200">
-          <a:solidFill>
-            <a:schemeClr val="tx1"/>
-          </a:solidFill>
-          <a:latin typeface="+mn-lt"/>
-          <a:ea typeface="+mn-ea"/>
-          <a:cs typeface="+mn-cs"/>
-        </a:defRPr>
-      </a:lvl6pPr>
-      <a:lvl7pPr marL="2743200" algn="l" defTabSz="914400" rtl="0" eaLnBrk="1" latinLnBrk="0" hangingPunct="1">
-        <a:defRPr sz="1800" kern="1200">
-          <a:solidFill>
-            <a:schemeClr val="tx1"/>
-          </a:solidFill>
-          <a:latin typeface="+mn-lt"/>
-          <a:ea typeface="+mn-ea"/>
-          <a:cs typeface="+mn-cs"/>
-        </a:defRPr>
-      </a:lvl7pPr>
-      <a:lvl8pPr marL="3200400" algn="l" defTabSz="914400" rtl="0" eaLnBrk="1" latinLnBrk="0" hangingPunct="1">
-        <a:defRPr sz="1800" kern="1200">
-          <a:solidFill>
-            <a:schemeClr val="tx1"/>
-          </a:solidFill>
-          <a:latin typeface="+mn-lt"/>
-          <a:ea typeface="+mn-ea"/>
-          <a:cs typeface="+mn-cs"/>
-        </a:defRPr>
-      </a:lvl8pPr>
-      <a:lvl9pPr marL="3657600" algn="l" defTabSz="914400" rtl="0" eaLnBrk="1" latinLnBrk="0" hangingPunct="1">
+      <a:lvl9pPr marL="3657600" algn="l" defTabSz="457200" rtl="0" eaLnBrk="1" latinLnBrk="0" hangingPunct="1">
         <a:defRPr sz="1800" kern="1200">
           <a:solidFill>
             <a:schemeClr val="tx1"/>
@@ -3421,7 +6135,7 @@
 </p:sld>
 </file>
 
-<file path=ppt/slides/slide2.xml><?xml version="1.0" encoding="utf-8"?>
+<file path=ppt/slides/slide10.xml><?xml version="1.0" encoding="utf-8"?>
 <p:sld xmlns:a="http://schemas.openxmlformats.org/drawingml/2006/main" xmlns:r="http://schemas.openxmlformats.org/officeDocument/2006/relationships" xmlns:p="http://schemas.openxmlformats.org/presentationml/2006/main">
   <p:cSld>
     <p:spTree>
@@ -3443,229 +6157,6 @@
           <p:cNvPr id="2" name="Titel 1">
             <a:extLst>
               <a:ext uri="{FF2B5EF4-FFF2-40B4-BE49-F238E27FC236}">
-                <a16:creationId xmlns:a16="http://schemas.microsoft.com/office/drawing/2014/main" id="{4DE53AB0-7519-47C4-8463-B0560CA149C3}"/>
-              </a:ext>
-            </a:extLst>
-          </p:cNvPr>
-          <p:cNvSpPr>
-            <a:spLocks noGrp="1"/>
-          </p:cNvSpPr>
-          <p:nvPr>
-            <p:ph type="title"/>
-          </p:nvPr>
-        </p:nvSpPr>
-        <p:spPr/>
-        <p:txBody>
-          <a:bodyPr/>
-          <a:lstStyle/>
-          <a:p>
-            <a:r>
-              <a:rPr lang="de-CH" dirty="0"/>
-              <a:t>Contents</a:t>
-            </a:r>
-          </a:p>
-        </p:txBody>
-      </p:sp>
-      <p:sp>
-        <p:nvSpPr>
-          <p:cNvPr id="3" name="Inhaltsplatzhalter 2">
-            <a:extLst>
-              <a:ext uri="{FF2B5EF4-FFF2-40B4-BE49-F238E27FC236}">
-                <a16:creationId xmlns:a16="http://schemas.microsoft.com/office/drawing/2014/main" id="{1E2B0F3D-F3D4-4A10-9C3B-36CF8494D936}"/>
-              </a:ext>
-            </a:extLst>
-          </p:cNvPr>
-          <p:cNvSpPr>
-            <a:spLocks noGrp="1"/>
-          </p:cNvSpPr>
-          <p:nvPr>
-            <p:ph idx="1"/>
-          </p:nvPr>
-        </p:nvSpPr>
-        <p:spPr/>
-        <p:txBody>
-          <a:bodyPr/>
-          <a:lstStyle/>
-          <a:p>
-            <a:r>
-              <a:rPr lang="de-CH" dirty="0" err="1"/>
-              <a:t>Strategy</a:t>
-            </a:r>
-            <a:r>
-              <a:rPr lang="de-CH" dirty="0"/>
-              <a:t> Pattern</a:t>
-            </a:r>
-          </a:p>
-          <a:p>
-            <a:pPr lvl="1"/>
-            <a:r>
-              <a:rPr lang="de-CH"/>
-              <a:t>Grundbau</a:t>
-            </a:r>
-            <a:endParaRPr lang="de-CH" dirty="0"/>
-          </a:p>
-          <a:p>
-            <a:pPr lvl="1"/>
-            <a:r>
-              <a:rPr lang="de-CH" dirty="0"/>
-              <a:t>Wie es funktioniert</a:t>
-            </a:r>
-          </a:p>
-          <a:p>
-            <a:pPr lvl="1"/>
-            <a:r>
-              <a:rPr lang="de-CH" dirty="0"/>
-              <a:t>Verwendung</a:t>
-            </a:r>
-          </a:p>
-          <a:p>
-            <a:r>
-              <a:rPr lang="de-CH" dirty="0"/>
-              <a:t>Observer Pattern</a:t>
-            </a:r>
-          </a:p>
-          <a:p>
-            <a:pPr lvl="1"/>
-            <a:r>
-              <a:rPr lang="de-CH" dirty="0"/>
-              <a:t>Grundbau</a:t>
-            </a:r>
-          </a:p>
-          <a:p>
-            <a:pPr lvl="1"/>
-            <a:r>
-              <a:rPr lang="de-CH" dirty="0"/>
-              <a:t>Wie es funktioniert</a:t>
-            </a:r>
-          </a:p>
-          <a:p>
-            <a:pPr lvl="1"/>
-            <a:r>
-              <a:rPr lang="de-CH" dirty="0"/>
-              <a:t>Verwendung</a:t>
-            </a:r>
-          </a:p>
-        </p:txBody>
-      </p:sp>
-    </p:spTree>
-    <p:extLst>
-      <p:ext uri="{BB962C8B-B14F-4D97-AF65-F5344CB8AC3E}">
-        <p14:creationId xmlns:p14="http://schemas.microsoft.com/office/powerpoint/2010/main" val="1812510304"/>
-      </p:ext>
-    </p:extLst>
-  </p:cSld>
-  <p:clrMapOvr>
-    <a:masterClrMapping/>
-  </p:clrMapOvr>
-</p:sld>
-</file>
-
-<file path=ppt/slides/slide3.xml><?xml version="1.0" encoding="utf-8"?>
-<p:sld xmlns:a="http://schemas.openxmlformats.org/drawingml/2006/main" xmlns:r="http://schemas.openxmlformats.org/officeDocument/2006/relationships" xmlns:p="http://schemas.openxmlformats.org/presentationml/2006/main">
-  <p:cSld>
-    <p:spTree>
-      <p:nvGrpSpPr>
-        <p:cNvPr id="1" name=""/>
-        <p:cNvGrpSpPr/>
-        <p:nvPr/>
-      </p:nvGrpSpPr>
-      <p:grpSpPr>
-        <a:xfrm>
-          <a:off x="0" y="0"/>
-          <a:ext cx="0" cy="0"/>
-          <a:chOff x="0" y="0"/>
-          <a:chExt cx="0" cy="0"/>
-        </a:xfrm>
-      </p:grpSpPr>
-      <p:sp>
-        <p:nvSpPr>
-          <p:cNvPr id="2" name="Titel 1">
-            <a:extLst>
-              <a:ext uri="{FF2B5EF4-FFF2-40B4-BE49-F238E27FC236}">
-                <a16:creationId xmlns:a16="http://schemas.microsoft.com/office/drawing/2014/main" id="{C5CEB64B-33A3-47CD-BD25-53ACE34A488E}"/>
-              </a:ext>
-            </a:extLst>
-          </p:cNvPr>
-          <p:cNvSpPr>
-            <a:spLocks noGrp="1"/>
-          </p:cNvSpPr>
-          <p:nvPr>
-            <p:ph type="title"/>
-          </p:nvPr>
-        </p:nvSpPr>
-        <p:spPr/>
-        <p:txBody>
-          <a:bodyPr/>
-          <a:lstStyle/>
-          <a:p>
-            <a:r>
-              <a:rPr lang="de-CH" dirty="0" err="1"/>
-              <a:t>Strategy</a:t>
-            </a:r>
-            <a:endParaRPr lang="de-CH" dirty="0"/>
-          </a:p>
-        </p:txBody>
-      </p:sp>
-      <p:sp>
-        <p:nvSpPr>
-          <p:cNvPr id="3" name="Inhaltsplatzhalter 2">
-            <a:extLst>
-              <a:ext uri="{FF2B5EF4-FFF2-40B4-BE49-F238E27FC236}">
-                <a16:creationId xmlns:a16="http://schemas.microsoft.com/office/drawing/2014/main" id="{5E2065D8-9480-4002-B227-B660095F296E}"/>
-              </a:ext>
-            </a:extLst>
-          </p:cNvPr>
-          <p:cNvSpPr>
-            <a:spLocks noGrp="1"/>
-          </p:cNvSpPr>
-          <p:nvPr>
-            <p:ph idx="1"/>
-          </p:nvPr>
-        </p:nvSpPr>
-        <p:spPr/>
-        <p:txBody>
-          <a:bodyPr/>
-          <a:lstStyle/>
-          <a:p>
-            <a:endParaRPr lang="de-CH"/>
-          </a:p>
-        </p:txBody>
-      </p:sp>
-    </p:spTree>
-    <p:extLst>
-      <p:ext uri="{BB962C8B-B14F-4D97-AF65-F5344CB8AC3E}">
-        <p14:creationId xmlns:p14="http://schemas.microsoft.com/office/powerpoint/2010/main" val="2396557396"/>
-      </p:ext>
-    </p:extLst>
-  </p:cSld>
-  <p:clrMapOvr>
-    <a:masterClrMapping/>
-  </p:clrMapOvr>
-</p:sld>
-</file>
-
-<file path=ppt/slides/slide4.xml><?xml version="1.0" encoding="utf-8"?>
-<p:sld xmlns:a="http://schemas.openxmlformats.org/drawingml/2006/main" xmlns:r="http://schemas.openxmlformats.org/officeDocument/2006/relationships" xmlns:p="http://schemas.openxmlformats.org/presentationml/2006/main">
-  <p:cSld>
-    <p:spTree>
-      <p:nvGrpSpPr>
-        <p:cNvPr id="1" name=""/>
-        <p:cNvGrpSpPr/>
-        <p:nvPr/>
-      </p:nvGrpSpPr>
-      <p:grpSpPr>
-        <a:xfrm>
-          <a:off x="0" y="0"/>
-          <a:ext cx="0" cy="0"/>
-          <a:chOff x="0" y="0"/>
-          <a:chExt cx="0" cy="0"/>
-        </a:xfrm>
-      </p:grpSpPr>
-      <p:sp>
-        <p:nvSpPr>
-          <p:cNvPr id="2" name="Titel 1">
-            <a:extLst>
-              <a:ext uri="{FF2B5EF4-FFF2-40B4-BE49-F238E27FC236}">
                 <a16:creationId xmlns:a16="http://schemas.microsoft.com/office/drawing/2014/main" id="{F1F69858-08AD-41D6-97FD-44CC3DCCCBF5}"/>
               </a:ext>
             </a:extLst>
@@ -3684,134 +6175,7 @@
           <a:p>
             <a:r>
               <a:rPr lang="de-CH" dirty="0"/>
-              <a:t>Observer</a:t>
-            </a:r>
-          </a:p>
-        </p:txBody>
-      </p:sp>
-      <p:sp>
-        <p:nvSpPr>
-          <p:cNvPr id="3" name="Inhaltsplatzhalter 2">
-            <a:extLst>
-              <a:ext uri="{FF2B5EF4-FFF2-40B4-BE49-F238E27FC236}">
-                <a16:creationId xmlns:a16="http://schemas.microsoft.com/office/drawing/2014/main" id="{3C29D100-74A7-48AF-A232-2F836F669E3B}"/>
-              </a:ext>
-            </a:extLst>
-          </p:cNvPr>
-          <p:cNvSpPr>
-            <a:spLocks noGrp="1"/>
-          </p:cNvSpPr>
-          <p:nvPr>
-            <p:ph idx="1"/>
-          </p:nvPr>
-        </p:nvSpPr>
-        <p:spPr/>
-        <p:txBody>
-          <a:bodyPr/>
-          <a:lstStyle/>
-          <a:p>
-            <a:r>
-              <a:rPr lang="de-CH" dirty="0"/>
-              <a:t>«Gang </a:t>
-            </a:r>
-            <a:r>
-              <a:rPr lang="de-CH" dirty="0" err="1"/>
-              <a:t>of</a:t>
-            </a:r>
-            <a:r>
-              <a:rPr lang="de-CH" dirty="0"/>
-              <a:t> </a:t>
-            </a:r>
-            <a:r>
-              <a:rPr lang="de-CH" dirty="0" err="1"/>
-              <a:t>Four</a:t>
-            </a:r>
-            <a:r>
-              <a:rPr lang="de-CH" dirty="0"/>
-              <a:t>» design </a:t>
-            </a:r>
-            <a:r>
-              <a:rPr lang="de-CH" dirty="0" err="1"/>
-              <a:t>pattern</a:t>
-            </a:r>
-            <a:endParaRPr lang="de-CH" dirty="0"/>
-          </a:p>
-          <a:p>
-            <a:r>
-              <a:rPr lang="de-CH" dirty="0"/>
-              <a:t>Sind dafür da Sachen bei Veränderungen zu aktualisieren</a:t>
-            </a:r>
-          </a:p>
-          <a:p>
-            <a:r>
-              <a:rPr lang="de-CH" dirty="0"/>
-              <a:t>Funktionieren wie </a:t>
-            </a:r>
-            <a:r>
-              <a:rPr lang="de-CH" dirty="0" err="1"/>
-              <a:t>events</a:t>
-            </a:r>
-            <a:endParaRPr lang="de-CH" dirty="0"/>
-          </a:p>
-          <a:p>
-            <a:endParaRPr lang="de-CH" dirty="0"/>
-          </a:p>
-        </p:txBody>
-      </p:sp>
-    </p:spTree>
-    <p:extLst>
-      <p:ext uri="{BB962C8B-B14F-4D97-AF65-F5344CB8AC3E}">
-        <p14:creationId xmlns:p14="http://schemas.microsoft.com/office/powerpoint/2010/main" val="1267182349"/>
-      </p:ext>
-    </p:extLst>
-  </p:cSld>
-  <p:clrMapOvr>
-    <a:masterClrMapping/>
-  </p:clrMapOvr>
-</p:sld>
-</file>
-
-<file path=ppt/slides/slide5.xml><?xml version="1.0" encoding="utf-8"?>
-<p:sld xmlns:a="http://schemas.openxmlformats.org/drawingml/2006/main" xmlns:r="http://schemas.openxmlformats.org/officeDocument/2006/relationships" xmlns:p="http://schemas.openxmlformats.org/presentationml/2006/main">
-  <p:cSld>
-    <p:spTree>
-      <p:nvGrpSpPr>
-        <p:cNvPr id="1" name=""/>
-        <p:cNvGrpSpPr/>
-        <p:nvPr/>
-      </p:nvGrpSpPr>
-      <p:grpSpPr>
-        <a:xfrm>
-          <a:off x="0" y="0"/>
-          <a:ext cx="0" cy="0"/>
-          <a:chOff x="0" y="0"/>
-          <a:chExt cx="0" cy="0"/>
-        </a:xfrm>
-      </p:grpSpPr>
-      <p:sp>
-        <p:nvSpPr>
-          <p:cNvPr id="2" name="Titel 1">
-            <a:extLst>
-              <a:ext uri="{FF2B5EF4-FFF2-40B4-BE49-F238E27FC236}">
-                <a16:creationId xmlns:a16="http://schemas.microsoft.com/office/drawing/2014/main" id="{F1F69858-08AD-41D6-97FD-44CC3DCCCBF5}"/>
-              </a:ext>
-            </a:extLst>
-          </p:cNvPr>
-          <p:cNvSpPr>
-            <a:spLocks noGrp="1"/>
-          </p:cNvSpPr>
-          <p:nvPr>
-            <p:ph type="title"/>
-          </p:nvPr>
-        </p:nvSpPr>
-        <p:spPr/>
-        <p:txBody>
-          <a:bodyPr/>
-          <a:lstStyle/>
-          <a:p>
-            <a:r>
-              <a:rPr lang="de-CH" dirty="0"/>
-              <a:t>Observer</a:t>
+              <a:t>Observer - Grundbau</a:t>
             </a:r>
           </a:p>
         </p:txBody>
@@ -3902,6 +6266,1230 @@
 </p:sld>
 </file>
 
+<file path=ppt/slides/slide11.xml><?xml version="1.0" encoding="utf-8"?>
+<p:sld xmlns:a="http://schemas.openxmlformats.org/drawingml/2006/main" xmlns:r="http://schemas.openxmlformats.org/officeDocument/2006/relationships" xmlns:p="http://schemas.openxmlformats.org/presentationml/2006/main">
+  <p:cSld>
+    <p:spTree>
+      <p:nvGrpSpPr>
+        <p:cNvPr id="1" name=""/>
+        <p:cNvGrpSpPr/>
+        <p:nvPr/>
+      </p:nvGrpSpPr>
+      <p:grpSpPr>
+        <a:xfrm>
+          <a:off x="0" y="0"/>
+          <a:ext cx="0" cy="0"/>
+          <a:chOff x="0" y="0"/>
+          <a:chExt cx="0" cy="0"/>
+        </a:xfrm>
+      </p:grpSpPr>
+      <p:sp>
+        <p:nvSpPr>
+          <p:cNvPr id="2" name="Titel 1">
+            <a:extLst>
+              <a:ext uri="{FF2B5EF4-FFF2-40B4-BE49-F238E27FC236}">
+                <a16:creationId xmlns:a16="http://schemas.microsoft.com/office/drawing/2014/main" id="{F1F69858-08AD-41D6-97FD-44CC3DCCCBF5}"/>
+              </a:ext>
+            </a:extLst>
+          </p:cNvPr>
+          <p:cNvSpPr>
+            <a:spLocks noGrp="1"/>
+          </p:cNvSpPr>
+          <p:nvPr>
+            <p:ph type="title"/>
+          </p:nvPr>
+        </p:nvSpPr>
+        <p:spPr/>
+        <p:txBody>
+          <a:bodyPr/>
+          <a:lstStyle/>
+          <a:p>
+            <a:r>
+              <a:rPr lang="de-CH" dirty="0"/>
+              <a:t>Observer - Verwendung</a:t>
+            </a:r>
+          </a:p>
+        </p:txBody>
+      </p:sp>
+      <p:sp>
+        <p:nvSpPr>
+          <p:cNvPr id="3" name="Inhaltsplatzhalter 2">
+            <a:extLst>
+              <a:ext uri="{FF2B5EF4-FFF2-40B4-BE49-F238E27FC236}">
+                <a16:creationId xmlns:a16="http://schemas.microsoft.com/office/drawing/2014/main" id="{3C29D100-74A7-48AF-A232-2F836F669E3B}"/>
+              </a:ext>
+            </a:extLst>
+          </p:cNvPr>
+          <p:cNvSpPr>
+            <a:spLocks noGrp="1"/>
+          </p:cNvSpPr>
+          <p:nvPr>
+            <p:ph idx="1"/>
+          </p:nvPr>
+        </p:nvSpPr>
+        <p:spPr/>
+        <p:txBody>
+          <a:bodyPr/>
+          <a:lstStyle/>
+          <a:p>
+            <a:r>
+              <a:rPr lang="de-CH" dirty="0"/>
+              <a:t>Werden verwendet für:</a:t>
+            </a:r>
+          </a:p>
+          <a:p>
+            <a:pPr lvl="1"/>
+            <a:r>
+              <a:rPr lang="de-CH" dirty="0"/>
+              <a:t>Events</a:t>
+            </a:r>
+          </a:p>
+          <a:p>
+            <a:pPr lvl="1"/>
+            <a:r>
+              <a:rPr lang="de-CH" dirty="0"/>
+              <a:t>Aktualisieren von GUIs</a:t>
+            </a:r>
+          </a:p>
+          <a:p>
+            <a:pPr lvl="1"/>
+            <a:r>
+              <a:rPr lang="de-CH" dirty="0"/>
+              <a:t>Daten aktualisieren</a:t>
+            </a:r>
+          </a:p>
+          <a:p>
+            <a:pPr lvl="1"/>
+            <a:r>
+              <a:rPr lang="de-CH" dirty="0"/>
+              <a:t>Stark im </a:t>
+            </a:r>
+            <a:r>
+              <a:rPr lang="de-CH" dirty="0" err="1"/>
+              <a:t>ecs</a:t>
+            </a:r>
+            <a:r>
+              <a:rPr lang="de-CH" dirty="0"/>
+              <a:t> </a:t>
+            </a:r>
+            <a:r>
+              <a:rPr lang="de-CH" dirty="0" err="1"/>
+              <a:t>model</a:t>
+            </a:r>
+            <a:r>
+              <a:rPr lang="de-CH" dirty="0"/>
+              <a:t> verwendet</a:t>
+            </a:r>
+          </a:p>
+          <a:p>
+            <a:endParaRPr lang="de-CH" dirty="0"/>
+          </a:p>
+        </p:txBody>
+      </p:sp>
+    </p:spTree>
+    <p:extLst>
+      <p:ext uri="{BB962C8B-B14F-4D97-AF65-F5344CB8AC3E}">
+        <p14:creationId xmlns:p14="http://schemas.microsoft.com/office/powerpoint/2010/main" val="3064572931"/>
+      </p:ext>
+    </p:extLst>
+  </p:cSld>
+  <p:clrMapOvr>
+    <a:masterClrMapping/>
+  </p:clrMapOvr>
+</p:sld>
+</file>
+
+<file path=ppt/slides/slide12.xml><?xml version="1.0" encoding="utf-8"?>
+<p:sld xmlns:a="http://schemas.openxmlformats.org/drawingml/2006/main" xmlns:r="http://schemas.openxmlformats.org/officeDocument/2006/relationships" xmlns:p="http://schemas.openxmlformats.org/presentationml/2006/main">
+  <p:cSld>
+    <p:spTree>
+      <p:nvGrpSpPr>
+        <p:cNvPr id="1" name=""/>
+        <p:cNvGrpSpPr/>
+        <p:nvPr/>
+      </p:nvGrpSpPr>
+      <p:grpSpPr>
+        <a:xfrm>
+          <a:off x="0" y="0"/>
+          <a:ext cx="0" cy="0"/>
+          <a:chOff x="0" y="0"/>
+          <a:chExt cx="0" cy="0"/>
+        </a:xfrm>
+      </p:grpSpPr>
+      <p:sp>
+        <p:nvSpPr>
+          <p:cNvPr id="2" name="Titel 1">
+            <a:extLst>
+              <a:ext uri="{FF2B5EF4-FFF2-40B4-BE49-F238E27FC236}">
+                <a16:creationId xmlns:a16="http://schemas.microsoft.com/office/drawing/2014/main" id="{FB94F238-C98C-406B-AA8E-A82A0A6E6A03}"/>
+              </a:ext>
+            </a:extLst>
+          </p:cNvPr>
+          <p:cNvSpPr>
+            <a:spLocks noGrp="1"/>
+          </p:cNvSpPr>
+          <p:nvPr>
+            <p:ph type="title"/>
+          </p:nvPr>
+        </p:nvSpPr>
+        <p:spPr/>
+        <p:txBody>
+          <a:bodyPr/>
+          <a:lstStyle/>
+          <a:p>
+            <a:r>
+              <a:rPr lang="de-CH" dirty="0"/>
+              <a:t>Observer - Vorteile</a:t>
+            </a:r>
+          </a:p>
+        </p:txBody>
+      </p:sp>
+      <p:sp>
+        <p:nvSpPr>
+          <p:cNvPr id="3" name="Inhaltsplatzhalter 2">
+            <a:extLst>
+              <a:ext uri="{FF2B5EF4-FFF2-40B4-BE49-F238E27FC236}">
+                <a16:creationId xmlns:a16="http://schemas.microsoft.com/office/drawing/2014/main" id="{B4A08AA1-AE13-4F4D-91C4-9CDA058F6EAB}"/>
+              </a:ext>
+            </a:extLst>
+          </p:cNvPr>
+          <p:cNvSpPr>
+            <a:spLocks noGrp="1"/>
+          </p:cNvSpPr>
+          <p:nvPr>
+            <p:ph idx="1"/>
+          </p:nvPr>
+        </p:nvSpPr>
+        <p:spPr/>
+        <p:txBody>
+          <a:bodyPr/>
+          <a:lstStyle/>
+          <a:p>
+            <a:r>
+              <a:rPr lang="de-CH" dirty="0"/>
+              <a:t>Subjekt und Beobachter sind auf abstrakte und minimale Art lose gekoppelt. </a:t>
+            </a:r>
+          </a:p>
+          <a:p>
+            <a:r>
+              <a:rPr lang="de-CH" dirty="0"/>
+              <a:t>Das beobachtete Objekt braucht keine Kenntnis über die Struktur seiner Beobachter zu besitzen.</a:t>
+            </a:r>
+          </a:p>
+          <a:p>
+            <a:r>
+              <a:rPr lang="de-CH" dirty="0"/>
+              <a:t>Ein abhängiges Objekt erhält die Änderungen automatisch. </a:t>
+            </a:r>
+          </a:p>
+          <a:p>
+            <a:r>
+              <a:rPr lang="de-CH" dirty="0"/>
+              <a:t>Es werden auch Multicasts unterstützt.</a:t>
+            </a:r>
+          </a:p>
+        </p:txBody>
+      </p:sp>
+    </p:spTree>
+    <p:extLst>
+      <p:ext uri="{BB962C8B-B14F-4D97-AF65-F5344CB8AC3E}">
+        <p14:creationId xmlns:p14="http://schemas.microsoft.com/office/powerpoint/2010/main" val="148877233"/>
+      </p:ext>
+    </p:extLst>
+  </p:cSld>
+  <p:clrMapOvr>
+    <a:masterClrMapping/>
+  </p:clrMapOvr>
+</p:sld>
+</file>
+
+<file path=ppt/slides/slide13.xml><?xml version="1.0" encoding="utf-8"?>
+<p:sld xmlns:a="http://schemas.openxmlformats.org/drawingml/2006/main" xmlns:r="http://schemas.openxmlformats.org/officeDocument/2006/relationships" xmlns:p="http://schemas.openxmlformats.org/presentationml/2006/main">
+  <p:cSld>
+    <p:spTree>
+      <p:nvGrpSpPr>
+        <p:cNvPr id="1" name=""/>
+        <p:cNvGrpSpPr/>
+        <p:nvPr/>
+      </p:nvGrpSpPr>
+      <p:grpSpPr>
+        <a:xfrm>
+          <a:off x="0" y="0"/>
+          <a:ext cx="0" cy="0"/>
+          <a:chOff x="0" y="0"/>
+          <a:chExt cx="0" cy="0"/>
+        </a:xfrm>
+      </p:grpSpPr>
+      <p:sp>
+        <p:nvSpPr>
+          <p:cNvPr id="2" name="Titel 1">
+            <a:extLst>
+              <a:ext uri="{FF2B5EF4-FFF2-40B4-BE49-F238E27FC236}">
+                <a16:creationId xmlns:a16="http://schemas.microsoft.com/office/drawing/2014/main" id="{FB94F238-C98C-406B-AA8E-A82A0A6E6A03}"/>
+              </a:ext>
+            </a:extLst>
+          </p:cNvPr>
+          <p:cNvSpPr>
+            <a:spLocks noGrp="1"/>
+          </p:cNvSpPr>
+          <p:nvPr>
+            <p:ph type="title"/>
+          </p:nvPr>
+        </p:nvSpPr>
+        <p:spPr/>
+        <p:txBody>
+          <a:bodyPr/>
+          <a:lstStyle/>
+          <a:p>
+            <a:r>
+              <a:rPr lang="de-CH" dirty="0"/>
+              <a:t>Observer</a:t>
+            </a:r>
+          </a:p>
+        </p:txBody>
+      </p:sp>
+      <p:pic>
+        <p:nvPicPr>
+          <p:cNvPr id="6" name="Inhaltsplatzhalter 5">
+            <a:extLst>
+              <a:ext uri="{FF2B5EF4-FFF2-40B4-BE49-F238E27FC236}">
+                <a16:creationId xmlns:a16="http://schemas.microsoft.com/office/drawing/2014/main" id="{9B29E489-CCF1-4AD5-BCA6-D2DB0F511D58}"/>
+              </a:ext>
+            </a:extLst>
+          </p:cNvPr>
+          <p:cNvPicPr>
+            <a:picLocks noGrp="1" noChangeAspect="1"/>
+          </p:cNvPicPr>
+          <p:nvPr>
+            <p:ph idx="1"/>
+          </p:nvPr>
+        </p:nvPicPr>
+        <p:blipFill>
+          <a:blip r:embed="rId2"/>
+          <a:stretch>
+            <a:fillRect/>
+          </a:stretch>
+        </p:blipFill>
+        <p:spPr>
+          <a:xfrm>
+            <a:off x="629972" y="3576918"/>
+            <a:ext cx="3790950" cy="1609725"/>
+          </a:xfrm>
+          <a:prstGeom prst="rect">
+            <a:avLst/>
+          </a:prstGeom>
+        </p:spPr>
+      </p:pic>
+      <p:pic>
+        <p:nvPicPr>
+          <p:cNvPr id="4" name="Grafik 3">
+            <a:extLst>
+              <a:ext uri="{FF2B5EF4-FFF2-40B4-BE49-F238E27FC236}">
+                <a16:creationId xmlns:a16="http://schemas.microsoft.com/office/drawing/2014/main" id="{89B84078-6503-4C14-ABCA-64F3E37A88A0}"/>
+              </a:ext>
+            </a:extLst>
+          </p:cNvPr>
+          <p:cNvPicPr>
+            <a:picLocks noChangeAspect="1"/>
+          </p:cNvPicPr>
+          <p:nvPr/>
+        </p:nvPicPr>
+        <p:blipFill rotWithShape="1">
+          <a:blip r:embed="rId3"/>
+          <a:srcRect l="11228"/>
+          <a:stretch/>
+        </p:blipFill>
+        <p:spPr>
+          <a:xfrm>
+            <a:off x="4437059" y="1833842"/>
+            <a:ext cx="4047413" cy="1595157"/>
+          </a:xfrm>
+          <a:prstGeom prst="rect">
+            <a:avLst/>
+          </a:prstGeom>
+        </p:spPr>
+      </p:pic>
+      <p:pic>
+        <p:nvPicPr>
+          <p:cNvPr id="5" name="Grafik 4">
+            <a:extLst>
+              <a:ext uri="{FF2B5EF4-FFF2-40B4-BE49-F238E27FC236}">
+                <a16:creationId xmlns:a16="http://schemas.microsoft.com/office/drawing/2014/main" id="{DF758E53-685D-4D8C-8ABE-D8ABF70D0CB0}"/>
+              </a:ext>
+            </a:extLst>
+          </p:cNvPr>
+          <p:cNvPicPr>
+            <a:picLocks noChangeAspect="1"/>
+          </p:cNvPicPr>
+          <p:nvPr/>
+        </p:nvPicPr>
+        <p:blipFill>
+          <a:blip r:embed="rId4"/>
+          <a:stretch>
+            <a:fillRect/>
+          </a:stretch>
+        </p:blipFill>
+        <p:spPr>
+          <a:xfrm>
+            <a:off x="646110" y="1833843"/>
+            <a:ext cx="3774812" cy="1743075"/>
+          </a:xfrm>
+          <a:prstGeom prst="rect">
+            <a:avLst/>
+          </a:prstGeom>
+        </p:spPr>
+      </p:pic>
+      <p:pic>
+        <p:nvPicPr>
+          <p:cNvPr id="7" name="Grafik 6">
+            <a:extLst>
+              <a:ext uri="{FF2B5EF4-FFF2-40B4-BE49-F238E27FC236}">
+                <a16:creationId xmlns:a16="http://schemas.microsoft.com/office/drawing/2014/main" id="{DE2A6D73-7AA8-45D4-97AC-824586A24538}"/>
+              </a:ext>
+            </a:extLst>
+          </p:cNvPr>
+          <p:cNvPicPr>
+            <a:picLocks noChangeAspect="1"/>
+          </p:cNvPicPr>
+          <p:nvPr/>
+        </p:nvPicPr>
+        <p:blipFill>
+          <a:blip r:embed="rId5"/>
+          <a:stretch>
+            <a:fillRect/>
+          </a:stretch>
+        </p:blipFill>
+        <p:spPr>
+          <a:xfrm>
+            <a:off x="4437059" y="3428999"/>
+            <a:ext cx="3733800" cy="3095625"/>
+          </a:xfrm>
+          <a:prstGeom prst="rect">
+            <a:avLst/>
+          </a:prstGeom>
+        </p:spPr>
+      </p:pic>
+    </p:spTree>
+    <p:extLst>
+      <p:ext uri="{BB962C8B-B14F-4D97-AF65-F5344CB8AC3E}">
+        <p14:creationId xmlns:p14="http://schemas.microsoft.com/office/powerpoint/2010/main" val="1724025475"/>
+      </p:ext>
+    </p:extLst>
+  </p:cSld>
+  <p:clrMapOvr>
+    <a:masterClrMapping/>
+  </p:clrMapOvr>
+</p:sld>
+</file>
+
+<file path=ppt/slides/slide14.xml><?xml version="1.0" encoding="utf-8"?>
+<p:sld xmlns:a="http://schemas.openxmlformats.org/drawingml/2006/main" xmlns:r="http://schemas.openxmlformats.org/officeDocument/2006/relationships" xmlns:p="http://schemas.openxmlformats.org/presentationml/2006/main">
+  <p:cSld>
+    <p:spTree>
+      <p:nvGrpSpPr>
+        <p:cNvPr id="1" name=""/>
+        <p:cNvGrpSpPr/>
+        <p:nvPr/>
+      </p:nvGrpSpPr>
+      <p:grpSpPr>
+        <a:xfrm>
+          <a:off x="0" y="0"/>
+          <a:ext cx="0" cy="0"/>
+          <a:chOff x="0" y="0"/>
+          <a:chExt cx="0" cy="0"/>
+        </a:xfrm>
+      </p:grpSpPr>
+      <p:sp>
+        <p:nvSpPr>
+          <p:cNvPr id="2" name="Titel 1">
+            <a:extLst>
+              <a:ext uri="{FF2B5EF4-FFF2-40B4-BE49-F238E27FC236}">
+                <a16:creationId xmlns:a16="http://schemas.microsoft.com/office/drawing/2014/main" id="{12663EC6-422A-4A74-B481-30FDCCC8DBE7}"/>
+              </a:ext>
+            </a:extLst>
+          </p:cNvPr>
+          <p:cNvSpPr>
+            <a:spLocks noGrp="1"/>
+          </p:cNvSpPr>
+          <p:nvPr>
+            <p:ph type="title"/>
+          </p:nvPr>
+        </p:nvSpPr>
+        <p:spPr/>
+        <p:txBody>
+          <a:bodyPr/>
+          <a:lstStyle/>
+          <a:p>
+            <a:endParaRPr lang="de-CH" dirty="0"/>
+          </a:p>
+        </p:txBody>
+      </p:sp>
+      <p:sp>
+        <p:nvSpPr>
+          <p:cNvPr id="3" name="Inhaltsplatzhalter 2">
+            <a:extLst>
+              <a:ext uri="{FF2B5EF4-FFF2-40B4-BE49-F238E27FC236}">
+                <a16:creationId xmlns:a16="http://schemas.microsoft.com/office/drawing/2014/main" id="{B5FA9385-073F-4346-850A-308C8B944266}"/>
+              </a:ext>
+            </a:extLst>
+          </p:cNvPr>
+          <p:cNvSpPr>
+            <a:spLocks noGrp="1"/>
+          </p:cNvSpPr>
+          <p:nvPr>
+            <p:ph idx="1"/>
+          </p:nvPr>
+        </p:nvSpPr>
+        <p:spPr/>
+        <p:txBody>
+          <a:bodyPr/>
+          <a:lstStyle/>
+          <a:p>
+            <a:endParaRPr lang="de-CH"/>
+          </a:p>
+        </p:txBody>
+      </p:sp>
+      <p:pic>
+        <p:nvPicPr>
+          <p:cNvPr id="4" name="Grafik 3">
+            <a:extLst>
+              <a:ext uri="{FF2B5EF4-FFF2-40B4-BE49-F238E27FC236}">
+                <a16:creationId xmlns:a16="http://schemas.microsoft.com/office/drawing/2014/main" id="{F8070B44-2293-4A43-BD91-C1EB6A2406EA}"/>
+              </a:ext>
+            </a:extLst>
+          </p:cNvPr>
+          <p:cNvPicPr>
+            <a:picLocks noChangeAspect="1"/>
+          </p:cNvPicPr>
+          <p:nvPr/>
+        </p:nvPicPr>
+        <p:blipFill>
+          <a:blip r:embed="rId2"/>
+          <a:stretch>
+            <a:fillRect/>
+          </a:stretch>
+        </p:blipFill>
+        <p:spPr>
+          <a:xfrm>
+            <a:off x="3638550" y="766762"/>
+            <a:ext cx="4914900" cy="5324475"/>
+          </a:xfrm>
+          <a:prstGeom prst="rect">
+            <a:avLst/>
+          </a:prstGeom>
+        </p:spPr>
+      </p:pic>
+    </p:spTree>
+    <p:extLst>
+      <p:ext uri="{BB962C8B-B14F-4D97-AF65-F5344CB8AC3E}">
+        <p14:creationId xmlns:p14="http://schemas.microsoft.com/office/powerpoint/2010/main" val="431403549"/>
+      </p:ext>
+    </p:extLst>
+  </p:cSld>
+  <p:clrMapOvr>
+    <a:masterClrMapping/>
+  </p:clrMapOvr>
+</p:sld>
+</file>
+
+<file path=ppt/slides/slide15.xml><?xml version="1.0" encoding="utf-8"?>
+<p:sld xmlns:a="http://schemas.openxmlformats.org/drawingml/2006/main" xmlns:r="http://schemas.openxmlformats.org/officeDocument/2006/relationships" xmlns:p="http://schemas.openxmlformats.org/presentationml/2006/main">
+  <p:cSld>
+    <p:spTree>
+      <p:nvGrpSpPr>
+        <p:cNvPr id="1" name=""/>
+        <p:cNvGrpSpPr/>
+        <p:nvPr/>
+      </p:nvGrpSpPr>
+      <p:grpSpPr>
+        <a:xfrm>
+          <a:off x="0" y="0"/>
+          <a:ext cx="0" cy="0"/>
+          <a:chOff x="0" y="0"/>
+          <a:chExt cx="0" cy="0"/>
+        </a:xfrm>
+      </p:grpSpPr>
+      <p:sp>
+        <p:nvSpPr>
+          <p:cNvPr id="6" name="Textfeld 5">
+            <a:extLst>
+              <a:ext uri="{FF2B5EF4-FFF2-40B4-BE49-F238E27FC236}">
+                <a16:creationId xmlns:a16="http://schemas.microsoft.com/office/drawing/2014/main" id="{32FCF3D5-45F6-49EA-8E8F-08E320B19286}"/>
+              </a:ext>
+            </a:extLst>
+          </p:cNvPr>
+          <p:cNvSpPr txBox="1"/>
+          <p:nvPr/>
+        </p:nvSpPr>
+        <p:spPr>
+          <a:xfrm>
+            <a:off x="731518" y="402247"/>
+            <a:ext cx="7239897" cy="738664"/>
+          </a:xfrm>
+          <a:prstGeom prst="rect">
+            <a:avLst/>
+          </a:prstGeom>
+          <a:noFill/>
+        </p:spPr>
+        <p:txBody>
+          <a:bodyPr wrap="square" rtlCol="0">
+            <a:spAutoFit/>
+          </a:bodyPr>
+          <a:lstStyle/>
+          <a:p>
+            <a:r>
+              <a:rPr lang="de-CH" sz="4200" dirty="0" err="1">
+                <a:latin typeface="+mj-lt"/>
+              </a:rPr>
+              <a:t>Answer</a:t>
+            </a:r>
+            <a:r>
+              <a:rPr lang="de-CH" sz="4200" dirty="0">
+                <a:latin typeface="+mj-lt"/>
+              </a:rPr>
+              <a:t> </a:t>
+            </a:r>
+            <a:r>
+              <a:rPr lang="de-CH" sz="4200" dirty="0" err="1">
+                <a:latin typeface="+mj-lt"/>
+              </a:rPr>
+              <a:t>to</a:t>
+            </a:r>
+            <a:r>
+              <a:rPr lang="de-CH" sz="4200" dirty="0">
+                <a:latin typeface="+mj-lt"/>
+              </a:rPr>
+              <a:t> </a:t>
+            </a:r>
+            <a:r>
+              <a:rPr lang="de-CH" sz="4200" dirty="0" err="1">
+                <a:latin typeface="+mj-lt"/>
+              </a:rPr>
+              <a:t>every</a:t>
+            </a:r>
+            <a:r>
+              <a:rPr lang="de-CH" sz="4200" dirty="0">
+                <a:latin typeface="+mj-lt"/>
+              </a:rPr>
+              <a:t> </a:t>
+            </a:r>
+            <a:r>
+              <a:rPr lang="de-CH" sz="4200" dirty="0" err="1">
+                <a:latin typeface="+mj-lt"/>
+              </a:rPr>
+              <a:t>question</a:t>
+            </a:r>
+            <a:endParaRPr lang="de-CH" sz="4200" dirty="0">
+              <a:latin typeface="+mj-lt"/>
+            </a:endParaRPr>
+          </a:p>
+        </p:txBody>
+      </p:sp>
+      <p:pic>
+        <p:nvPicPr>
+          <p:cNvPr id="8" name="Grafik 7">
+            <a:extLst>
+              <a:ext uri="{FF2B5EF4-FFF2-40B4-BE49-F238E27FC236}">
+                <a16:creationId xmlns:a16="http://schemas.microsoft.com/office/drawing/2014/main" id="{1925C81E-6F77-4F43-B8D9-20DCBDE257D4}"/>
+              </a:ext>
+            </a:extLst>
+          </p:cNvPr>
+          <p:cNvPicPr>
+            <a:picLocks noChangeAspect="1"/>
+          </p:cNvPicPr>
+          <p:nvPr/>
+        </p:nvPicPr>
+        <p:blipFill>
+          <a:blip r:embed="rId2">
+            <a:extLst>
+              <a:ext uri="{28A0092B-C50C-407E-A947-70E740481C1C}">
+                <a14:useLocalDpi xmlns:a14="http://schemas.microsoft.com/office/drawing/2010/main" val="0"/>
+              </a:ext>
+            </a:extLst>
+          </a:blip>
+          <a:stretch>
+            <a:fillRect/>
+          </a:stretch>
+        </p:blipFill>
+        <p:spPr>
+          <a:xfrm>
+            <a:off x="2421447" y="1140911"/>
+            <a:ext cx="7349105" cy="5520335"/>
+          </a:xfrm>
+          <a:prstGeom prst="rect">
+            <a:avLst/>
+          </a:prstGeom>
+        </p:spPr>
+      </p:pic>
+    </p:spTree>
+    <p:extLst>
+      <p:ext uri="{BB962C8B-B14F-4D97-AF65-F5344CB8AC3E}">
+        <p14:creationId xmlns:p14="http://schemas.microsoft.com/office/powerpoint/2010/main" val="2663989438"/>
+      </p:ext>
+    </p:extLst>
+  </p:cSld>
+  <p:clrMapOvr>
+    <a:masterClrMapping/>
+  </p:clrMapOvr>
+</p:sld>
+</file>
+
+<file path=ppt/slides/slide2.xml><?xml version="1.0" encoding="utf-8"?>
+<p:sld xmlns:a="http://schemas.openxmlformats.org/drawingml/2006/main" xmlns:r="http://schemas.openxmlformats.org/officeDocument/2006/relationships" xmlns:p="http://schemas.openxmlformats.org/presentationml/2006/main">
+  <p:cSld>
+    <p:spTree>
+      <p:nvGrpSpPr>
+        <p:cNvPr id="1" name=""/>
+        <p:cNvGrpSpPr/>
+        <p:nvPr/>
+      </p:nvGrpSpPr>
+      <p:grpSpPr>
+        <a:xfrm>
+          <a:off x="0" y="0"/>
+          <a:ext cx="0" cy="0"/>
+          <a:chOff x="0" y="0"/>
+          <a:chExt cx="0" cy="0"/>
+        </a:xfrm>
+      </p:grpSpPr>
+      <p:sp>
+        <p:nvSpPr>
+          <p:cNvPr id="2" name="Titel 1">
+            <a:extLst>
+              <a:ext uri="{FF2B5EF4-FFF2-40B4-BE49-F238E27FC236}">
+                <a16:creationId xmlns:a16="http://schemas.microsoft.com/office/drawing/2014/main" id="{4DE53AB0-7519-47C4-8463-B0560CA149C3}"/>
+              </a:ext>
+            </a:extLst>
+          </p:cNvPr>
+          <p:cNvSpPr>
+            <a:spLocks noGrp="1"/>
+          </p:cNvSpPr>
+          <p:nvPr>
+            <p:ph type="title"/>
+          </p:nvPr>
+        </p:nvSpPr>
+        <p:spPr/>
+        <p:txBody>
+          <a:bodyPr/>
+          <a:lstStyle/>
+          <a:p>
+            <a:r>
+              <a:rPr lang="de-CH" dirty="0"/>
+              <a:t>Contents</a:t>
+            </a:r>
+          </a:p>
+        </p:txBody>
+      </p:sp>
+      <p:sp>
+        <p:nvSpPr>
+          <p:cNvPr id="3" name="Inhaltsplatzhalter 2">
+            <a:extLst>
+              <a:ext uri="{FF2B5EF4-FFF2-40B4-BE49-F238E27FC236}">
+                <a16:creationId xmlns:a16="http://schemas.microsoft.com/office/drawing/2014/main" id="{1E2B0F3D-F3D4-4A10-9C3B-36CF8494D936}"/>
+              </a:ext>
+            </a:extLst>
+          </p:cNvPr>
+          <p:cNvSpPr>
+            <a:spLocks noGrp="1"/>
+          </p:cNvSpPr>
+          <p:nvPr>
+            <p:ph idx="1"/>
+          </p:nvPr>
+        </p:nvSpPr>
+        <p:spPr/>
+        <p:txBody>
+          <a:bodyPr/>
+          <a:lstStyle/>
+          <a:p>
+            <a:r>
+              <a:rPr lang="de-CH" dirty="0" err="1"/>
+              <a:t>Strategy</a:t>
+            </a:r>
+            <a:r>
+              <a:rPr lang="de-CH" dirty="0"/>
+              <a:t> Pattern (DE: Strategie Entwurfsmuster)</a:t>
+            </a:r>
+          </a:p>
+          <a:p>
+            <a:pPr lvl="1"/>
+            <a:r>
+              <a:rPr lang="de-CH" dirty="0"/>
+              <a:t> Grundbau</a:t>
+            </a:r>
+          </a:p>
+          <a:p>
+            <a:pPr lvl="1"/>
+            <a:r>
+              <a:rPr lang="de-CH" dirty="0"/>
+              <a:t>Wie es funktioniert</a:t>
+            </a:r>
+          </a:p>
+          <a:p>
+            <a:pPr lvl="1"/>
+            <a:r>
+              <a:rPr lang="de-CH" dirty="0"/>
+              <a:t>Verwendung</a:t>
+            </a:r>
+          </a:p>
+          <a:p>
+            <a:pPr lvl="1"/>
+            <a:r>
+              <a:rPr lang="de-CH" dirty="0"/>
+              <a:t>Vor- und Nachteile</a:t>
+            </a:r>
+          </a:p>
+          <a:p>
+            <a:r>
+              <a:rPr lang="de-CH" dirty="0"/>
+              <a:t>Observer Pattern</a:t>
+            </a:r>
+          </a:p>
+          <a:p>
+            <a:pPr lvl="1"/>
+            <a:r>
+              <a:rPr lang="de-CH" dirty="0"/>
+              <a:t>Grundbau</a:t>
+            </a:r>
+          </a:p>
+          <a:p>
+            <a:pPr lvl="1"/>
+            <a:r>
+              <a:rPr lang="de-CH" dirty="0"/>
+              <a:t>Wie es funktioniert</a:t>
+            </a:r>
+          </a:p>
+          <a:p>
+            <a:pPr lvl="1"/>
+            <a:r>
+              <a:rPr lang="de-CH" dirty="0"/>
+              <a:t>Verwendung</a:t>
+            </a:r>
+          </a:p>
+        </p:txBody>
+      </p:sp>
+    </p:spTree>
+    <p:extLst>
+      <p:ext uri="{BB962C8B-B14F-4D97-AF65-F5344CB8AC3E}">
+        <p14:creationId xmlns:p14="http://schemas.microsoft.com/office/powerpoint/2010/main" val="1812510304"/>
+      </p:ext>
+    </p:extLst>
+  </p:cSld>
+  <p:clrMapOvr>
+    <a:masterClrMapping/>
+  </p:clrMapOvr>
+</p:sld>
+</file>
+
+<file path=ppt/slides/slide3.xml><?xml version="1.0" encoding="utf-8"?>
+<p:sld xmlns:a="http://schemas.openxmlformats.org/drawingml/2006/main" xmlns:r="http://schemas.openxmlformats.org/officeDocument/2006/relationships" xmlns:p="http://schemas.openxmlformats.org/presentationml/2006/main">
+  <p:cSld>
+    <p:spTree>
+      <p:nvGrpSpPr>
+        <p:cNvPr id="1" name=""/>
+        <p:cNvGrpSpPr/>
+        <p:nvPr/>
+      </p:nvGrpSpPr>
+      <p:grpSpPr>
+        <a:xfrm>
+          <a:off x="0" y="0"/>
+          <a:ext cx="0" cy="0"/>
+          <a:chOff x="0" y="0"/>
+          <a:chExt cx="0" cy="0"/>
+        </a:xfrm>
+      </p:grpSpPr>
+      <p:sp>
+        <p:nvSpPr>
+          <p:cNvPr id="2" name="Titel 1">
+            <a:extLst>
+              <a:ext uri="{FF2B5EF4-FFF2-40B4-BE49-F238E27FC236}">
+                <a16:creationId xmlns:a16="http://schemas.microsoft.com/office/drawing/2014/main" id="{C5CEB64B-33A3-47CD-BD25-53ACE34A488E}"/>
+              </a:ext>
+            </a:extLst>
+          </p:cNvPr>
+          <p:cNvSpPr>
+            <a:spLocks noGrp="1"/>
+          </p:cNvSpPr>
+          <p:nvPr>
+            <p:ph type="title"/>
+          </p:nvPr>
+        </p:nvSpPr>
+        <p:spPr/>
+        <p:txBody>
+          <a:bodyPr/>
+          <a:lstStyle/>
+          <a:p>
+            <a:r>
+              <a:rPr lang="de-CH" dirty="0" err="1"/>
+              <a:t>Strategy</a:t>
+            </a:r>
+            <a:r>
+              <a:rPr lang="de-CH" dirty="0"/>
+              <a:t> - Grundbau</a:t>
+            </a:r>
+          </a:p>
+        </p:txBody>
+      </p:sp>
+      <p:pic>
+        <p:nvPicPr>
+          <p:cNvPr id="4" name="Inhaltsplatzhalter 3">
+            <a:extLst>
+              <a:ext uri="{FF2B5EF4-FFF2-40B4-BE49-F238E27FC236}">
+                <a16:creationId xmlns:a16="http://schemas.microsoft.com/office/drawing/2014/main" id="{20EE448E-38D1-4F68-A76C-D5648A703328}"/>
+              </a:ext>
+            </a:extLst>
+          </p:cNvPr>
+          <p:cNvPicPr>
+            <a:picLocks noGrp="1" noChangeAspect="1"/>
+          </p:cNvPicPr>
+          <p:nvPr>
+            <p:ph idx="1"/>
+          </p:nvPr>
+        </p:nvPicPr>
+        <p:blipFill>
+          <a:blip r:embed="rId2"/>
+          <a:stretch>
+            <a:fillRect/>
+          </a:stretch>
+        </p:blipFill>
+        <p:spPr>
+          <a:xfrm>
+            <a:off x="5431715" y="1690688"/>
+            <a:ext cx="6387384" cy="3042677"/>
+          </a:xfrm>
+          <a:prstGeom prst="round2DiagRect">
+            <a:avLst>
+              <a:gd name="adj1" fmla="val 16667"/>
+              <a:gd name="adj2" fmla="val 0"/>
+            </a:avLst>
+          </a:prstGeom>
+          <a:ln w="88900" cap="sq">
+            <a:solidFill>
+              <a:schemeClr val="bg2">
+                <a:lumMod val="60000"/>
+                <a:lumOff val="40000"/>
+              </a:schemeClr>
+            </a:solidFill>
+            <a:miter lim="800000"/>
+          </a:ln>
+          <a:effectLst>
+            <a:outerShdw blurRad="254000" algn="tl" rotWithShape="0">
+              <a:srgbClr val="000000">
+                <a:alpha val="43000"/>
+              </a:srgbClr>
+            </a:outerShdw>
+          </a:effectLst>
+        </p:spPr>
+      </p:pic>
+      <p:sp>
+        <p:nvSpPr>
+          <p:cNvPr id="6" name="Textfeld 5">
+            <a:extLst>
+              <a:ext uri="{FF2B5EF4-FFF2-40B4-BE49-F238E27FC236}">
+                <a16:creationId xmlns:a16="http://schemas.microsoft.com/office/drawing/2014/main" id="{65E2D42B-D592-4BFB-992F-0916CF97B1E0}"/>
+              </a:ext>
+            </a:extLst>
+          </p:cNvPr>
+          <p:cNvSpPr txBox="1"/>
+          <p:nvPr/>
+        </p:nvSpPr>
+        <p:spPr>
+          <a:xfrm>
+            <a:off x="838200" y="1690688"/>
+            <a:ext cx="4497593" cy="830997"/>
+          </a:xfrm>
+          <a:prstGeom prst="rect">
+            <a:avLst/>
+          </a:prstGeom>
+          <a:noFill/>
+        </p:spPr>
+        <p:txBody>
+          <a:bodyPr wrap="square" rtlCol="0">
+            <a:spAutoFit/>
+          </a:bodyPr>
+          <a:lstStyle/>
+          <a:p>
+            <a:pPr marL="285750" indent="-285750">
+              <a:buFont typeface="Arial" panose="020B0604020202020204" pitchFamily="34" charset="0"/>
+              <a:buChar char="•"/>
+            </a:pPr>
+            <a:r>
+              <a:rPr lang="de-CH" sz="2400" dirty="0"/>
+              <a:t>Verhaltensmuster</a:t>
+            </a:r>
+          </a:p>
+          <a:p>
+            <a:pPr marL="285750" indent="-285750">
+              <a:buFont typeface="Arial" panose="020B0604020202020204" pitchFamily="34" charset="0"/>
+              <a:buChar char="•"/>
+            </a:pPr>
+            <a:r>
+              <a:rPr lang="de-CH" sz="2400" dirty="0" err="1"/>
+              <a:t>GoF</a:t>
+            </a:r>
+            <a:r>
+              <a:rPr lang="de-CH" sz="2400" dirty="0"/>
+              <a:t> - Muster</a:t>
+            </a:r>
+          </a:p>
+        </p:txBody>
+      </p:sp>
+    </p:spTree>
+    <p:extLst>
+      <p:ext uri="{BB962C8B-B14F-4D97-AF65-F5344CB8AC3E}">
+        <p14:creationId xmlns:p14="http://schemas.microsoft.com/office/powerpoint/2010/main" val="2396557396"/>
+      </p:ext>
+    </p:extLst>
+  </p:cSld>
+  <p:clrMapOvr>
+    <a:masterClrMapping/>
+  </p:clrMapOvr>
+</p:sld>
+</file>
+
+<file path=ppt/slides/slide4.xml><?xml version="1.0" encoding="utf-8"?>
+<p:sld xmlns:a="http://schemas.openxmlformats.org/drawingml/2006/main" xmlns:r="http://schemas.openxmlformats.org/officeDocument/2006/relationships" xmlns:p="http://schemas.openxmlformats.org/presentationml/2006/main">
+  <p:cSld>
+    <p:spTree>
+      <p:nvGrpSpPr>
+        <p:cNvPr id="1" name=""/>
+        <p:cNvGrpSpPr/>
+        <p:nvPr/>
+      </p:nvGrpSpPr>
+      <p:grpSpPr>
+        <a:xfrm>
+          <a:off x="0" y="0"/>
+          <a:ext cx="0" cy="0"/>
+          <a:chOff x="0" y="0"/>
+          <a:chExt cx="0" cy="0"/>
+        </a:xfrm>
+      </p:grpSpPr>
+      <p:sp>
+        <p:nvSpPr>
+          <p:cNvPr id="2" name="Titel 1">
+            <a:extLst>
+              <a:ext uri="{FF2B5EF4-FFF2-40B4-BE49-F238E27FC236}">
+                <a16:creationId xmlns:a16="http://schemas.microsoft.com/office/drawing/2014/main" id="{C5CEB64B-33A3-47CD-BD25-53ACE34A488E}"/>
+              </a:ext>
+            </a:extLst>
+          </p:cNvPr>
+          <p:cNvSpPr>
+            <a:spLocks noGrp="1"/>
+          </p:cNvSpPr>
+          <p:nvPr>
+            <p:ph type="title"/>
+          </p:nvPr>
+        </p:nvSpPr>
+        <p:spPr/>
+        <p:txBody>
+          <a:bodyPr/>
+          <a:lstStyle/>
+          <a:p>
+            <a:r>
+              <a:rPr lang="de-CH" dirty="0" err="1"/>
+              <a:t>Strategy</a:t>
+            </a:r>
+            <a:r>
+              <a:rPr lang="de-CH" dirty="0"/>
+              <a:t> - Grundbau</a:t>
+            </a:r>
+          </a:p>
+        </p:txBody>
+      </p:sp>
+      <p:pic>
+        <p:nvPicPr>
+          <p:cNvPr id="5" name="Grafik 4">
+            <a:extLst>
+              <a:ext uri="{FF2B5EF4-FFF2-40B4-BE49-F238E27FC236}">
+                <a16:creationId xmlns:a16="http://schemas.microsoft.com/office/drawing/2014/main" id="{42CE9572-4DF9-4B99-80F7-F200C6F9843B}"/>
+              </a:ext>
+            </a:extLst>
+          </p:cNvPr>
+          <p:cNvPicPr>
+            <a:picLocks noChangeAspect="1"/>
+          </p:cNvPicPr>
+          <p:nvPr/>
+        </p:nvPicPr>
+        <p:blipFill>
+          <a:blip r:embed="rId2"/>
+          <a:stretch>
+            <a:fillRect/>
+          </a:stretch>
+        </p:blipFill>
+        <p:spPr>
+          <a:xfrm>
+            <a:off x="4837621" y="1690688"/>
+            <a:ext cx="6516179" cy="4690967"/>
+          </a:xfrm>
+          <a:prstGeom prst="round2DiagRect">
+            <a:avLst>
+              <a:gd name="adj1" fmla="val 16667"/>
+              <a:gd name="adj2" fmla="val 0"/>
+            </a:avLst>
+          </a:prstGeom>
+          <a:ln w="88900" cap="sq">
+            <a:solidFill>
+              <a:schemeClr val="bg2">
+                <a:lumMod val="60000"/>
+                <a:lumOff val="40000"/>
+              </a:schemeClr>
+            </a:solidFill>
+            <a:miter lim="800000"/>
+          </a:ln>
+          <a:effectLst>
+            <a:outerShdw blurRad="254000" algn="tl" rotWithShape="0">
+              <a:srgbClr val="000000">
+                <a:alpha val="43000"/>
+              </a:srgbClr>
+            </a:outerShdw>
+          </a:effectLst>
+        </p:spPr>
+      </p:pic>
+    </p:spTree>
+    <p:extLst>
+      <p:ext uri="{BB962C8B-B14F-4D97-AF65-F5344CB8AC3E}">
+        <p14:creationId xmlns:p14="http://schemas.microsoft.com/office/powerpoint/2010/main" val="705399692"/>
+      </p:ext>
+    </p:extLst>
+  </p:cSld>
+  <p:clrMapOvr>
+    <a:masterClrMapping/>
+  </p:clrMapOvr>
+</p:sld>
+</file>
+
+<file path=ppt/slides/slide5.xml><?xml version="1.0" encoding="utf-8"?>
+<p:sld xmlns:a="http://schemas.openxmlformats.org/drawingml/2006/main" xmlns:r="http://schemas.openxmlformats.org/officeDocument/2006/relationships" xmlns:p="http://schemas.openxmlformats.org/presentationml/2006/main">
+  <p:cSld>
+    <p:spTree>
+      <p:nvGrpSpPr>
+        <p:cNvPr id="1" name=""/>
+        <p:cNvGrpSpPr/>
+        <p:nvPr/>
+      </p:nvGrpSpPr>
+      <p:grpSpPr>
+        <a:xfrm>
+          <a:off x="0" y="0"/>
+          <a:ext cx="0" cy="0"/>
+          <a:chOff x="0" y="0"/>
+          <a:chExt cx="0" cy="0"/>
+        </a:xfrm>
+      </p:grpSpPr>
+      <p:sp>
+        <p:nvSpPr>
+          <p:cNvPr id="2" name="Titel 1">
+            <a:extLst>
+              <a:ext uri="{FF2B5EF4-FFF2-40B4-BE49-F238E27FC236}">
+                <a16:creationId xmlns:a16="http://schemas.microsoft.com/office/drawing/2014/main" id="{7F7B74F0-8931-457C-AE0B-086DDA749A73}"/>
+              </a:ext>
+            </a:extLst>
+          </p:cNvPr>
+          <p:cNvSpPr>
+            <a:spLocks noGrp="1"/>
+          </p:cNvSpPr>
+          <p:nvPr>
+            <p:ph type="title"/>
+          </p:nvPr>
+        </p:nvSpPr>
+        <p:spPr/>
+        <p:txBody>
+          <a:bodyPr/>
+          <a:lstStyle/>
+          <a:p>
+            <a:r>
+              <a:rPr lang="de-CH" dirty="0" err="1"/>
+              <a:t>Strategy</a:t>
+            </a:r>
+            <a:r>
+              <a:rPr lang="de-CH" dirty="0"/>
+              <a:t> – Wie es funktioniert</a:t>
+            </a:r>
+          </a:p>
+        </p:txBody>
+      </p:sp>
+      <p:sp>
+        <p:nvSpPr>
+          <p:cNvPr id="3" name="Inhaltsplatzhalter 2">
+            <a:extLst>
+              <a:ext uri="{FF2B5EF4-FFF2-40B4-BE49-F238E27FC236}">
+                <a16:creationId xmlns:a16="http://schemas.microsoft.com/office/drawing/2014/main" id="{EDCB7502-9E82-4365-A79D-4DCE3C9F0910}"/>
+              </a:ext>
+            </a:extLst>
+          </p:cNvPr>
+          <p:cNvSpPr>
+            <a:spLocks noGrp="1"/>
+          </p:cNvSpPr>
+          <p:nvPr>
+            <p:ph idx="1"/>
+          </p:nvPr>
+        </p:nvSpPr>
+        <p:spPr/>
+        <p:txBody>
+          <a:bodyPr/>
+          <a:lstStyle/>
+          <a:p>
+            <a:r>
+              <a:rPr lang="de-CH" dirty="0"/>
+              <a:t>Verwendung von einem Interface um flexible Klassen zu schreiben</a:t>
+            </a:r>
+          </a:p>
+          <a:p>
+            <a:r>
+              <a:rPr lang="de-CH" dirty="0"/>
+              <a:t>Polymorphismus</a:t>
+            </a:r>
+          </a:p>
+          <a:p>
+            <a:r>
+              <a:rPr lang="de-CH" dirty="0"/>
+              <a:t>Benützung einer Methode (</a:t>
+            </a:r>
+            <a:r>
+              <a:rPr lang="de-CH" dirty="0" err="1"/>
+              <a:t>z.B</a:t>
+            </a:r>
+            <a:r>
+              <a:rPr lang="de-CH" dirty="0"/>
+              <a:t> «</a:t>
+            </a:r>
+            <a:r>
+              <a:rPr lang="de-CH" dirty="0" err="1"/>
+              <a:t>setStrategy</a:t>
+            </a:r>
+            <a:r>
+              <a:rPr lang="de-CH" dirty="0"/>
+              <a:t>(</a:t>
+            </a:r>
+            <a:r>
+              <a:rPr lang="de-CH" dirty="0" err="1"/>
+              <a:t>Strategy</a:t>
+            </a:r>
+            <a:r>
+              <a:rPr lang="de-CH" dirty="0"/>
+              <a:t> </a:t>
+            </a:r>
+            <a:r>
+              <a:rPr lang="de-CH" dirty="0" err="1"/>
+              <a:t>strategy</a:t>
+            </a:r>
+            <a:r>
+              <a:rPr lang="de-CH" dirty="0"/>
+              <a:t>)) um die Strategie festzulegen</a:t>
+            </a:r>
+          </a:p>
+        </p:txBody>
+      </p:sp>
+    </p:spTree>
+    <p:extLst>
+      <p:ext uri="{BB962C8B-B14F-4D97-AF65-F5344CB8AC3E}">
+        <p14:creationId xmlns:p14="http://schemas.microsoft.com/office/powerpoint/2010/main" val="2521934589"/>
+      </p:ext>
+    </p:extLst>
+  </p:cSld>
+  <p:clrMapOvr>
+    <a:masterClrMapping/>
+  </p:clrMapOvr>
+</p:sld>
+</file>
+
 <file path=ppt/slides/slide6.xml><?xml version="1.0" encoding="utf-8"?>
 <p:sld xmlns:a="http://schemas.openxmlformats.org/drawingml/2006/main" xmlns:r="http://schemas.openxmlformats.org/officeDocument/2006/relationships" xmlns:p="http://schemas.openxmlformats.org/presentationml/2006/main">
   <p:cSld>
@@ -3924,6 +7512,339 @@
           <p:cNvPr id="2" name="Titel 1">
             <a:extLst>
               <a:ext uri="{FF2B5EF4-FFF2-40B4-BE49-F238E27FC236}">
+                <a16:creationId xmlns:a16="http://schemas.microsoft.com/office/drawing/2014/main" id="{7F7B74F0-8931-457C-AE0B-086DDA749A73}"/>
+              </a:ext>
+            </a:extLst>
+          </p:cNvPr>
+          <p:cNvSpPr>
+            <a:spLocks noGrp="1"/>
+          </p:cNvSpPr>
+          <p:nvPr>
+            <p:ph type="title"/>
+          </p:nvPr>
+        </p:nvSpPr>
+        <p:spPr/>
+        <p:txBody>
+          <a:bodyPr/>
+          <a:lstStyle/>
+          <a:p>
+            <a:r>
+              <a:rPr lang="de-CH" dirty="0" err="1"/>
+              <a:t>Strategy</a:t>
+            </a:r>
+            <a:r>
+              <a:rPr lang="de-CH" dirty="0"/>
+              <a:t> – Verwendung</a:t>
+            </a:r>
+          </a:p>
+        </p:txBody>
+      </p:sp>
+      <p:sp>
+        <p:nvSpPr>
+          <p:cNvPr id="3" name="Inhaltsplatzhalter 2">
+            <a:extLst>
+              <a:ext uri="{FF2B5EF4-FFF2-40B4-BE49-F238E27FC236}">
+                <a16:creationId xmlns:a16="http://schemas.microsoft.com/office/drawing/2014/main" id="{EDCB7502-9E82-4365-A79D-4DCE3C9F0910}"/>
+              </a:ext>
+            </a:extLst>
+          </p:cNvPr>
+          <p:cNvSpPr>
+            <a:spLocks noGrp="1"/>
+          </p:cNvSpPr>
+          <p:nvPr>
+            <p:ph idx="1"/>
+          </p:nvPr>
+        </p:nvSpPr>
+        <p:spPr/>
+        <p:txBody>
+          <a:bodyPr/>
+          <a:lstStyle/>
+          <a:p>
+            <a:r>
+              <a:rPr lang="de-CH" dirty="0"/>
+              <a:t>Steuerberechnung</a:t>
+            </a:r>
+          </a:p>
+          <a:p>
+            <a:r>
+              <a:rPr lang="de-CH" dirty="0"/>
+              <a:t>Kompressionstool</a:t>
+            </a:r>
+          </a:p>
+          <a:p>
+            <a:r>
+              <a:rPr lang="de-CH" dirty="0"/>
+              <a:t>Geräte-Treiber</a:t>
+            </a:r>
+          </a:p>
+          <a:p>
+            <a:r>
+              <a:rPr lang="de-CH" dirty="0"/>
+              <a:t>Server Programme</a:t>
+            </a:r>
+          </a:p>
+          <a:p>
+            <a:endParaRPr lang="de-CH" dirty="0"/>
+          </a:p>
+        </p:txBody>
+      </p:sp>
+    </p:spTree>
+    <p:extLst>
+      <p:ext uri="{BB962C8B-B14F-4D97-AF65-F5344CB8AC3E}">
+        <p14:creationId xmlns:p14="http://schemas.microsoft.com/office/powerpoint/2010/main" val="96178129"/>
+      </p:ext>
+    </p:extLst>
+  </p:cSld>
+  <p:clrMapOvr>
+    <a:masterClrMapping/>
+  </p:clrMapOvr>
+</p:sld>
+</file>
+
+<file path=ppt/slides/slide7.xml><?xml version="1.0" encoding="utf-8"?>
+<p:sld xmlns:a="http://schemas.openxmlformats.org/drawingml/2006/main" xmlns:r="http://schemas.openxmlformats.org/officeDocument/2006/relationships" xmlns:p="http://schemas.openxmlformats.org/presentationml/2006/main">
+  <p:cSld>
+    <p:spTree>
+      <p:nvGrpSpPr>
+        <p:cNvPr id="1" name=""/>
+        <p:cNvGrpSpPr/>
+        <p:nvPr/>
+      </p:nvGrpSpPr>
+      <p:grpSpPr>
+        <a:xfrm>
+          <a:off x="0" y="0"/>
+          <a:ext cx="0" cy="0"/>
+          <a:chOff x="0" y="0"/>
+          <a:chExt cx="0" cy="0"/>
+        </a:xfrm>
+      </p:grpSpPr>
+      <p:sp>
+        <p:nvSpPr>
+          <p:cNvPr id="2" name="Titel 1">
+            <a:extLst>
+              <a:ext uri="{FF2B5EF4-FFF2-40B4-BE49-F238E27FC236}">
+                <a16:creationId xmlns:a16="http://schemas.microsoft.com/office/drawing/2014/main" id="{7F7B74F0-8931-457C-AE0B-086DDA749A73}"/>
+              </a:ext>
+            </a:extLst>
+          </p:cNvPr>
+          <p:cNvSpPr>
+            <a:spLocks noGrp="1"/>
+          </p:cNvSpPr>
+          <p:nvPr>
+            <p:ph type="title"/>
+          </p:nvPr>
+        </p:nvSpPr>
+        <p:spPr/>
+        <p:txBody>
+          <a:bodyPr/>
+          <a:lstStyle/>
+          <a:p>
+            <a:r>
+              <a:rPr lang="de-CH" dirty="0" err="1"/>
+              <a:t>Strategy</a:t>
+            </a:r>
+            <a:r>
+              <a:rPr lang="de-CH" dirty="0"/>
+              <a:t> – Vorteile</a:t>
+            </a:r>
+          </a:p>
+        </p:txBody>
+      </p:sp>
+      <p:sp>
+        <p:nvSpPr>
+          <p:cNvPr id="3" name="Inhaltsplatzhalter 2">
+            <a:extLst>
+              <a:ext uri="{FF2B5EF4-FFF2-40B4-BE49-F238E27FC236}">
+                <a16:creationId xmlns:a16="http://schemas.microsoft.com/office/drawing/2014/main" id="{EDCB7502-9E82-4365-A79D-4DCE3C9F0910}"/>
+              </a:ext>
+            </a:extLst>
+          </p:cNvPr>
+          <p:cNvSpPr>
+            <a:spLocks noGrp="1"/>
+          </p:cNvSpPr>
+          <p:nvPr>
+            <p:ph idx="1"/>
+          </p:nvPr>
+        </p:nvSpPr>
+        <p:spPr/>
+        <p:txBody>
+          <a:bodyPr/>
+          <a:lstStyle/>
+          <a:p>
+            <a:r>
+              <a:rPr lang="de-CH" dirty="0"/>
+              <a:t>Familie von Algorithmen definiert.</a:t>
+            </a:r>
+          </a:p>
+          <a:p>
+            <a:r>
+              <a:rPr lang="de-CH" dirty="0"/>
+              <a:t>Auswahl aus verschiedenen Implementierungen möglich; erhöhte Flexibilität und Wiederverwendbarkeit.</a:t>
+            </a:r>
+          </a:p>
+          <a:p>
+            <a:r>
+              <a:rPr lang="de-CH" dirty="0"/>
+              <a:t>Mehrfachverzweigungen werden vermieden, verbesserte Übersicht des Codes.</a:t>
+            </a:r>
+          </a:p>
+          <a:p>
+            <a:r>
+              <a:rPr lang="de-CH" dirty="0"/>
+              <a:t>Bietet eine Alternative zur Unterklassenbildung der Kontexte.</a:t>
+            </a:r>
+          </a:p>
+          <a:p>
+            <a:pPr marL="0" indent="0">
+              <a:buNone/>
+            </a:pPr>
+            <a:endParaRPr lang="de-CH" dirty="0"/>
+          </a:p>
+        </p:txBody>
+      </p:sp>
+    </p:spTree>
+    <p:extLst>
+      <p:ext uri="{BB962C8B-B14F-4D97-AF65-F5344CB8AC3E}">
+        <p14:creationId xmlns:p14="http://schemas.microsoft.com/office/powerpoint/2010/main" val="1840272547"/>
+      </p:ext>
+    </p:extLst>
+  </p:cSld>
+  <p:clrMapOvr>
+    <a:masterClrMapping/>
+  </p:clrMapOvr>
+</p:sld>
+</file>
+
+<file path=ppt/slides/slide8.xml><?xml version="1.0" encoding="utf-8"?>
+<p:sld xmlns:a="http://schemas.openxmlformats.org/drawingml/2006/main" xmlns:r="http://schemas.openxmlformats.org/officeDocument/2006/relationships" xmlns:p="http://schemas.openxmlformats.org/presentationml/2006/main">
+  <p:cSld>
+    <p:spTree>
+      <p:nvGrpSpPr>
+        <p:cNvPr id="1" name=""/>
+        <p:cNvGrpSpPr/>
+        <p:nvPr/>
+      </p:nvGrpSpPr>
+      <p:grpSpPr>
+        <a:xfrm>
+          <a:off x="0" y="0"/>
+          <a:ext cx="0" cy="0"/>
+          <a:chOff x="0" y="0"/>
+          <a:chExt cx="0" cy="0"/>
+        </a:xfrm>
+      </p:grpSpPr>
+      <p:sp>
+        <p:nvSpPr>
+          <p:cNvPr id="2" name="Titel 1">
+            <a:extLst>
+              <a:ext uri="{FF2B5EF4-FFF2-40B4-BE49-F238E27FC236}">
+                <a16:creationId xmlns:a16="http://schemas.microsoft.com/office/drawing/2014/main" id="{7F7B74F0-8931-457C-AE0B-086DDA749A73}"/>
+              </a:ext>
+            </a:extLst>
+          </p:cNvPr>
+          <p:cNvSpPr>
+            <a:spLocks noGrp="1"/>
+          </p:cNvSpPr>
+          <p:nvPr>
+            <p:ph type="title"/>
+          </p:nvPr>
+        </p:nvSpPr>
+        <p:spPr/>
+        <p:txBody>
+          <a:bodyPr/>
+          <a:lstStyle/>
+          <a:p>
+            <a:r>
+              <a:rPr lang="de-CH" dirty="0" err="1"/>
+              <a:t>Strategy</a:t>
+            </a:r>
+            <a:r>
+              <a:rPr lang="de-CH" dirty="0"/>
+              <a:t> – Nachteile</a:t>
+            </a:r>
+          </a:p>
+        </p:txBody>
+      </p:sp>
+      <p:sp>
+        <p:nvSpPr>
+          <p:cNvPr id="3" name="Inhaltsplatzhalter 2">
+            <a:extLst>
+              <a:ext uri="{FF2B5EF4-FFF2-40B4-BE49-F238E27FC236}">
+                <a16:creationId xmlns:a16="http://schemas.microsoft.com/office/drawing/2014/main" id="{EDCB7502-9E82-4365-A79D-4DCE3C9F0910}"/>
+              </a:ext>
+            </a:extLst>
+          </p:cNvPr>
+          <p:cNvSpPr>
+            <a:spLocks noGrp="1"/>
+          </p:cNvSpPr>
+          <p:nvPr>
+            <p:ph idx="1"/>
+          </p:nvPr>
+        </p:nvSpPr>
+        <p:spPr/>
+        <p:txBody>
+          <a:bodyPr/>
+          <a:lstStyle/>
+          <a:p>
+            <a:r>
+              <a:rPr lang="de-CH" dirty="0"/>
+              <a:t>Klienten müssen unterschiedliche Strategien kennen, um zwischen ihnen auszuwählen und den Kontext zu initialisieren.</a:t>
+            </a:r>
+          </a:p>
+          <a:p>
+            <a:r>
+              <a:rPr lang="de-CH" dirty="0"/>
+              <a:t>Zusätzlicher Kommunikationsaufwand zwischen Strategie und Kontext.</a:t>
+            </a:r>
+          </a:p>
+          <a:p>
+            <a:r>
+              <a:rPr lang="de-CH" dirty="0"/>
+              <a:t>Die Anzahl der Objekte wird erhöht.</a:t>
+            </a:r>
+          </a:p>
+          <a:p>
+            <a:pPr marL="0" indent="0">
+              <a:buNone/>
+            </a:pPr>
+            <a:endParaRPr lang="de-CH" dirty="0"/>
+          </a:p>
+        </p:txBody>
+      </p:sp>
+    </p:spTree>
+    <p:extLst>
+      <p:ext uri="{BB962C8B-B14F-4D97-AF65-F5344CB8AC3E}">
+        <p14:creationId xmlns:p14="http://schemas.microsoft.com/office/powerpoint/2010/main" val="1992626557"/>
+      </p:ext>
+    </p:extLst>
+  </p:cSld>
+  <p:clrMapOvr>
+    <a:masterClrMapping/>
+  </p:clrMapOvr>
+</p:sld>
+</file>
+
+<file path=ppt/slides/slide9.xml><?xml version="1.0" encoding="utf-8"?>
+<p:sld xmlns:a="http://schemas.openxmlformats.org/drawingml/2006/main" xmlns:r="http://schemas.openxmlformats.org/officeDocument/2006/relationships" xmlns:p="http://schemas.openxmlformats.org/presentationml/2006/main">
+  <p:cSld>
+    <p:spTree>
+      <p:nvGrpSpPr>
+        <p:cNvPr id="1" name=""/>
+        <p:cNvGrpSpPr/>
+        <p:nvPr/>
+      </p:nvGrpSpPr>
+      <p:grpSpPr>
+        <a:xfrm>
+          <a:off x="0" y="0"/>
+          <a:ext cx="0" cy="0"/>
+          <a:chOff x="0" y="0"/>
+          <a:chExt cx="0" cy="0"/>
+        </a:xfrm>
+      </p:grpSpPr>
+      <p:sp>
+        <p:nvSpPr>
+          <p:cNvPr id="2" name="Titel 1">
+            <a:extLst>
+              <a:ext uri="{FF2B5EF4-FFF2-40B4-BE49-F238E27FC236}">
                 <a16:creationId xmlns:a16="http://schemas.microsoft.com/office/drawing/2014/main" id="{F1F69858-08AD-41D6-97FD-44CC3DCCCBF5}"/>
               </a:ext>
             </a:extLst>
@@ -3970,39 +7891,11 @@
           <a:p>
             <a:r>
               <a:rPr lang="de-CH" dirty="0"/>
-              <a:t>Werden verwendet für:</a:t>
-            </a:r>
-          </a:p>
-          <a:p>
-            <a:pPr lvl="1"/>
-            <a:r>
-              <a:rPr lang="de-CH" dirty="0"/>
-              <a:t>Events</a:t>
-            </a:r>
-          </a:p>
-          <a:p>
-            <a:pPr lvl="1"/>
-            <a:r>
-              <a:rPr lang="de-CH" dirty="0"/>
-              <a:t>Aktualisieren von GUIs</a:t>
-            </a:r>
-          </a:p>
-          <a:p>
-            <a:pPr lvl="1"/>
-            <a:r>
-              <a:rPr lang="de-CH" dirty="0"/>
-              <a:t>Daten aktualisieren</a:t>
-            </a:r>
-          </a:p>
-          <a:p>
-            <a:pPr lvl="1"/>
-            <a:r>
-              <a:rPr lang="de-CH" dirty="0"/>
-              <a:t>Stark im </a:t>
+              <a:t>«Gang </a:t>
             </a:r>
             <a:r>
               <a:rPr lang="de-CH" dirty="0" err="1"/>
-              <a:t>ecs</a:t>
+              <a:t>of</a:t>
             </a:r>
             <a:r>
               <a:rPr lang="de-CH" dirty="0"/>
@@ -4010,12 +7903,34 @@
             </a:r>
             <a:r>
               <a:rPr lang="de-CH" dirty="0" err="1"/>
-              <a:t>model</a:t>
+              <a:t>Four</a:t>
             </a:r>
             <a:r>
               <a:rPr lang="de-CH" dirty="0"/>
-              <a:t> verwendet</a:t>
-            </a:r>
+              <a:t>» design </a:t>
+            </a:r>
+            <a:r>
+              <a:rPr lang="de-CH" dirty="0" err="1"/>
+              <a:t>pattern</a:t>
+            </a:r>
+            <a:endParaRPr lang="de-CH" dirty="0"/>
+          </a:p>
+          <a:p>
+            <a:r>
+              <a:rPr lang="de-CH" dirty="0"/>
+              <a:t>Sind dafür da Sachen bei Veränderungen zu aktualisieren</a:t>
+            </a:r>
+          </a:p>
+          <a:p>
+            <a:r>
+              <a:rPr lang="de-CH" dirty="0"/>
+              <a:t>Funktionieren wie </a:t>
+            </a:r>
+            <a:r>
+              <a:rPr lang="de-CH" dirty="0" err="1"/>
+              <a:t>events</a:t>
+            </a:r>
+            <a:endParaRPr lang="de-CH" dirty="0"/>
           </a:p>
           <a:p>
             <a:endParaRPr lang="de-CH" dirty="0"/>
@@ -4025,7 +7940,7 @@
     </p:spTree>
     <p:extLst>
       <p:ext uri="{BB962C8B-B14F-4D97-AF65-F5344CB8AC3E}">
-        <p14:creationId xmlns:p14="http://schemas.microsoft.com/office/powerpoint/2010/main" val="3064572931"/>
+        <p14:creationId xmlns:p14="http://schemas.microsoft.com/office/powerpoint/2010/main" val="2928950837"/>
       </p:ext>
     </p:extLst>
   </p:cSld>
@@ -4036,9 +7951,9 @@
 </file>
 
 <file path=ppt/theme/theme1.xml><?xml version="1.0" encoding="utf-8"?>
-<a:theme xmlns:a="http://schemas.openxmlformats.org/drawingml/2006/main" name="Office">
+<a:theme xmlns:a="http://schemas.openxmlformats.org/drawingml/2006/main" name="Ion">
   <a:themeElements>
-    <a:clrScheme name="Office">
+    <a:clrScheme name="Ion">
       <a:dk1>
         <a:sysClr val="windowText" lastClr="000000"/>
       </a:dk1>
@@ -4046,44 +7961,44 @@
         <a:sysClr val="window" lastClr="FFFFFF"/>
       </a:lt1>
       <a:dk2>
-        <a:srgbClr val="44546A"/>
+        <a:srgbClr val="3B3059"/>
       </a:dk2>
       <a:lt2>
-        <a:srgbClr val="E7E6E6"/>
+        <a:srgbClr val="EBEBEB"/>
       </a:lt2>
       <a:accent1>
-        <a:srgbClr val="4472C4"/>
+        <a:srgbClr val="B31166"/>
       </a:accent1>
       <a:accent2>
-        <a:srgbClr val="ED7D31"/>
+        <a:srgbClr val="E33D6F"/>
       </a:accent2>
       <a:accent3>
-        <a:srgbClr val="A5A5A5"/>
+        <a:srgbClr val="E45F3C"/>
       </a:accent3>
       <a:accent4>
-        <a:srgbClr val="FFC000"/>
+        <a:srgbClr val="E9943A"/>
       </a:accent4>
       <a:accent5>
-        <a:srgbClr val="5B9BD5"/>
+        <a:srgbClr val="9B6BF2"/>
       </a:accent5>
       <a:accent6>
-        <a:srgbClr val="70AD47"/>
+        <a:srgbClr val="D53DD0"/>
       </a:accent6>
       <a:hlink>
-        <a:srgbClr val="0563C1"/>
+        <a:srgbClr val="EC76B5"/>
       </a:hlink>
       <a:folHlink>
-        <a:srgbClr val="954F72"/>
+        <a:srgbClr val="E8ACCD"/>
       </a:folHlink>
     </a:clrScheme>
-    <a:fontScheme name="Office">
+    <a:fontScheme name="Ion">
       <a:majorFont>
-        <a:latin typeface="Calibri Light" panose="020F0302020204030204"/>
+        <a:latin typeface="Century Gothic" panose="020B0502020202020204"/>
         <a:ea typeface=""/>
         <a:cs typeface=""/>
-        <a:font script="Jpan" typeface="游ゴシック Light"/>
+        <a:font script="Jpan" typeface="メイリオ"/>
         <a:font script="Hang" typeface="맑은 고딕"/>
-        <a:font script="Hans" typeface="等线 Light"/>
+        <a:font script="Hans" typeface="宋体"/>
         <a:font script="Hant" typeface="新細明體"/>
         <a:font script="Arab" typeface="Times New Roman"/>
         <a:font script="Hebr" typeface="Times New Roman"/>
@@ -4111,31 +8026,14 @@
         <a:font script="Viet" typeface="Times New Roman"/>
         <a:font script="Uigh" typeface="Microsoft Uighur"/>
         <a:font script="Geor" typeface="Sylfaen"/>
-        <a:font script="Armn" typeface="Arial"/>
-        <a:font script="Bugi" typeface="Leelawadee UI"/>
-        <a:font script="Bopo" typeface="Microsoft JhengHei"/>
-        <a:font script="Java" typeface="Javanese Text"/>
-        <a:font script="Lisu" typeface="Segoe UI"/>
-        <a:font script="Mymr" typeface="Myanmar Text"/>
-        <a:font script="Nkoo" typeface="Ebrima"/>
-        <a:font script="Olck" typeface="Nirmala UI"/>
-        <a:font script="Osma" typeface="Ebrima"/>
-        <a:font script="Phag" typeface="Phagspa"/>
-        <a:font script="Syrn" typeface="Estrangelo Edessa"/>
-        <a:font script="Syrj" typeface="Estrangelo Edessa"/>
-        <a:font script="Syre" typeface="Estrangelo Edessa"/>
-        <a:font script="Sora" typeface="Nirmala UI"/>
-        <a:font script="Tale" typeface="Microsoft Tai Le"/>
-        <a:font script="Talu" typeface="Microsoft New Tai Lue"/>
-        <a:font script="Tfng" typeface="Ebrima"/>
       </a:majorFont>
       <a:minorFont>
-        <a:latin typeface="Calibri" panose="020F0502020204030204"/>
+        <a:latin typeface="Century Gothic" panose="020B0502020202020204"/>
         <a:ea typeface=""/>
         <a:cs typeface=""/>
-        <a:font script="Jpan" typeface="游ゴシック"/>
+        <a:font script="Jpan" typeface="メイリオ"/>
         <a:font script="Hang" typeface="맑은 고딕"/>
-        <a:font script="Hans" typeface="等线"/>
+        <a:font script="Hans" typeface="宋体"/>
         <a:font script="Hant" typeface="新細明體"/>
         <a:font script="Arab" typeface="Arial"/>
         <a:font script="Hebr" typeface="Arial"/>
@@ -4163,26 +8061,9 @@
         <a:font script="Viet" typeface="Arial"/>
         <a:font script="Uigh" typeface="Microsoft Uighur"/>
         <a:font script="Geor" typeface="Sylfaen"/>
-        <a:font script="Armn" typeface="Arial"/>
-        <a:font script="Bugi" typeface="Leelawadee UI"/>
-        <a:font script="Bopo" typeface="Microsoft JhengHei"/>
-        <a:font script="Java" typeface="Javanese Text"/>
-        <a:font script="Lisu" typeface="Segoe UI"/>
-        <a:font script="Mymr" typeface="Myanmar Text"/>
-        <a:font script="Nkoo" typeface="Ebrima"/>
-        <a:font script="Olck" typeface="Nirmala UI"/>
-        <a:font script="Osma" typeface="Ebrima"/>
-        <a:font script="Phag" typeface="Phagspa"/>
-        <a:font script="Syrn" typeface="Estrangelo Edessa"/>
-        <a:font script="Syrj" typeface="Estrangelo Edessa"/>
-        <a:font script="Syre" typeface="Estrangelo Edessa"/>
-        <a:font script="Sora" typeface="Nirmala UI"/>
-        <a:font script="Tale" typeface="Microsoft Tai Le"/>
-        <a:font script="Talu" typeface="Microsoft New Tai Lue"/>
-        <a:font script="Tfng" typeface="Ebrima"/>
       </a:minorFont>
     </a:fontScheme>
-    <a:fmtScheme name="Office">
+    <a:fmtScheme name="Ion">
       <a:fillStyleLst>
         <a:solidFill>
           <a:schemeClr val="phClr"/>
@@ -4191,23 +8072,15 @@
           <a:gsLst>
             <a:gs pos="0">
               <a:schemeClr val="phClr">
-                <a:lumMod val="110000"/>
-                <a:satMod val="105000"/>
-                <a:tint val="67000"/>
-              </a:schemeClr>
-            </a:gs>
-            <a:gs pos="50000">
-              <a:schemeClr val="phClr">
-                <a:lumMod val="105000"/>
-                <a:satMod val="103000"/>
-                <a:tint val="73000"/>
+                <a:tint val="64000"/>
+                <a:lumMod val="118000"/>
               </a:schemeClr>
             </a:gs>
             <a:gs pos="100000">
               <a:schemeClr val="phClr">
-                <a:lumMod val="105000"/>
-                <a:satMod val="109000"/>
-                <a:tint val="81000"/>
+                <a:tint val="92000"/>
+                <a:alpha val="100000"/>
+                <a:lumMod val="110000"/>
               </a:schemeClr>
             </a:gs>
           </a:gsLst>
@@ -4217,23 +8090,14 @@
           <a:gsLst>
             <a:gs pos="0">
               <a:schemeClr val="phClr">
-                <a:satMod val="103000"/>
-                <a:lumMod val="102000"/>
-                <a:tint val="94000"/>
-              </a:schemeClr>
-            </a:gs>
-            <a:gs pos="50000">
-              <a:schemeClr val="phClr">
-                <a:satMod val="110000"/>
-                <a:lumMod val="100000"/>
-                <a:shade val="100000"/>
+                <a:tint val="98000"/>
+                <a:lumMod val="114000"/>
               </a:schemeClr>
             </a:gs>
             <a:gs pos="100000">
               <a:schemeClr val="phClr">
-                <a:lumMod val="99000"/>
-                <a:satMod val="120000"/>
-                <a:shade val="78000"/>
+                <a:shade val="90000"/>
+                <a:lumMod val="84000"/>
               </a:schemeClr>
             </a:gs>
           </a:gsLst>
@@ -4241,26 +8105,23 @@
         </a:gradFill>
       </a:fillStyleLst>
       <a:lnStyleLst>
-        <a:ln w="6350" cap="flat" cmpd="sng" algn="ctr">
+        <a:ln w="9525" cap="rnd" cmpd="sng" algn="ctr">
           <a:solidFill>
             <a:schemeClr val="phClr"/>
           </a:solidFill>
           <a:prstDash val="solid"/>
-          <a:miter lim="800000"/>
         </a:ln>
-        <a:ln w="12700" cap="flat" cmpd="sng" algn="ctr">
+        <a:ln w="19050" cap="rnd" cmpd="sng" algn="ctr">
           <a:solidFill>
             <a:schemeClr val="phClr"/>
           </a:solidFill>
           <a:prstDash val="solid"/>
-          <a:miter lim="800000"/>
         </a:ln>
-        <a:ln w="19050" cap="flat" cmpd="sng" algn="ctr">
+        <a:ln w="28575" cap="rnd" cmpd="sng" algn="ctr">
           <a:solidFill>
             <a:schemeClr val="phClr"/>
           </a:solidFill>
           <a:prstDash val="solid"/>
-          <a:miter lim="800000"/>
         </a:ln>
       </a:lnStyleLst>
       <a:effectStyleLst>
@@ -4268,55 +8129,78 @@
           <a:effectLst/>
         </a:effectStyle>
         <a:effectStyle>
-          <a:effectLst/>
+          <a:effectLst>
+            <a:outerShdw blurRad="38100" dist="25400" dir="5400000" rotWithShape="0">
+              <a:srgbClr val="000000">
+                <a:alpha val="45000"/>
+              </a:srgbClr>
+            </a:outerShdw>
+          </a:effectLst>
         </a:effectStyle>
         <a:effectStyle>
           <a:effectLst>
-            <a:outerShdw blurRad="57150" dist="19050" dir="5400000" algn="ctr" rotWithShape="0">
+            <a:outerShdw blurRad="63500" dist="38100" dir="5400000" rotWithShape="0">
               <a:srgbClr val="000000">
-                <a:alpha val="63000"/>
+                <a:alpha val="60000"/>
               </a:srgbClr>
             </a:outerShdw>
           </a:effectLst>
+          <a:scene3d>
+            <a:camera prst="orthographicFront">
+              <a:rot lat="0" lon="0" rev="0"/>
+            </a:camera>
+            <a:lightRig rig="threePt" dir="tl"/>
+          </a:scene3d>
+          <a:sp3d prstMaterial="plastic">
+            <a:bevelT w="0" h="0"/>
+          </a:sp3d>
         </a:effectStyle>
       </a:effectStyleLst>
       <a:bgFillStyleLst>
         <a:solidFill>
           <a:schemeClr val="phClr"/>
         </a:solidFill>
-        <a:solidFill>
-          <a:schemeClr val="phClr">
-            <a:tint val="95000"/>
-            <a:satMod val="170000"/>
-          </a:schemeClr>
-        </a:solidFill>
         <a:gradFill rotWithShape="1">
           <a:gsLst>
             <a:gs pos="0">
               <a:schemeClr val="phClr">
-                <a:tint val="93000"/>
-                <a:satMod val="150000"/>
-                <a:shade val="98000"/>
-                <a:lumMod val="102000"/>
-              </a:schemeClr>
-            </a:gs>
-            <a:gs pos="50000">
-              <a:schemeClr val="phClr">
                 <a:tint val="98000"/>
-                <a:satMod val="130000"/>
-                <a:shade val="90000"/>
-                <a:lumMod val="103000"/>
+                <a:hueMod val="124000"/>
+                <a:satMod val="148000"/>
+                <a:lumMod val="124000"/>
               </a:schemeClr>
             </a:gs>
             <a:gs pos="100000">
               <a:schemeClr val="phClr">
-                <a:shade val="63000"/>
-                <a:satMod val="120000"/>
+                <a:shade val="76000"/>
+                <a:hueMod val="89000"/>
+                <a:satMod val="164000"/>
+                <a:lumMod val="56000"/>
               </a:schemeClr>
             </a:gs>
           </a:gsLst>
-          <a:lin ang="5400000" scaled="0"/>
+          <a:path path="circle">
+            <a:fillToRect l="45000" t="65000" r="125000" b="100000"/>
+          </a:path>
         </a:gradFill>
+        <a:blipFill rotWithShape="1">
+          <a:blip xmlns:r="http://schemas.openxmlformats.org/officeDocument/2006/relationships" r:embed="rId1">
+            <a:duotone>
+              <a:schemeClr val="phClr">
+                <a:shade val="69000"/>
+                <a:hueMod val="91000"/>
+                <a:satMod val="164000"/>
+                <a:lumMod val="74000"/>
+              </a:schemeClr>
+              <a:schemeClr val="phClr">
+                <a:hueMod val="124000"/>
+                <a:satMod val="140000"/>
+                <a:lumMod val="142000"/>
+              </a:schemeClr>
+            </a:duotone>
+          </a:blip>
+          <a:stretch/>
+        </a:blipFill>
       </a:bgFillStyleLst>
     </a:fmtScheme>
   </a:themeElements>
@@ -4324,7 +8208,7 @@
   <a:extraClrSchemeLst/>
   <a:extLst>
     <a:ext uri="{05A4C25C-085E-4340-85A3-A5531E510DB2}">
-      <thm15:themeFamily xmlns:thm15="http://schemas.microsoft.com/office/thememl/2012/main" name="Office Theme" id="{62F939B6-93AF-4DB8-9C6B-D6C7DFDC589F}" vid="{4A3C46E8-61CC-4603-A589-7422A47A8E4A}"/>
+      <thm15:themeFamily xmlns:thm15="http://schemas.microsoft.com/office/thememl/2012/main" name="Ion" id="{B8441ADB-2E43-4AF7-B97A-BD870242C6A8}" vid="{A207AED3-9ABC-4A18-9978-A59B65688B15}"/>
     </a:ext>
   </a:extLst>
 </a:theme>
